--- a/13 - Modulation/FM Synthesis.pptx
+++ b/13 - Modulation/FM Synthesis.pptx
@@ -2,16 +2,19 @@
 <file path=ppt/presentation.xml><?xml version="1.0" encoding="utf-8"?>
 <p:presentation xmlns:a="http://schemas.openxmlformats.org/drawingml/2006/main" xmlns:r="http://schemas.openxmlformats.org/officeDocument/2006/relationships" xmlns:p="http://schemas.openxmlformats.org/presentationml/2006/main" saveSubsetFonts="1">
   <p:sldMasterIdLst>
-    <p:sldMasterId id="2147483648" r:id="rId1"/>
+    <p:sldMasterId id="2147483672" r:id="rId1"/>
   </p:sldMasterIdLst>
   <p:notesMasterIdLst>
-    <p:notesMasterId r:id="rId6"/>
+    <p:notesMasterId r:id="rId9"/>
   </p:notesMasterIdLst>
   <p:sldIdLst>
     <p:sldId id="256" r:id="rId2"/>
     <p:sldId id="271" r:id="rId3"/>
     <p:sldId id="258" r:id="rId4"/>
     <p:sldId id="259" r:id="rId5"/>
+    <p:sldId id="292" r:id="rId6"/>
+    <p:sldId id="280" r:id="rId7"/>
+    <p:sldId id="339" r:id="rId8"/>
   </p:sldIdLst>
   <p:sldSz cx="12192000" cy="6858000"/>
   <p:notesSz cx="6858000" cy="9144000"/>
@@ -118,14 +121,6 @@
 </p:presentation>
 </file>
 
-<file path=ppt/revisionInfo.xml><?xml version="1.0" encoding="utf-8"?>
-<p1510:revInfo xmlns:a="http://schemas.openxmlformats.org/drawingml/2006/main" xmlns:r="http://schemas.openxmlformats.org/officeDocument/2006/relationships" xmlns:p1510="http://schemas.microsoft.com/office/powerpoint/2015/10/main">
-  <p1510:revLst>
-    <p1510:client id="{B3F14152-9103-49C4-95FC-BF5E6C1A5EB5}" v="2" dt="2021-12-17T21:33:04.505"/>
-  </p1510:revLst>
-</p1510:revInfo>
-</file>
-
 <file path=ppt/notesMasters/notesMaster1.xml><?xml version="1.0" encoding="utf-8"?>
 <p:notesMaster xmlns:a="http://schemas.openxmlformats.org/drawingml/2006/main" xmlns:r="http://schemas.openxmlformats.org/officeDocument/2006/relationships" xmlns:p="http://schemas.openxmlformats.org/presentationml/2006/main">
   <p:cSld>
@@ -206,9 +201,9 @@
             </a:lvl1pPr>
           </a:lstStyle>
           <a:p>
-            <a:fld id="{23A73AA7-8814-41AB-A941-7A09E1674754}" type="datetimeFigureOut">
+            <a:fld id="{58338CC4-4E61-4E88-8B97-D8247B067FE5}" type="datetimeFigureOut">
               <a:rPr lang="en-GB" smtClean="0"/>
-              <a:t>04/12/2023</a:t>
+              <a:t>21/12/2023</a:t>
             </a:fld>
             <a:endParaRPr lang="en-GB"/>
           </a:p>
@@ -365,7 +360,7 @@
             </a:lvl1pPr>
           </a:lstStyle>
           <a:p>
-            <a:fld id="{5F04399D-0E23-47BC-9375-A9DE49FBABFF}" type="slidenum">
+            <a:fld id="{DCF34A1D-90C9-4E28-9B64-2D282119708E}" type="slidenum">
               <a:rPr lang="en-GB" smtClean="0"/>
               <a:t>‹#›</a:t>
             </a:fld>
@@ -376,7 +371,7 @@
     </p:spTree>
     <p:extLst>
       <p:ext uri="{BB962C8B-B14F-4D97-AF65-F5344CB8AC3E}">
-        <p14:creationId xmlns:p14="http://schemas.microsoft.com/office/powerpoint/2010/main" val="3590127802"/>
+        <p14:creationId xmlns:p14="http://schemas.microsoft.com/office/powerpoint/2010/main" val="798543683"/>
       </p:ext>
     </p:extLst>
   </p:cSld>
@@ -578,6 +573,400 @@
 </p:notes>
 </file>
 
+<file path=ppt/notesSlides/notesSlide2.xml><?xml version="1.0" encoding="utf-8"?>
+<p:notes xmlns:a="http://schemas.openxmlformats.org/drawingml/2006/main" xmlns:r="http://schemas.openxmlformats.org/officeDocument/2006/relationships" xmlns:p="http://schemas.openxmlformats.org/presentationml/2006/main">
+  <p:cSld>
+    <p:spTree>
+      <p:nvGrpSpPr>
+        <p:cNvPr id="1" name=""/>
+        <p:cNvGrpSpPr/>
+        <p:nvPr/>
+      </p:nvGrpSpPr>
+      <p:grpSpPr>
+        <a:xfrm>
+          <a:off x="0" y="0"/>
+          <a:ext cx="0" cy="0"/>
+          <a:chOff x="0" y="0"/>
+          <a:chExt cx="0" cy="0"/>
+        </a:xfrm>
+      </p:grpSpPr>
+      <p:sp>
+        <p:nvSpPr>
+          <p:cNvPr id="2" name="Slide Image Placeholder 1"/>
+          <p:cNvSpPr>
+            <a:spLocks noGrp="1" noRot="1" noChangeAspect="1"/>
+          </p:cNvSpPr>
+          <p:nvPr>
+            <p:ph type="sldImg"/>
+          </p:nvPr>
+        </p:nvSpPr>
+        <p:spPr/>
+      </p:sp>
+      <p:sp>
+        <p:nvSpPr>
+          <p:cNvPr id="3" name="Notes Placeholder 2"/>
+          <p:cNvSpPr>
+            <a:spLocks noGrp="1"/>
+          </p:cNvSpPr>
+          <p:nvPr>
+            <p:ph type="body" idx="1"/>
+          </p:nvPr>
+        </p:nvSpPr>
+        <p:spPr/>
+        <p:txBody>
+          <a:bodyPr/>
+          <a:lstStyle/>
+          <a:p>
+            <a:r>
+              <a:rPr lang="en-GB" b="0" i="0" dirty="0">
+                <a:solidFill>
+                  <a:srgbClr val="090909"/>
+                </a:solidFill>
+                <a:effectLst/>
+                <a:latin typeface="Arial" panose="020B0604020202020204" pitchFamily="34" charset="0"/>
+              </a:rPr>
+              <a:t>MidiKeyboardComponent needs a </a:t>
+            </a:r>
+            <a:r>
+              <a:rPr lang="en-GB" b="0" i="0" dirty="0" err="1">
+                <a:solidFill>
+                  <a:srgbClr val="090909"/>
+                </a:solidFill>
+                <a:effectLst/>
+                <a:latin typeface="Arial" panose="020B0604020202020204" pitchFamily="34" charset="0"/>
+              </a:rPr>
+              <a:t>MidiKeyboardState</a:t>
+            </a:r>
+            <a:r>
+              <a:rPr lang="en-GB" b="0" i="0" dirty="0">
+                <a:solidFill>
+                  <a:srgbClr val="090909"/>
+                </a:solidFill>
+                <a:effectLst/>
+                <a:latin typeface="Arial" panose="020B0604020202020204" pitchFamily="34" charset="0"/>
+              </a:rPr>
+              <a:t> and the orientation as arguments.</a:t>
+            </a:r>
+            <a:endParaRPr lang="en-GB" dirty="0"/>
+          </a:p>
+        </p:txBody>
+      </p:sp>
+      <p:sp>
+        <p:nvSpPr>
+          <p:cNvPr id="4" name="Slide Number Placeholder 3"/>
+          <p:cNvSpPr>
+            <a:spLocks noGrp="1"/>
+          </p:cNvSpPr>
+          <p:nvPr>
+            <p:ph type="sldNum" sz="quarter" idx="5"/>
+          </p:nvPr>
+        </p:nvSpPr>
+        <p:spPr/>
+        <p:txBody>
+          <a:bodyPr/>
+          <a:lstStyle/>
+          <a:p>
+            <a:fld id="{0FEDB78B-1C29-47A0-98D1-C458191ECDD0}" type="slidenum">
+              <a:rPr lang="en-GB" smtClean="0"/>
+              <a:t>5</a:t>
+            </a:fld>
+            <a:endParaRPr lang="en-GB"/>
+          </a:p>
+        </p:txBody>
+      </p:sp>
+    </p:spTree>
+    <p:extLst>
+      <p:ext uri="{BB962C8B-B14F-4D97-AF65-F5344CB8AC3E}">
+        <p14:creationId xmlns:p14="http://schemas.microsoft.com/office/powerpoint/2010/main" val="1538215919"/>
+      </p:ext>
+    </p:extLst>
+  </p:cSld>
+  <p:clrMapOvr>
+    <a:masterClrMapping/>
+  </p:clrMapOvr>
+</p:notes>
+</file>
+
+<file path=ppt/notesSlides/notesSlide3.xml><?xml version="1.0" encoding="utf-8"?>
+<p:notes xmlns:a="http://schemas.openxmlformats.org/drawingml/2006/main" xmlns:r="http://schemas.openxmlformats.org/officeDocument/2006/relationships" xmlns:p="http://schemas.openxmlformats.org/presentationml/2006/main">
+  <p:cSld>
+    <p:spTree>
+      <p:nvGrpSpPr>
+        <p:cNvPr id="1" name=""/>
+        <p:cNvGrpSpPr/>
+        <p:nvPr/>
+      </p:nvGrpSpPr>
+      <p:grpSpPr>
+        <a:xfrm>
+          <a:off x="0" y="0"/>
+          <a:ext cx="0" cy="0"/>
+          <a:chOff x="0" y="0"/>
+          <a:chExt cx="0" cy="0"/>
+        </a:xfrm>
+      </p:grpSpPr>
+      <p:sp>
+        <p:nvSpPr>
+          <p:cNvPr id="2" name="Slide Image Placeholder 1"/>
+          <p:cNvSpPr>
+            <a:spLocks noGrp="1" noRot="1" noChangeAspect="1"/>
+          </p:cNvSpPr>
+          <p:nvPr>
+            <p:ph type="sldImg"/>
+          </p:nvPr>
+        </p:nvSpPr>
+        <p:spPr/>
+      </p:sp>
+      <p:sp>
+        <p:nvSpPr>
+          <p:cNvPr id="3" name="Notes Placeholder 2"/>
+          <p:cNvSpPr>
+            <a:spLocks noGrp="1"/>
+          </p:cNvSpPr>
+          <p:nvPr>
+            <p:ph type="body" idx="1"/>
+          </p:nvPr>
+        </p:nvSpPr>
+        <p:spPr/>
+        <p:txBody>
+          <a:bodyPr/>
+          <a:lstStyle/>
+          <a:p>
+            <a:r>
+              <a:rPr lang="en-GB" sz="1800" dirty="0">
+                <a:solidFill>
+                  <a:srgbClr val="008000"/>
+                </a:solidFill>
+                <a:latin typeface="Cascadia Mono" panose="020B0609020000020004" pitchFamily="49" charset="0"/>
+              </a:rPr>
+              <a:t>/ Having made a local copy of the state variables for each channel, now transfer the result</a:t>
+            </a:r>
+            <a:endParaRPr lang="en-GB" sz="1800" dirty="0">
+              <a:solidFill>
+                <a:srgbClr val="000000"/>
+              </a:solidFill>
+              <a:latin typeface="Cascadia Mono" panose="020B0609020000020004" pitchFamily="49" charset="0"/>
+            </a:endParaRPr>
+          </a:p>
+          <a:p>
+            <a:r>
+              <a:rPr lang="en-GB" sz="1800" dirty="0">
+                <a:solidFill>
+                  <a:srgbClr val="000000"/>
+                </a:solidFill>
+                <a:latin typeface="Cascadia Mono" panose="020B0609020000020004" pitchFamily="49" charset="0"/>
+              </a:rPr>
+              <a:t>  </a:t>
+            </a:r>
+            <a:r>
+              <a:rPr lang="en-GB" sz="1800" dirty="0">
+                <a:solidFill>
+                  <a:srgbClr val="008000"/>
+                </a:solidFill>
+                <a:latin typeface="Cascadia Mono" panose="020B0609020000020004" pitchFamily="49" charset="0"/>
+              </a:rPr>
+              <a:t>// back to the main state variable so they will be preserved for the next call of </a:t>
+            </a:r>
+            <a:r>
+              <a:rPr lang="en-GB" sz="1800" dirty="0" err="1">
+                <a:solidFill>
+                  <a:srgbClr val="008000"/>
+                </a:solidFill>
+                <a:latin typeface="Cascadia Mono" panose="020B0609020000020004" pitchFamily="49" charset="0"/>
+              </a:rPr>
+              <a:t>processBlock</a:t>
+            </a:r>
+            <a:r>
+              <a:rPr lang="en-GB" sz="1800" dirty="0">
+                <a:solidFill>
+                  <a:srgbClr val="008000"/>
+                </a:solidFill>
+                <a:latin typeface="Cascadia Mono" panose="020B0609020000020004" pitchFamily="49" charset="0"/>
+              </a:rPr>
+              <a:t>()</a:t>
+            </a:r>
+            <a:endParaRPr lang="en-GB" sz="1200" dirty="0">
+              <a:effectLst/>
+              <a:ea typeface="Times New Roman" panose="02020603050405020304" pitchFamily="18" charset="0"/>
+            </a:endParaRPr>
+          </a:p>
+        </p:txBody>
+      </p:sp>
+      <p:sp>
+        <p:nvSpPr>
+          <p:cNvPr id="4" name="Slide Number Placeholder 3"/>
+          <p:cNvSpPr>
+            <a:spLocks noGrp="1"/>
+          </p:cNvSpPr>
+          <p:nvPr>
+            <p:ph type="sldNum" sz="quarter" idx="5"/>
+          </p:nvPr>
+        </p:nvSpPr>
+        <p:spPr/>
+        <p:txBody>
+          <a:bodyPr/>
+          <a:lstStyle/>
+          <a:p>
+            <a:fld id="{0FEDB78B-1C29-47A0-98D1-C458191ECDD0}" type="slidenum">
+              <a:rPr lang="en-GB" smtClean="0"/>
+              <a:t>6</a:t>
+            </a:fld>
+            <a:endParaRPr lang="en-GB"/>
+          </a:p>
+        </p:txBody>
+      </p:sp>
+    </p:spTree>
+    <p:extLst>
+      <p:ext uri="{BB962C8B-B14F-4D97-AF65-F5344CB8AC3E}">
+        <p14:creationId xmlns:p14="http://schemas.microsoft.com/office/powerpoint/2010/main" val="4078855274"/>
+      </p:ext>
+    </p:extLst>
+  </p:cSld>
+  <p:clrMapOvr>
+    <a:masterClrMapping/>
+  </p:clrMapOvr>
+</p:notes>
+</file>
+
+<file path=ppt/notesSlides/notesSlide4.xml><?xml version="1.0" encoding="utf-8"?>
+<p:notes xmlns:a="http://schemas.openxmlformats.org/drawingml/2006/main" xmlns:r="http://schemas.openxmlformats.org/officeDocument/2006/relationships" xmlns:p="http://schemas.openxmlformats.org/presentationml/2006/main">
+  <p:cSld>
+    <p:spTree>
+      <p:nvGrpSpPr>
+        <p:cNvPr id="1" name=""/>
+        <p:cNvGrpSpPr/>
+        <p:nvPr/>
+      </p:nvGrpSpPr>
+      <p:grpSpPr>
+        <a:xfrm>
+          <a:off x="0" y="0"/>
+          <a:ext cx="0" cy="0"/>
+          <a:chOff x="0" y="0"/>
+          <a:chExt cx="0" cy="0"/>
+        </a:xfrm>
+      </p:grpSpPr>
+      <p:sp>
+        <p:nvSpPr>
+          <p:cNvPr id="2" name="Slide Image Placeholder 1"/>
+          <p:cNvSpPr>
+            <a:spLocks noGrp="1" noRot="1" noChangeAspect="1"/>
+          </p:cNvSpPr>
+          <p:nvPr>
+            <p:ph type="sldImg"/>
+          </p:nvPr>
+        </p:nvSpPr>
+        <p:spPr/>
+      </p:sp>
+      <p:sp>
+        <p:nvSpPr>
+          <p:cNvPr id="3" name="Notes Placeholder 2"/>
+          <p:cNvSpPr>
+            <a:spLocks noGrp="1"/>
+          </p:cNvSpPr>
+          <p:nvPr>
+            <p:ph type="body" idx="1"/>
+          </p:nvPr>
+        </p:nvSpPr>
+        <p:spPr/>
+        <p:txBody>
+          <a:bodyPr/>
+          <a:lstStyle/>
+          <a:p>
+            <a:r>
+              <a:rPr lang="en-GB" sz="1800" dirty="0">
+                <a:solidFill>
+                  <a:srgbClr val="008000"/>
+                </a:solidFill>
+                <a:latin typeface="Cascadia Mono" panose="020B0609020000020004" pitchFamily="49" charset="0"/>
+              </a:rPr>
+              <a:t>/ Having made a local copy of the state variables for each channel, now transfer the result</a:t>
+            </a:r>
+            <a:endParaRPr lang="en-GB" sz="1800" dirty="0">
+              <a:solidFill>
+                <a:srgbClr val="000000"/>
+              </a:solidFill>
+              <a:latin typeface="Cascadia Mono" panose="020B0609020000020004" pitchFamily="49" charset="0"/>
+            </a:endParaRPr>
+          </a:p>
+          <a:p>
+            <a:r>
+              <a:rPr lang="en-GB" sz="1800" dirty="0">
+                <a:solidFill>
+                  <a:srgbClr val="000000"/>
+                </a:solidFill>
+                <a:latin typeface="Cascadia Mono" panose="020B0609020000020004" pitchFamily="49" charset="0"/>
+              </a:rPr>
+              <a:t>  </a:t>
+            </a:r>
+            <a:r>
+              <a:rPr lang="en-GB" sz="1800" dirty="0">
+                <a:solidFill>
+                  <a:srgbClr val="008000"/>
+                </a:solidFill>
+                <a:latin typeface="Cascadia Mono" panose="020B0609020000020004" pitchFamily="49" charset="0"/>
+              </a:rPr>
+              <a:t>// back to the main state variable so they will be preserved for the next call of </a:t>
+            </a:r>
+            <a:r>
+              <a:rPr lang="en-GB" sz="1800" dirty="0" err="1">
+                <a:solidFill>
+                  <a:srgbClr val="008000"/>
+                </a:solidFill>
+                <a:latin typeface="Cascadia Mono" panose="020B0609020000020004" pitchFamily="49" charset="0"/>
+              </a:rPr>
+              <a:t>processBlock</a:t>
+            </a:r>
+            <a:r>
+              <a:rPr lang="en-GB" sz="1800" dirty="0">
+                <a:solidFill>
+                  <a:srgbClr val="008000"/>
+                </a:solidFill>
+                <a:latin typeface="Cascadia Mono" panose="020B0609020000020004" pitchFamily="49" charset="0"/>
+              </a:rPr>
+              <a:t>()</a:t>
+            </a:r>
+            <a:endParaRPr lang="en-GB" sz="1200" dirty="0">
+              <a:effectLst/>
+              <a:ea typeface="Times New Roman" panose="02020603050405020304" pitchFamily="18" charset="0"/>
+            </a:endParaRPr>
+          </a:p>
+        </p:txBody>
+      </p:sp>
+      <p:sp>
+        <p:nvSpPr>
+          <p:cNvPr id="4" name="Slide Number Placeholder 3"/>
+          <p:cNvSpPr>
+            <a:spLocks noGrp="1"/>
+          </p:cNvSpPr>
+          <p:nvPr>
+            <p:ph type="sldNum" sz="quarter" idx="5"/>
+          </p:nvPr>
+        </p:nvSpPr>
+        <p:spPr/>
+        <p:txBody>
+          <a:bodyPr/>
+          <a:lstStyle/>
+          <a:p>
+            <a:fld id="{0FEDB78B-1C29-47A0-98D1-C458191ECDD0}" type="slidenum">
+              <a:rPr lang="en-GB" smtClean="0"/>
+              <a:t>7</a:t>
+            </a:fld>
+            <a:endParaRPr lang="en-GB"/>
+          </a:p>
+        </p:txBody>
+      </p:sp>
+    </p:spTree>
+    <p:extLst>
+      <p:ext uri="{BB962C8B-B14F-4D97-AF65-F5344CB8AC3E}">
+        <p14:creationId xmlns:p14="http://schemas.microsoft.com/office/powerpoint/2010/main" val="581770615"/>
+      </p:ext>
+    </p:extLst>
+  </p:cSld>
+  <p:clrMapOvr>
+    <a:masterClrMapping/>
+  </p:clrMapOvr>
+</p:notes>
+</file>
+
 <file path=ppt/slideLayouts/slideLayout1.xml><?xml version="1.0" encoding="utf-8"?>
 <p:sldLayout xmlns:a="http://schemas.openxmlformats.org/drawingml/2006/main" xmlns:r="http://schemas.openxmlformats.org/officeDocument/2006/relationships" xmlns:p="http://schemas.openxmlformats.org/presentationml/2006/main" type="title" preserve="1">
   <p:cSld name="Title Slide">
@@ -597,13 +986,7 @@
       </p:grpSpPr>
       <p:sp>
         <p:nvSpPr>
-          <p:cNvPr id="2" name="Title 1">
-            <a:extLst>
-              <a:ext uri="{FF2B5EF4-FFF2-40B4-BE49-F238E27FC236}">
-                <a16:creationId xmlns:a16="http://schemas.microsoft.com/office/drawing/2014/main" id="{924A557A-57D3-4453-8CBA-73412D790ED7}"/>
-              </a:ext>
-            </a:extLst>
-          </p:cNvPr>
+          <p:cNvPr id="2" name="Title 1"/>
           <p:cNvSpPr>
             <a:spLocks noGrp="1"/>
           </p:cNvSpPr>
@@ -613,35 +996,24 @@
         </p:nvSpPr>
         <p:spPr>
           <a:xfrm>
-            <a:off x="1524000" y="1122363"/>
-            <a:ext cx="9144000" cy="2387600"/>
+            <a:off x="913805" y="2130848"/>
+            <a:ext cx="10364391" cy="1470049"/>
           </a:xfrm>
         </p:spPr>
         <p:txBody>
-          <a:bodyPr anchor="b"/>
-          <a:lstStyle>
-            <a:lvl1pPr algn="ctr">
-              <a:defRPr sz="6000"/>
-            </a:lvl1pPr>
-          </a:lstStyle>
+          <a:bodyPr/>
+          <a:lstStyle/>
           <a:p>
             <a:r>
               <a:rPr lang="en-US"/>
               <a:t>Click to edit Master title style</a:t>
             </a:r>
-            <a:endParaRPr lang="en-GB"/>
           </a:p>
         </p:txBody>
       </p:sp>
       <p:sp>
         <p:nvSpPr>
-          <p:cNvPr id="3" name="Subtitle 2">
-            <a:extLst>
-              <a:ext uri="{FF2B5EF4-FFF2-40B4-BE49-F238E27FC236}">
-                <a16:creationId xmlns:a16="http://schemas.microsoft.com/office/drawing/2014/main" id="{4B8FB83D-2A2B-4320-9742-8D99C7B63ED5}"/>
-              </a:ext>
-            </a:extLst>
-          </p:cNvPr>
+          <p:cNvPr id="3" name="Subtitle 2"/>
           <p:cNvSpPr>
             <a:spLocks noGrp="1"/>
           </p:cNvSpPr>
@@ -651,8 +1023,8 @@
         </p:nvSpPr>
         <p:spPr>
           <a:xfrm>
-            <a:off x="1524000" y="3602038"/>
-            <a:ext cx="9144000" cy="1655762"/>
+            <a:off x="1829098" y="3886647"/>
+            <a:ext cx="8533805" cy="1752451"/>
           </a:xfrm>
         </p:spPr>
         <p:txBody>
@@ -660,39 +1032,39 @@
           <a:lstStyle>
             <a:lvl1pPr marL="0" indent="0" algn="ctr">
               <a:buNone/>
-              <a:defRPr sz="2400"/>
+              <a:defRPr/>
             </a:lvl1pPr>
-            <a:lvl2pPr marL="457200" indent="0" algn="ctr">
+            <a:lvl2pPr marL="321457" indent="0" algn="ctr">
               <a:buNone/>
-              <a:defRPr sz="2000"/>
+              <a:defRPr/>
             </a:lvl2pPr>
-            <a:lvl3pPr marL="914400" indent="0" algn="ctr">
+            <a:lvl3pPr marL="642915" indent="0" algn="ctr">
               <a:buNone/>
-              <a:defRPr sz="1800"/>
+              <a:defRPr/>
             </a:lvl3pPr>
-            <a:lvl4pPr marL="1371600" indent="0" algn="ctr">
+            <a:lvl4pPr marL="964372" indent="0" algn="ctr">
               <a:buNone/>
-              <a:defRPr sz="1600"/>
+              <a:defRPr/>
             </a:lvl4pPr>
-            <a:lvl5pPr marL="1828800" indent="0" algn="ctr">
+            <a:lvl5pPr marL="1285829" indent="0" algn="ctr">
               <a:buNone/>
-              <a:defRPr sz="1600"/>
+              <a:defRPr/>
             </a:lvl5pPr>
-            <a:lvl6pPr marL="2286000" indent="0" algn="ctr">
+            <a:lvl6pPr marL="1607287" indent="0" algn="ctr">
               <a:buNone/>
-              <a:defRPr sz="1600"/>
+              <a:defRPr/>
             </a:lvl6pPr>
-            <a:lvl7pPr marL="2743200" indent="0" algn="ctr">
+            <a:lvl7pPr marL="1928744" indent="0" algn="ctr">
               <a:buNone/>
-              <a:defRPr sz="1600"/>
+              <a:defRPr/>
             </a:lvl7pPr>
-            <a:lvl8pPr marL="3200400" indent="0" algn="ctr">
+            <a:lvl8pPr marL="2250201" indent="0" algn="ctr">
               <a:buNone/>
-              <a:defRPr sz="1600"/>
+              <a:defRPr/>
             </a:lvl8pPr>
-            <a:lvl9pPr marL="3657600" indent="0" algn="ctr">
+            <a:lvl9pPr marL="2571659" indent="0" algn="ctr">
               <a:buNone/>
-              <a:defRPr sz="1600"/>
+              <a:defRPr/>
             </a:lvl9pPr>
           </a:lstStyle>
           <a:p>
@@ -700,103 +1072,20 @@
               <a:rPr lang="en-US"/>
               <a:t>Click to edit Master subtitle style</a:t>
             </a:r>
-            <a:endParaRPr lang="en-GB"/>
-          </a:p>
-        </p:txBody>
-      </p:sp>
-      <p:sp>
-        <p:nvSpPr>
-          <p:cNvPr id="4" name="Date Placeholder 3">
-            <a:extLst>
-              <a:ext uri="{FF2B5EF4-FFF2-40B4-BE49-F238E27FC236}">
-                <a16:creationId xmlns:a16="http://schemas.microsoft.com/office/drawing/2014/main" id="{7641D960-446D-4D0E-B50F-1975AA1EC799}"/>
-              </a:ext>
-            </a:extLst>
-          </p:cNvPr>
-          <p:cNvSpPr>
-            <a:spLocks noGrp="1"/>
-          </p:cNvSpPr>
-          <p:nvPr>
-            <p:ph type="dt" sz="half" idx="10"/>
-          </p:nvPr>
-        </p:nvSpPr>
-        <p:spPr/>
-        <p:txBody>
-          <a:bodyPr/>
-          <a:lstStyle/>
-          <a:p>
-            <a:fld id="{5CAFF7CB-A38A-4A36-B304-607D939BA3D6}" type="datetimeFigureOut">
-              <a:rPr lang="en-GB" smtClean="0"/>
-              <a:t>04/12/2023</a:t>
-            </a:fld>
-            <a:endParaRPr lang="en-GB"/>
-          </a:p>
-        </p:txBody>
-      </p:sp>
-      <p:sp>
-        <p:nvSpPr>
-          <p:cNvPr id="5" name="Footer Placeholder 4">
-            <a:extLst>
-              <a:ext uri="{FF2B5EF4-FFF2-40B4-BE49-F238E27FC236}">
-                <a16:creationId xmlns:a16="http://schemas.microsoft.com/office/drawing/2014/main" id="{E1722F05-3185-4223-9C3E-79075E7D6369}"/>
-              </a:ext>
-            </a:extLst>
-          </p:cNvPr>
-          <p:cNvSpPr>
-            <a:spLocks noGrp="1"/>
-          </p:cNvSpPr>
-          <p:nvPr>
-            <p:ph type="ftr" sz="quarter" idx="11"/>
-          </p:nvPr>
-        </p:nvSpPr>
-        <p:spPr/>
-        <p:txBody>
-          <a:bodyPr/>
-          <a:lstStyle/>
-          <a:p>
-            <a:endParaRPr lang="en-GB"/>
-          </a:p>
-        </p:txBody>
-      </p:sp>
-      <p:sp>
-        <p:nvSpPr>
-          <p:cNvPr id="6" name="Slide Number Placeholder 5">
-            <a:extLst>
-              <a:ext uri="{FF2B5EF4-FFF2-40B4-BE49-F238E27FC236}">
-                <a16:creationId xmlns:a16="http://schemas.microsoft.com/office/drawing/2014/main" id="{AF4E2256-8A55-46F7-A083-998926050A27}"/>
-              </a:ext>
-            </a:extLst>
-          </p:cNvPr>
-          <p:cNvSpPr>
-            <a:spLocks noGrp="1"/>
-          </p:cNvSpPr>
-          <p:nvPr>
-            <p:ph type="sldNum" sz="quarter" idx="12"/>
-          </p:nvPr>
-        </p:nvSpPr>
-        <p:spPr/>
-        <p:txBody>
-          <a:bodyPr/>
-          <a:lstStyle/>
-          <a:p>
-            <a:fld id="{981EB3C1-91EE-4842-99D8-6C7F16425B7A}" type="slidenum">
-              <a:rPr lang="en-GB" smtClean="0"/>
-              <a:t>‹#›</a:t>
-            </a:fld>
-            <a:endParaRPr lang="en-GB"/>
           </a:p>
         </p:txBody>
       </p:sp>
     </p:spTree>
     <p:extLst>
       <p:ext uri="{BB962C8B-B14F-4D97-AF65-F5344CB8AC3E}">
-        <p14:creationId xmlns:p14="http://schemas.microsoft.com/office/powerpoint/2010/main" val="3666230897"/>
+        <p14:creationId xmlns:p14="http://schemas.microsoft.com/office/powerpoint/2010/main" val="2138090815"/>
       </p:ext>
     </p:extLst>
   </p:cSld>
   <p:clrMapOvr>
     <a:masterClrMapping/>
   </p:clrMapOvr>
+  <p:transition/>
 </p:sldLayout>
 </file>
 
@@ -819,13 +1108,7 @@
       </p:grpSpPr>
       <p:sp>
         <p:nvSpPr>
-          <p:cNvPr id="2" name="Title 1">
-            <a:extLst>
-              <a:ext uri="{FF2B5EF4-FFF2-40B4-BE49-F238E27FC236}">
-                <a16:creationId xmlns:a16="http://schemas.microsoft.com/office/drawing/2014/main" id="{F3C8BC37-BB33-4E78-9DAB-D5D94F36F629}"/>
-              </a:ext>
-            </a:extLst>
-          </p:cNvPr>
+          <p:cNvPr id="2" name="Title 1"/>
           <p:cNvSpPr>
             <a:spLocks noGrp="1"/>
           </p:cNvSpPr>
@@ -842,19 +1125,12 @@
               <a:rPr lang="en-US"/>
               <a:t>Click to edit Master title style</a:t>
             </a:r>
-            <a:endParaRPr lang="en-GB"/>
           </a:p>
         </p:txBody>
       </p:sp>
       <p:sp>
         <p:nvSpPr>
-          <p:cNvPr id="3" name="Vertical Text Placeholder 2">
-            <a:extLst>
-              <a:ext uri="{FF2B5EF4-FFF2-40B4-BE49-F238E27FC236}">
-                <a16:creationId xmlns:a16="http://schemas.microsoft.com/office/drawing/2014/main" id="{73CCF0A8-1DCB-4334-9970-330181089351}"/>
-              </a:ext>
-            </a:extLst>
-          </p:cNvPr>
+          <p:cNvPr id="3" name="Vertical Text Placeholder 2"/>
           <p:cNvSpPr>
             <a:spLocks noGrp="1"/>
           </p:cNvSpPr>
@@ -900,103 +1176,20 @@
               <a:rPr lang="en-US"/>
               <a:t>Fifth level</a:t>
             </a:r>
-            <a:endParaRPr lang="en-GB"/>
-          </a:p>
-        </p:txBody>
-      </p:sp>
-      <p:sp>
-        <p:nvSpPr>
-          <p:cNvPr id="4" name="Date Placeholder 3">
-            <a:extLst>
-              <a:ext uri="{FF2B5EF4-FFF2-40B4-BE49-F238E27FC236}">
-                <a16:creationId xmlns:a16="http://schemas.microsoft.com/office/drawing/2014/main" id="{422A4E6A-5B85-448E-A39E-B2F5520BAE0F}"/>
-              </a:ext>
-            </a:extLst>
-          </p:cNvPr>
-          <p:cNvSpPr>
-            <a:spLocks noGrp="1"/>
-          </p:cNvSpPr>
-          <p:nvPr>
-            <p:ph type="dt" sz="half" idx="10"/>
-          </p:nvPr>
-        </p:nvSpPr>
-        <p:spPr/>
-        <p:txBody>
-          <a:bodyPr/>
-          <a:lstStyle/>
-          <a:p>
-            <a:fld id="{5CAFF7CB-A38A-4A36-B304-607D939BA3D6}" type="datetimeFigureOut">
-              <a:rPr lang="en-GB" smtClean="0"/>
-              <a:t>04/12/2023</a:t>
-            </a:fld>
-            <a:endParaRPr lang="en-GB"/>
-          </a:p>
-        </p:txBody>
-      </p:sp>
-      <p:sp>
-        <p:nvSpPr>
-          <p:cNvPr id="5" name="Footer Placeholder 4">
-            <a:extLst>
-              <a:ext uri="{FF2B5EF4-FFF2-40B4-BE49-F238E27FC236}">
-                <a16:creationId xmlns:a16="http://schemas.microsoft.com/office/drawing/2014/main" id="{77A6BC1E-3596-4B36-B9A7-42A42AFC64C7}"/>
-              </a:ext>
-            </a:extLst>
-          </p:cNvPr>
-          <p:cNvSpPr>
-            <a:spLocks noGrp="1"/>
-          </p:cNvSpPr>
-          <p:nvPr>
-            <p:ph type="ftr" sz="quarter" idx="11"/>
-          </p:nvPr>
-        </p:nvSpPr>
-        <p:spPr/>
-        <p:txBody>
-          <a:bodyPr/>
-          <a:lstStyle/>
-          <a:p>
-            <a:endParaRPr lang="en-GB"/>
-          </a:p>
-        </p:txBody>
-      </p:sp>
-      <p:sp>
-        <p:nvSpPr>
-          <p:cNvPr id="6" name="Slide Number Placeholder 5">
-            <a:extLst>
-              <a:ext uri="{FF2B5EF4-FFF2-40B4-BE49-F238E27FC236}">
-                <a16:creationId xmlns:a16="http://schemas.microsoft.com/office/drawing/2014/main" id="{8EDC7271-69F4-4B6C-A5AD-492DAF7394CB}"/>
-              </a:ext>
-            </a:extLst>
-          </p:cNvPr>
-          <p:cNvSpPr>
-            <a:spLocks noGrp="1"/>
-          </p:cNvSpPr>
-          <p:nvPr>
-            <p:ph type="sldNum" sz="quarter" idx="12"/>
-          </p:nvPr>
-        </p:nvSpPr>
-        <p:spPr/>
-        <p:txBody>
-          <a:bodyPr/>
-          <a:lstStyle/>
-          <a:p>
-            <a:fld id="{981EB3C1-91EE-4842-99D8-6C7F16425B7A}" type="slidenum">
-              <a:rPr lang="en-GB" smtClean="0"/>
-              <a:t>‹#›</a:t>
-            </a:fld>
-            <a:endParaRPr lang="en-GB"/>
           </a:p>
         </p:txBody>
       </p:sp>
     </p:spTree>
     <p:extLst>
       <p:ext uri="{BB962C8B-B14F-4D97-AF65-F5344CB8AC3E}">
-        <p14:creationId xmlns:p14="http://schemas.microsoft.com/office/powerpoint/2010/main" val="1817126932"/>
+        <p14:creationId xmlns:p14="http://schemas.microsoft.com/office/powerpoint/2010/main" val="2793744651"/>
       </p:ext>
     </p:extLst>
   </p:cSld>
   <p:clrMapOvr>
     <a:masterClrMapping/>
   </p:clrMapOvr>
+  <p:transition/>
 </p:sldLayout>
 </file>
 
@@ -1019,13 +1212,7 @@
       </p:grpSpPr>
       <p:sp>
         <p:nvSpPr>
-          <p:cNvPr id="2" name="Vertical Title 1">
-            <a:extLst>
-              <a:ext uri="{FF2B5EF4-FFF2-40B4-BE49-F238E27FC236}">
-                <a16:creationId xmlns:a16="http://schemas.microsoft.com/office/drawing/2014/main" id="{7954F673-F361-49FF-872E-C203C89515E2}"/>
-              </a:ext>
-            </a:extLst>
-          </p:cNvPr>
+          <p:cNvPr id="2" name="Vertical Title 1"/>
           <p:cNvSpPr>
             <a:spLocks noGrp="1"/>
           </p:cNvSpPr>
@@ -1035,8 +1222,8 @@
         </p:nvSpPr>
         <p:spPr>
           <a:xfrm>
-            <a:off x="8724900" y="365125"/>
-            <a:ext cx="2628900" cy="5811838"/>
+            <a:off x="9111258" y="35719"/>
+            <a:ext cx="3009305" cy="6768703"/>
           </a:xfrm>
         </p:spPr>
         <p:txBody>
@@ -1047,19 +1234,12 @@
               <a:rPr lang="en-US"/>
               <a:t>Click to edit Master title style</a:t>
             </a:r>
-            <a:endParaRPr lang="en-GB"/>
           </a:p>
         </p:txBody>
       </p:sp>
       <p:sp>
         <p:nvSpPr>
-          <p:cNvPr id="3" name="Vertical Text Placeholder 2">
-            <a:extLst>
-              <a:ext uri="{FF2B5EF4-FFF2-40B4-BE49-F238E27FC236}">
-                <a16:creationId xmlns:a16="http://schemas.microsoft.com/office/drawing/2014/main" id="{5617B328-E536-457F-A484-F4DE9D9DC924}"/>
-              </a:ext>
-            </a:extLst>
-          </p:cNvPr>
+          <p:cNvPr id="3" name="Vertical Text Placeholder 2"/>
           <p:cNvSpPr>
             <a:spLocks noGrp="1"/>
           </p:cNvSpPr>
@@ -1069,8 +1249,8 @@
         </p:nvSpPr>
         <p:spPr>
           <a:xfrm>
-            <a:off x="838200" y="365125"/>
-            <a:ext cx="7734300" cy="5811838"/>
+            <a:off x="83344" y="35719"/>
+            <a:ext cx="8885039" cy="6768703"/>
           </a:xfrm>
         </p:spPr>
         <p:txBody>
@@ -1110,103 +1290,20 @@
               <a:rPr lang="en-US"/>
               <a:t>Fifth level</a:t>
             </a:r>
-            <a:endParaRPr lang="en-GB"/>
-          </a:p>
-        </p:txBody>
-      </p:sp>
-      <p:sp>
-        <p:nvSpPr>
-          <p:cNvPr id="4" name="Date Placeholder 3">
-            <a:extLst>
-              <a:ext uri="{FF2B5EF4-FFF2-40B4-BE49-F238E27FC236}">
-                <a16:creationId xmlns:a16="http://schemas.microsoft.com/office/drawing/2014/main" id="{DFF03EF8-15AA-4860-AE1D-F739881D0CA8}"/>
-              </a:ext>
-            </a:extLst>
-          </p:cNvPr>
-          <p:cNvSpPr>
-            <a:spLocks noGrp="1"/>
-          </p:cNvSpPr>
-          <p:nvPr>
-            <p:ph type="dt" sz="half" idx="10"/>
-          </p:nvPr>
-        </p:nvSpPr>
-        <p:spPr/>
-        <p:txBody>
-          <a:bodyPr/>
-          <a:lstStyle/>
-          <a:p>
-            <a:fld id="{5CAFF7CB-A38A-4A36-B304-607D939BA3D6}" type="datetimeFigureOut">
-              <a:rPr lang="en-GB" smtClean="0"/>
-              <a:t>04/12/2023</a:t>
-            </a:fld>
-            <a:endParaRPr lang="en-GB"/>
-          </a:p>
-        </p:txBody>
-      </p:sp>
-      <p:sp>
-        <p:nvSpPr>
-          <p:cNvPr id="5" name="Footer Placeholder 4">
-            <a:extLst>
-              <a:ext uri="{FF2B5EF4-FFF2-40B4-BE49-F238E27FC236}">
-                <a16:creationId xmlns:a16="http://schemas.microsoft.com/office/drawing/2014/main" id="{7903ED28-CE51-4B51-BB2C-AB357BB41F8B}"/>
-              </a:ext>
-            </a:extLst>
-          </p:cNvPr>
-          <p:cNvSpPr>
-            <a:spLocks noGrp="1"/>
-          </p:cNvSpPr>
-          <p:nvPr>
-            <p:ph type="ftr" sz="quarter" idx="11"/>
-          </p:nvPr>
-        </p:nvSpPr>
-        <p:spPr/>
-        <p:txBody>
-          <a:bodyPr/>
-          <a:lstStyle/>
-          <a:p>
-            <a:endParaRPr lang="en-GB"/>
-          </a:p>
-        </p:txBody>
-      </p:sp>
-      <p:sp>
-        <p:nvSpPr>
-          <p:cNvPr id="6" name="Slide Number Placeholder 5">
-            <a:extLst>
-              <a:ext uri="{FF2B5EF4-FFF2-40B4-BE49-F238E27FC236}">
-                <a16:creationId xmlns:a16="http://schemas.microsoft.com/office/drawing/2014/main" id="{E753B126-7081-46C9-B15C-0556B7871DF9}"/>
-              </a:ext>
-            </a:extLst>
-          </p:cNvPr>
-          <p:cNvSpPr>
-            <a:spLocks noGrp="1"/>
-          </p:cNvSpPr>
-          <p:nvPr>
-            <p:ph type="sldNum" sz="quarter" idx="12"/>
-          </p:nvPr>
-        </p:nvSpPr>
-        <p:spPr/>
-        <p:txBody>
-          <a:bodyPr/>
-          <a:lstStyle/>
-          <a:p>
-            <a:fld id="{981EB3C1-91EE-4842-99D8-6C7F16425B7A}" type="slidenum">
-              <a:rPr lang="en-GB" smtClean="0"/>
-              <a:t>‹#›</a:t>
-            </a:fld>
-            <a:endParaRPr lang="en-GB"/>
           </a:p>
         </p:txBody>
       </p:sp>
     </p:spTree>
     <p:extLst>
       <p:ext uri="{BB962C8B-B14F-4D97-AF65-F5344CB8AC3E}">
-        <p14:creationId xmlns:p14="http://schemas.microsoft.com/office/powerpoint/2010/main" val="4251322145"/>
+        <p14:creationId xmlns:p14="http://schemas.microsoft.com/office/powerpoint/2010/main" val="1075078387"/>
       </p:ext>
     </p:extLst>
   </p:cSld>
   <p:clrMapOvr>
     <a:masterClrMapping/>
   </p:clrMapOvr>
+  <p:transition/>
 </p:sldLayout>
 </file>
 
@@ -1229,13 +1326,7 @@
       </p:grpSpPr>
       <p:sp>
         <p:nvSpPr>
-          <p:cNvPr id="2" name="Title 1">
-            <a:extLst>
-              <a:ext uri="{FF2B5EF4-FFF2-40B4-BE49-F238E27FC236}">
-                <a16:creationId xmlns:a16="http://schemas.microsoft.com/office/drawing/2014/main" id="{459EB90F-99B0-49C6-A978-FF9AFBB30EF1}"/>
-              </a:ext>
-            </a:extLst>
-          </p:cNvPr>
+          <p:cNvPr id="2" name="Title 1"/>
           <p:cNvSpPr>
             <a:spLocks noGrp="1"/>
           </p:cNvSpPr>
@@ -1252,19 +1343,12 @@
               <a:rPr lang="en-US"/>
               <a:t>Click to edit Master title style</a:t>
             </a:r>
-            <a:endParaRPr lang="en-GB"/>
           </a:p>
         </p:txBody>
       </p:sp>
       <p:sp>
         <p:nvSpPr>
-          <p:cNvPr id="3" name="Content Placeholder 2">
-            <a:extLst>
-              <a:ext uri="{FF2B5EF4-FFF2-40B4-BE49-F238E27FC236}">
-                <a16:creationId xmlns:a16="http://schemas.microsoft.com/office/drawing/2014/main" id="{252AD25B-E85F-4EEF-89BC-CBEAE0C26F2E}"/>
-              </a:ext>
-            </a:extLst>
-          </p:cNvPr>
+          <p:cNvPr id="3" name="Content Placeholder 2"/>
           <p:cNvSpPr>
             <a:spLocks noGrp="1"/>
           </p:cNvSpPr>
@@ -1310,103 +1394,20 @@
               <a:rPr lang="en-US"/>
               <a:t>Fifth level</a:t>
             </a:r>
-            <a:endParaRPr lang="en-GB"/>
-          </a:p>
-        </p:txBody>
-      </p:sp>
-      <p:sp>
-        <p:nvSpPr>
-          <p:cNvPr id="4" name="Date Placeholder 3">
-            <a:extLst>
-              <a:ext uri="{FF2B5EF4-FFF2-40B4-BE49-F238E27FC236}">
-                <a16:creationId xmlns:a16="http://schemas.microsoft.com/office/drawing/2014/main" id="{078C9720-024C-428E-9A7C-4FF68423C5BC}"/>
-              </a:ext>
-            </a:extLst>
-          </p:cNvPr>
-          <p:cNvSpPr>
-            <a:spLocks noGrp="1"/>
-          </p:cNvSpPr>
-          <p:nvPr>
-            <p:ph type="dt" sz="half" idx="10"/>
-          </p:nvPr>
-        </p:nvSpPr>
-        <p:spPr/>
-        <p:txBody>
-          <a:bodyPr/>
-          <a:lstStyle/>
-          <a:p>
-            <a:fld id="{5CAFF7CB-A38A-4A36-B304-607D939BA3D6}" type="datetimeFigureOut">
-              <a:rPr lang="en-GB" smtClean="0"/>
-              <a:t>04/12/2023</a:t>
-            </a:fld>
-            <a:endParaRPr lang="en-GB"/>
-          </a:p>
-        </p:txBody>
-      </p:sp>
-      <p:sp>
-        <p:nvSpPr>
-          <p:cNvPr id="5" name="Footer Placeholder 4">
-            <a:extLst>
-              <a:ext uri="{FF2B5EF4-FFF2-40B4-BE49-F238E27FC236}">
-                <a16:creationId xmlns:a16="http://schemas.microsoft.com/office/drawing/2014/main" id="{20A1DC4D-D63D-488B-AAC7-FD1C0257ACBF}"/>
-              </a:ext>
-            </a:extLst>
-          </p:cNvPr>
-          <p:cNvSpPr>
-            <a:spLocks noGrp="1"/>
-          </p:cNvSpPr>
-          <p:nvPr>
-            <p:ph type="ftr" sz="quarter" idx="11"/>
-          </p:nvPr>
-        </p:nvSpPr>
-        <p:spPr/>
-        <p:txBody>
-          <a:bodyPr/>
-          <a:lstStyle/>
-          <a:p>
-            <a:endParaRPr lang="en-GB"/>
-          </a:p>
-        </p:txBody>
-      </p:sp>
-      <p:sp>
-        <p:nvSpPr>
-          <p:cNvPr id="6" name="Slide Number Placeholder 5">
-            <a:extLst>
-              <a:ext uri="{FF2B5EF4-FFF2-40B4-BE49-F238E27FC236}">
-                <a16:creationId xmlns:a16="http://schemas.microsoft.com/office/drawing/2014/main" id="{B3011CF1-87E0-40BB-9460-9BDEDC592081}"/>
-              </a:ext>
-            </a:extLst>
-          </p:cNvPr>
-          <p:cNvSpPr>
-            <a:spLocks noGrp="1"/>
-          </p:cNvSpPr>
-          <p:nvPr>
-            <p:ph type="sldNum" sz="quarter" idx="12"/>
-          </p:nvPr>
-        </p:nvSpPr>
-        <p:spPr/>
-        <p:txBody>
-          <a:bodyPr/>
-          <a:lstStyle/>
-          <a:p>
-            <a:fld id="{981EB3C1-91EE-4842-99D8-6C7F16425B7A}" type="slidenum">
-              <a:rPr lang="en-GB" smtClean="0"/>
-              <a:t>‹#›</a:t>
-            </a:fld>
-            <a:endParaRPr lang="en-GB"/>
           </a:p>
         </p:txBody>
       </p:sp>
     </p:spTree>
     <p:extLst>
       <p:ext uri="{BB962C8B-B14F-4D97-AF65-F5344CB8AC3E}">
-        <p14:creationId xmlns:p14="http://schemas.microsoft.com/office/powerpoint/2010/main" val="2719155990"/>
+        <p14:creationId xmlns:p14="http://schemas.microsoft.com/office/powerpoint/2010/main" val="3010345016"/>
       </p:ext>
     </p:extLst>
   </p:cSld>
   <p:clrMapOvr>
     <a:masterClrMapping/>
   </p:clrMapOvr>
+  <p:transition/>
 </p:sldLayout>
 </file>
 
@@ -1429,13 +1430,7 @@
       </p:grpSpPr>
       <p:sp>
         <p:nvSpPr>
-          <p:cNvPr id="2" name="Title 1">
-            <a:extLst>
-              <a:ext uri="{FF2B5EF4-FFF2-40B4-BE49-F238E27FC236}">
-                <a16:creationId xmlns:a16="http://schemas.microsoft.com/office/drawing/2014/main" id="{A949601F-31C9-4E22-971A-5E12FD809456}"/>
-              </a:ext>
-            </a:extLst>
-          </p:cNvPr>
+          <p:cNvPr id="2" name="Title 1"/>
           <p:cNvSpPr>
             <a:spLocks noGrp="1"/>
           </p:cNvSpPr>
@@ -1445,15 +1440,15 @@
         </p:nvSpPr>
         <p:spPr>
           <a:xfrm>
-            <a:off x="831850" y="1709738"/>
-            <a:ext cx="10515600" cy="2852737"/>
+            <a:off x="962918" y="4406801"/>
+            <a:ext cx="10362902" cy="1361777"/>
           </a:xfrm>
         </p:spPr>
         <p:txBody>
-          <a:bodyPr anchor="b"/>
+          <a:bodyPr anchor="t"/>
           <a:lstStyle>
-            <a:lvl1pPr>
-              <a:defRPr sz="6000"/>
+            <a:lvl1pPr algn="l">
+              <a:defRPr sz="2812" b="1" cap="all"/>
             </a:lvl1pPr>
           </a:lstStyle>
           <a:p>
@@ -1461,19 +1456,12 @@
               <a:rPr lang="en-US"/>
               <a:t>Click to edit Master title style</a:t>
             </a:r>
-            <a:endParaRPr lang="en-GB"/>
           </a:p>
         </p:txBody>
       </p:sp>
       <p:sp>
         <p:nvSpPr>
-          <p:cNvPr id="3" name="Text Placeholder 2">
-            <a:extLst>
-              <a:ext uri="{FF2B5EF4-FFF2-40B4-BE49-F238E27FC236}">
-                <a16:creationId xmlns:a16="http://schemas.microsoft.com/office/drawing/2014/main" id="{F0EE90F4-E429-49C0-B94C-CB3ADBB798FA}"/>
-              </a:ext>
-            </a:extLst>
-          </p:cNvPr>
+          <p:cNvPr id="3" name="Text Placeholder 2"/>
           <p:cNvSpPr>
             <a:spLocks noGrp="1"/>
           </p:cNvSpPr>
@@ -1483,102 +1471,48 @@
         </p:nvSpPr>
         <p:spPr>
           <a:xfrm>
-            <a:off x="831850" y="4589463"/>
-            <a:ext cx="10515600" cy="1500187"/>
+            <a:off x="962918" y="2906613"/>
+            <a:ext cx="10362902" cy="1500188"/>
           </a:xfrm>
         </p:spPr>
         <p:txBody>
-          <a:bodyPr/>
+          <a:bodyPr anchor="b"/>
           <a:lstStyle>
             <a:lvl1pPr marL="0" indent="0">
               <a:buNone/>
-              <a:defRPr sz="2400">
-                <a:solidFill>
-                  <a:schemeClr val="tx1">
-                    <a:tint val="75000"/>
-                  </a:schemeClr>
-                </a:solidFill>
-              </a:defRPr>
+              <a:defRPr sz="1406"/>
             </a:lvl1pPr>
-            <a:lvl2pPr marL="457200" indent="0">
+            <a:lvl2pPr marL="321457" indent="0">
               <a:buNone/>
-              <a:defRPr sz="2000">
-                <a:solidFill>
-                  <a:schemeClr val="tx1">
-                    <a:tint val="75000"/>
-                  </a:schemeClr>
-                </a:solidFill>
-              </a:defRPr>
+              <a:defRPr sz="1266"/>
             </a:lvl2pPr>
-            <a:lvl3pPr marL="914400" indent="0">
+            <a:lvl3pPr marL="642915" indent="0">
               <a:buNone/>
-              <a:defRPr sz="1800">
-                <a:solidFill>
-                  <a:schemeClr val="tx1">
-                    <a:tint val="75000"/>
-                  </a:schemeClr>
-                </a:solidFill>
-              </a:defRPr>
+              <a:defRPr sz="1125"/>
             </a:lvl3pPr>
-            <a:lvl4pPr marL="1371600" indent="0">
+            <a:lvl4pPr marL="964372" indent="0">
               <a:buNone/>
-              <a:defRPr sz="1600">
-                <a:solidFill>
-                  <a:schemeClr val="tx1">
-                    <a:tint val="75000"/>
-                  </a:schemeClr>
-                </a:solidFill>
-              </a:defRPr>
+              <a:defRPr sz="984"/>
             </a:lvl4pPr>
-            <a:lvl5pPr marL="1828800" indent="0">
+            <a:lvl5pPr marL="1285829" indent="0">
               <a:buNone/>
-              <a:defRPr sz="1600">
-                <a:solidFill>
-                  <a:schemeClr val="tx1">
-                    <a:tint val="75000"/>
-                  </a:schemeClr>
-                </a:solidFill>
-              </a:defRPr>
+              <a:defRPr sz="984"/>
             </a:lvl5pPr>
-            <a:lvl6pPr marL="2286000" indent="0">
+            <a:lvl6pPr marL="1607287" indent="0">
               <a:buNone/>
-              <a:defRPr sz="1600">
-                <a:solidFill>
-                  <a:schemeClr val="tx1">
-                    <a:tint val="75000"/>
-                  </a:schemeClr>
-                </a:solidFill>
-              </a:defRPr>
+              <a:defRPr sz="984"/>
             </a:lvl6pPr>
-            <a:lvl7pPr marL="2743200" indent="0">
+            <a:lvl7pPr marL="1928744" indent="0">
               <a:buNone/>
-              <a:defRPr sz="1600">
-                <a:solidFill>
-                  <a:schemeClr val="tx1">
-                    <a:tint val="75000"/>
-                  </a:schemeClr>
-                </a:solidFill>
-              </a:defRPr>
+              <a:defRPr sz="984"/>
             </a:lvl7pPr>
-            <a:lvl8pPr marL="3200400" indent="0">
+            <a:lvl8pPr marL="2250201" indent="0">
               <a:buNone/>
-              <a:defRPr sz="1600">
-                <a:solidFill>
-                  <a:schemeClr val="tx1">
-                    <a:tint val="75000"/>
-                  </a:schemeClr>
-                </a:solidFill>
-              </a:defRPr>
+              <a:defRPr sz="984"/>
             </a:lvl8pPr>
-            <a:lvl9pPr marL="3657600" indent="0">
+            <a:lvl9pPr marL="2571659" indent="0">
               <a:buNone/>
-              <a:defRPr sz="1600">
-                <a:solidFill>
-                  <a:schemeClr val="tx1">
-                    <a:tint val="75000"/>
-                  </a:schemeClr>
-                </a:solidFill>
-              </a:defRPr>
+              <a:defRPr sz="984"/>
             </a:lvl9pPr>
           </a:lstStyle>
           <a:p>
@@ -1587,102 +1521,20 @@
               <a:rPr lang="en-US"/>
               <a:t>Click to edit Master text styles</a:t>
             </a:r>
-          </a:p>
-        </p:txBody>
-      </p:sp>
-      <p:sp>
-        <p:nvSpPr>
-          <p:cNvPr id="4" name="Date Placeholder 3">
-            <a:extLst>
-              <a:ext uri="{FF2B5EF4-FFF2-40B4-BE49-F238E27FC236}">
-                <a16:creationId xmlns:a16="http://schemas.microsoft.com/office/drawing/2014/main" id="{27ADB8A2-33E8-4EDA-92CA-667507DA56B2}"/>
-              </a:ext>
-            </a:extLst>
-          </p:cNvPr>
-          <p:cNvSpPr>
-            <a:spLocks noGrp="1"/>
-          </p:cNvSpPr>
-          <p:nvPr>
-            <p:ph type="dt" sz="half" idx="10"/>
-          </p:nvPr>
-        </p:nvSpPr>
-        <p:spPr/>
-        <p:txBody>
-          <a:bodyPr/>
-          <a:lstStyle/>
-          <a:p>
-            <a:fld id="{5CAFF7CB-A38A-4A36-B304-607D939BA3D6}" type="datetimeFigureOut">
-              <a:rPr lang="en-GB" smtClean="0"/>
-              <a:t>04/12/2023</a:t>
-            </a:fld>
-            <a:endParaRPr lang="en-GB"/>
-          </a:p>
-        </p:txBody>
-      </p:sp>
-      <p:sp>
-        <p:nvSpPr>
-          <p:cNvPr id="5" name="Footer Placeholder 4">
-            <a:extLst>
-              <a:ext uri="{FF2B5EF4-FFF2-40B4-BE49-F238E27FC236}">
-                <a16:creationId xmlns:a16="http://schemas.microsoft.com/office/drawing/2014/main" id="{AED3E4A7-C4A0-4F5A-B4A1-4C7C47CC7C33}"/>
-              </a:ext>
-            </a:extLst>
-          </p:cNvPr>
-          <p:cNvSpPr>
-            <a:spLocks noGrp="1"/>
-          </p:cNvSpPr>
-          <p:nvPr>
-            <p:ph type="ftr" sz="quarter" idx="11"/>
-          </p:nvPr>
-        </p:nvSpPr>
-        <p:spPr/>
-        <p:txBody>
-          <a:bodyPr/>
-          <a:lstStyle/>
-          <a:p>
-            <a:endParaRPr lang="en-GB"/>
-          </a:p>
-        </p:txBody>
-      </p:sp>
-      <p:sp>
-        <p:nvSpPr>
-          <p:cNvPr id="6" name="Slide Number Placeholder 5">
-            <a:extLst>
-              <a:ext uri="{FF2B5EF4-FFF2-40B4-BE49-F238E27FC236}">
-                <a16:creationId xmlns:a16="http://schemas.microsoft.com/office/drawing/2014/main" id="{51991F63-D12A-4F69-ABB4-1293C4F58412}"/>
-              </a:ext>
-            </a:extLst>
-          </p:cNvPr>
-          <p:cNvSpPr>
-            <a:spLocks noGrp="1"/>
-          </p:cNvSpPr>
-          <p:nvPr>
-            <p:ph type="sldNum" sz="quarter" idx="12"/>
-          </p:nvPr>
-        </p:nvSpPr>
-        <p:spPr/>
-        <p:txBody>
-          <a:bodyPr/>
-          <a:lstStyle/>
-          <a:p>
-            <a:fld id="{981EB3C1-91EE-4842-99D8-6C7F16425B7A}" type="slidenum">
-              <a:rPr lang="en-GB" smtClean="0"/>
-              <a:t>‹#›</a:t>
-            </a:fld>
-            <a:endParaRPr lang="en-GB"/>
           </a:p>
         </p:txBody>
       </p:sp>
     </p:spTree>
     <p:extLst>
       <p:ext uri="{BB962C8B-B14F-4D97-AF65-F5344CB8AC3E}">
-        <p14:creationId xmlns:p14="http://schemas.microsoft.com/office/powerpoint/2010/main" val="3203212417"/>
+        <p14:creationId xmlns:p14="http://schemas.microsoft.com/office/powerpoint/2010/main" val="736343105"/>
       </p:ext>
     </p:extLst>
   </p:cSld>
   <p:clrMapOvr>
     <a:masterClrMapping/>
   </p:clrMapOvr>
+  <p:transition/>
 </p:sldLayout>
 </file>
 
@@ -1705,13 +1557,7 @@
       </p:grpSpPr>
       <p:sp>
         <p:nvSpPr>
-          <p:cNvPr id="2" name="Title 1">
-            <a:extLst>
-              <a:ext uri="{FF2B5EF4-FFF2-40B4-BE49-F238E27FC236}">
-                <a16:creationId xmlns:a16="http://schemas.microsoft.com/office/drawing/2014/main" id="{F6FB5FDF-ADB1-4F4D-AD3F-FE041D61EF24}"/>
-              </a:ext>
-            </a:extLst>
-          </p:cNvPr>
+          <p:cNvPr id="2" name="Title 1"/>
           <p:cNvSpPr>
             <a:spLocks noGrp="1"/>
           </p:cNvSpPr>
@@ -1728,19 +1574,12 @@
               <a:rPr lang="en-US"/>
               <a:t>Click to edit Master title style</a:t>
             </a:r>
-            <a:endParaRPr lang="en-GB"/>
           </a:p>
         </p:txBody>
       </p:sp>
       <p:sp>
         <p:nvSpPr>
-          <p:cNvPr id="3" name="Content Placeholder 2">
-            <a:extLst>
-              <a:ext uri="{FF2B5EF4-FFF2-40B4-BE49-F238E27FC236}">
-                <a16:creationId xmlns:a16="http://schemas.microsoft.com/office/drawing/2014/main" id="{5E72CD21-4CF3-4813-BA11-9049456C6E86}"/>
-              </a:ext>
-            </a:extLst>
-          </p:cNvPr>
+          <p:cNvPr id="3" name="Content Placeholder 2"/>
           <p:cNvSpPr>
             <a:spLocks noGrp="1"/>
           </p:cNvSpPr>
@@ -1750,13 +1589,41 @@
         </p:nvSpPr>
         <p:spPr>
           <a:xfrm>
-            <a:off x="838200" y="1825625"/>
-            <a:ext cx="5181600" cy="4351338"/>
+            <a:off x="107156" y="794742"/>
+            <a:ext cx="5935266" cy="6009680"/>
           </a:xfrm>
         </p:spPr>
         <p:txBody>
           <a:bodyPr/>
-          <a:lstStyle/>
+          <a:lstStyle>
+            <a:lvl1pPr>
+              <a:defRPr sz="1969"/>
+            </a:lvl1pPr>
+            <a:lvl2pPr>
+              <a:defRPr sz="1687"/>
+            </a:lvl2pPr>
+            <a:lvl3pPr>
+              <a:defRPr sz="1406"/>
+            </a:lvl3pPr>
+            <a:lvl4pPr>
+              <a:defRPr sz="1266"/>
+            </a:lvl4pPr>
+            <a:lvl5pPr>
+              <a:defRPr sz="1266"/>
+            </a:lvl5pPr>
+            <a:lvl6pPr>
+              <a:defRPr sz="1266"/>
+            </a:lvl6pPr>
+            <a:lvl7pPr>
+              <a:defRPr sz="1266"/>
+            </a:lvl7pPr>
+            <a:lvl8pPr>
+              <a:defRPr sz="1266"/>
+            </a:lvl8pPr>
+            <a:lvl9pPr>
+              <a:defRPr sz="1266"/>
+            </a:lvl9pPr>
+          </a:lstStyle>
           <a:p>
             <a:pPr lvl="0"/>
             <a:r>
@@ -1791,19 +1658,12 @@
               <a:rPr lang="en-US"/>
               <a:t>Fifth level</a:t>
             </a:r>
-            <a:endParaRPr lang="en-GB"/>
           </a:p>
         </p:txBody>
       </p:sp>
       <p:sp>
         <p:nvSpPr>
-          <p:cNvPr id="4" name="Content Placeholder 3">
-            <a:extLst>
-              <a:ext uri="{FF2B5EF4-FFF2-40B4-BE49-F238E27FC236}">
-                <a16:creationId xmlns:a16="http://schemas.microsoft.com/office/drawing/2014/main" id="{3F2DAAF8-F4C2-4F5A-B537-A13D19379D25}"/>
-              </a:ext>
-            </a:extLst>
-          </p:cNvPr>
+          <p:cNvPr id="4" name="Content Placeholder 3"/>
           <p:cNvSpPr>
             <a:spLocks noGrp="1"/>
           </p:cNvSpPr>
@@ -1813,13 +1673,41 @@
         </p:nvSpPr>
         <p:spPr>
           <a:xfrm>
-            <a:off x="6172200" y="1825625"/>
-            <a:ext cx="5181600" cy="4351338"/>
+            <a:off x="6185297" y="794742"/>
+            <a:ext cx="5935266" cy="6009680"/>
           </a:xfrm>
         </p:spPr>
         <p:txBody>
           <a:bodyPr/>
-          <a:lstStyle/>
+          <a:lstStyle>
+            <a:lvl1pPr>
+              <a:defRPr sz="1969"/>
+            </a:lvl1pPr>
+            <a:lvl2pPr>
+              <a:defRPr sz="1687"/>
+            </a:lvl2pPr>
+            <a:lvl3pPr>
+              <a:defRPr sz="1406"/>
+            </a:lvl3pPr>
+            <a:lvl4pPr>
+              <a:defRPr sz="1266"/>
+            </a:lvl4pPr>
+            <a:lvl5pPr>
+              <a:defRPr sz="1266"/>
+            </a:lvl5pPr>
+            <a:lvl6pPr>
+              <a:defRPr sz="1266"/>
+            </a:lvl6pPr>
+            <a:lvl7pPr>
+              <a:defRPr sz="1266"/>
+            </a:lvl7pPr>
+            <a:lvl8pPr>
+              <a:defRPr sz="1266"/>
+            </a:lvl8pPr>
+            <a:lvl9pPr>
+              <a:defRPr sz="1266"/>
+            </a:lvl9pPr>
+          </a:lstStyle>
           <a:p>
             <a:pPr lvl="0"/>
             <a:r>
@@ -1854,103 +1742,20 @@
               <a:rPr lang="en-US"/>
               <a:t>Fifth level</a:t>
             </a:r>
-            <a:endParaRPr lang="en-GB"/>
-          </a:p>
-        </p:txBody>
-      </p:sp>
-      <p:sp>
-        <p:nvSpPr>
-          <p:cNvPr id="5" name="Date Placeholder 4">
-            <a:extLst>
-              <a:ext uri="{FF2B5EF4-FFF2-40B4-BE49-F238E27FC236}">
-                <a16:creationId xmlns:a16="http://schemas.microsoft.com/office/drawing/2014/main" id="{E82BD357-D0A9-41FA-A7C8-371A6E8E820C}"/>
-              </a:ext>
-            </a:extLst>
-          </p:cNvPr>
-          <p:cNvSpPr>
-            <a:spLocks noGrp="1"/>
-          </p:cNvSpPr>
-          <p:nvPr>
-            <p:ph type="dt" sz="half" idx="10"/>
-          </p:nvPr>
-        </p:nvSpPr>
-        <p:spPr/>
-        <p:txBody>
-          <a:bodyPr/>
-          <a:lstStyle/>
-          <a:p>
-            <a:fld id="{5CAFF7CB-A38A-4A36-B304-607D939BA3D6}" type="datetimeFigureOut">
-              <a:rPr lang="en-GB" smtClean="0"/>
-              <a:t>04/12/2023</a:t>
-            </a:fld>
-            <a:endParaRPr lang="en-GB"/>
-          </a:p>
-        </p:txBody>
-      </p:sp>
-      <p:sp>
-        <p:nvSpPr>
-          <p:cNvPr id="6" name="Footer Placeholder 5">
-            <a:extLst>
-              <a:ext uri="{FF2B5EF4-FFF2-40B4-BE49-F238E27FC236}">
-                <a16:creationId xmlns:a16="http://schemas.microsoft.com/office/drawing/2014/main" id="{BD03B8FC-7D43-4397-979D-1A8D8BAF641E}"/>
-              </a:ext>
-            </a:extLst>
-          </p:cNvPr>
-          <p:cNvSpPr>
-            <a:spLocks noGrp="1"/>
-          </p:cNvSpPr>
-          <p:nvPr>
-            <p:ph type="ftr" sz="quarter" idx="11"/>
-          </p:nvPr>
-        </p:nvSpPr>
-        <p:spPr/>
-        <p:txBody>
-          <a:bodyPr/>
-          <a:lstStyle/>
-          <a:p>
-            <a:endParaRPr lang="en-GB"/>
-          </a:p>
-        </p:txBody>
-      </p:sp>
-      <p:sp>
-        <p:nvSpPr>
-          <p:cNvPr id="7" name="Slide Number Placeholder 6">
-            <a:extLst>
-              <a:ext uri="{FF2B5EF4-FFF2-40B4-BE49-F238E27FC236}">
-                <a16:creationId xmlns:a16="http://schemas.microsoft.com/office/drawing/2014/main" id="{E5FE2297-B4ED-4FDA-8AE1-B2AD64550315}"/>
-              </a:ext>
-            </a:extLst>
-          </p:cNvPr>
-          <p:cNvSpPr>
-            <a:spLocks noGrp="1"/>
-          </p:cNvSpPr>
-          <p:nvPr>
-            <p:ph type="sldNum" sz="quarter" idx="12"/>
-          </p:nvPr>
-        </p:nvSpPr>
-        <p:spPr/>
-        <p:txBody>
-          <a:bodyPr/>
-          <a:lstStyle/>
-          <a:p>
-            <a:fld id="{981EB3C1-91EE-4842-99D8-6C7F16425B7A}" type="slidenum">
-              <a:rPr lang="en-GB" smtClean="0"/>
-              <a:t>‹#›</a:t>
-            </a:fld>
-            <a:endParaRPr lang="en-GB"/>
           </a:p>
         </p:txBody>
       </p:sp>
     </p:spTree>
     <p:extLst>
       <p:ext uri="{BB962C8B-B14F-4D97-AF65-F5344CB8AC3E}">
-        <p14:creationId xmlns:p14="http://schemas.microsoft.com/office/powerpoint/2010/main" val="1251796579"/>
+        <p14:creationId xmlns:p14="http://schemas.microsoft.com/office/powerpoint/2010/main" val="1276357880"/>
       </p:ext>
     </p:extLst>
   </p:cSld>
   <p:clrMapOvr>
     <a:masterClrMapping/>
   </p:clrMapOvr>
+  <p:transition/>
 </p:sldLayout>
 </file>
 
@@ -1973,13 +1778,7 @@
       </p:grpSpPr>
       <p:sp>
         <p:nvSpPr>
-          <p:cNvPr id="2" name="Title 1">
-            <a:extLst>
-              <a:ext uri="{FF2B5EF4-FFF2-40B4-BE49-F238E27FC236}">
-                <a16:creationId xmlns:a16="http://schemas.microsoft.com/office/drawing/2014/main" id="{F169C22A-432C-4774-BDF5-A4921B83888C}"/>
-              </a:ext>
-            </a:extLst>
-          </p:cNvPr>
+          <p:cNvPr id="2" name="Title 1"/>
           <p:cNvSpPr>
             <a:spLocks noGrp="1"/>
           </p:cNvSpPr>
@@ -1989,31 +1788,28 @@
         </p:nvSpPr>
         <p:spPr>
           <a:xfrm>
-            <a:off x="839788" y="365125"/>
-            <a:ext cx="10515600" cy="1325563"/>
+            <a:off x="610196" y="274588"/>
+            <a:ext cx="10971609" cy="1143000"/>
           </a:xfrm>
         </p:spPr>
         <p:txBody>
           <a:bodyPr/>
-          <a:lstStyle/>
+          <a:lstStyle>
+            <a:lvl1pPr>
+              <a:defRPr/>
+            </a:lvl1pPr>
+          </a:lstStyle>
           <a:p>
             <a:r>
               <a:rPr lang="en-US"/>
               <a:t>Click to edit Master title style</a:t>
             </a:r>
-            <a:endParaRPr lang="en-GB"/>
           </a:p>
         </p:txBody>
       </p:sp>
       <p:sp>
         <p:nvSpPr>
-          <p:cNvPr id="3" name="Text Placeholder 2">
-            <a:extLst>
-              <a:ext uri="{FF2B5EF4-FFF2-40B4-BE49-F238E27FC236}">
-                <a16:creationId xmlns:a16="http://schemas.microsoft.com/office/drawing/2014/main" id="{4FB4016D-DCA8-47FD-9665-05F30D5A5E71}"/>
-              </a:ext>
-            </a:extLst>
-          </p:cNvPr>
+          <p:cNvPr id="3" name="Text Placeholder 2"/>
           <p:cNvSpPr>
             <a:spLocks noGrp="1"/>
           </p:cNvSpPr>
@@ -2023,8 +1819,8 @@
         </p:nvSpPr>
         <p:spPr>
           <a:xfrm>
-            <a:off x="839788" y="1681163"/>
-            <a:ext cx="5157787" cy="823912"/>
+            <a:off x="610196" y="1534791"/>
+            <a:ext cx="5386090" cy="639589"/>
           </a:xfrm>
         </p:spPr>
         <p:txBody>
@@ -2032,39 +1828,39 @@
           <a:lstStyle>
             <a:lvl1pPr marL="0" indent="0">
               <a:buNone/>
-              <a:defRPr sz="2400" b="1"/>
+              <a:defRPr sz="1687" b="1"/>
             </a:lvl1pPr>
-            <a:lvl2pPr marL="457200" indent="0">
+            <a:lvl2pPr marL="321457" indent="0">
               <a:buNone/>
-              <a:defRPr sz="2000" b="1"/>
+              <a:defRPr sz="1406" b="1"/>
             </a:lvl2pPr>
-            <a:lvl3pPr marL="914400" indent="0">
+            <a:lvl3pPr marL="642915" indent="0">
               <a:buNone/>
-              <a:defRPr sz="1800" b="1"/>
+              <a:defRPr sz="1266" b="1"/>
             </a:lvl3pPr>
-            <a:lvl4pPr marL="1371600" indent="0">
+            <a:lvl4pPr marL="964372" indent="0">
               <a:buNone/>
-              <a:defRPr sz="1600" b="1"/>
+              <a:defRPr sz="1125" b="1"/>
             </a:lvl4pPr>
-            <a:lvl5pPr marL="1828800" indent="0">
+            <a:lvl5pPr marL="1285829" indent="0">
               <a:buNone/>
-              <a:defRPr sz="1600" b="1"/>
+              <a:defRPr sz="1125" b="1"/>
             </a:lvl5pPr>
-            <a:lvl6pPr marL="2286000" indent="0">
+            <a:lvl6pPr marL="1607287" indent="0">
               <a:buNone/>
-              <a:defRPr sz="1600" b="1"/>
+              <a:defRPr sz="1125" b="1"/>
             </a:lvl6pPr>
-            <a:lvl7pPr marL="2743200" indent="0">
+            <a:lvl7pPr marL="1928744" indent="0">
               <a:buNone/>
-              <a:defRPr sz="1600" b="1"/>
+              <a:defRPr sz="1125" b="1"/>
             </a:lvl7pPr>
-            <a:lvl8pPr marL="3200400" indent="0">
+            <a:lvl8pPr marL="2250201" indent="0">
               <a:buNone/>
-              <a:defRPr sz="1600" b="1"/>
+              <a:defRPr sz="1125" b="1"/>
             </a:lvl8pPr>
-            <a:lvl9pPr marL="3657600" indent="0">
+            <a:lvl9pPr marL="2571659" indent="0">
               <a:buNone/>
-              <a:defRPr sz="1600" b="1"/>
+              <a:defRPr sz="1125" b="1"/>
             </a:lvl9pPr>
           </a:lstStyle>
           <a:p>
@@ -2078,13 +1874,7 @@
       </p:sp>
       <p:sp>
         <p:nvSpPr>
-          <p:cNvPr id="4" name="Content Placeholder 3">
-            <a:extLst>
-              <a:ext uri="{FF2B5EF4-FFF2-40B4-BE49-F238E27FC236}">
-                <a16:creationId xmlns:a16="http://schemas.microsoft.com/office/drawing/2014/main" id="{6C506BDF-4E07-45BD-9AD1-E6C340A5AC8E}"/>
-              </a:ext>
-            </a:extLst>
-          </p:cNvPr>
+          <p:cNvPr id="4" name="Content Placeholder 3"/>
           <p:cNvSpPr>
             <a:spLocks noGrp="1"/>
           </p:cNvSpPr>
@@ -2094,13 +1884,41 @@
         </p:nvSpPr>
         <p:spPr>
           <a:xfrm>
-            <a:off x="839788" y="2505075"/>
-            <a:ext cx="5157787" cy="3684588"/>
+            <a:off x="610196" y="2174379"/>
+            <a:ext cx="5386090" cy="3951387"/>
           </a:xfrm>
         </p:spPr>
         <p:txBody>
           <a:bodyPr/>
-          <a:lstStyle/>
+          <a:lstStyle>
+            <a:lvl1pPr>
+              <a:defRPr sz="1687"/>
+            </a:lvl1pPr>
+            <a:lvl2pPr>
+              <a:defRPr sz="1406"/>
+            </a:lvl2pPr>
+            <a:lvl3pPr>
+              <a:defRPr sz="1266"/>
+            </a:lvl3pPr>
+            <a:lvl4pPr>
+              <a:defRPr sz="1125"/>
+            </a:lvl4pPr>
+            <a:lvl5pPr>
+              <a:defRPr sz="1125"/>
+            </a:lvl5pPr>
+            <a:lvl6pPr>
+              <a:defRPr sz="1125"/>
+            </a:lvl6pPr>
+            <a:lvl7pPr>
+              <a:defRPr sz="1125"/>
+            </a:lvl7pPr>
+            <a:lvl8pPr>
+              <a:defRPr sz="1125"/>
+            </a:lvl8pPr>
+            <a:lvl9pPr>
+              <a:defRPr sz="1125"/>
+            </a:lvl9pPr>
+          </a:lstStyle>
           <a:p>
             <a:pPr lvl="0"/>
             <a:r>
@@ -2135,19 +1953,12 @@
               <a:rPr lang="en-US"/>
               <a:t>Fifth level</a:t>
             </a:r>
-            <a:endParaRPr lang="en-GB"/>
           </a:p>
         </p:txBody>
       </p:sp>
       <p:sp>
         <p:nvSpPr>
-          <p:cNvPr id="5" name="Text Placeholder 4">
-            <a:extLst>
-              <a:ext uri="{FF2B5EF4-FFF2-40B4-BE49-F238E27FC236}">
-                <a16:creationId xmlns:a16="http://schemas.microsoft.com/office/drawing/2014/main" id="{7494838E-05EF-4920-819B-6ADFB7EE7530}"/>
-              </a:ext>
-            </a:extLst>
-          </p:cNvPr>
+          <p:cNvPr id="5" name="Text Placeholder 4"/>
           <p:cNvSpPr>
             <a:spLocks noGrp="1"/>
           </p:cNvSpPr>
@@ -2157,8 +1968,8 @@
         </p:nvSpPr>
         <p:spPr>
           <a:xfrm>
-            <a:off x="6172200" y="1681163"/>
-            <a:ext cx="5183188" cy="823912"/>
+            <a:off x="6192739" y="1534791"/>
+            <a:ext cx="5389066" cy="639589"/>
           </a:xfrm>
         </p:spPr>
         <p:txBody>
@@ -2166,39 +1977,39 @@
           <a:lstStyle>
             <a:lvl1pPr marL="0" indent="0">
               <a:buNone/>
-              <a:defRPr sz="2400" b="1"/>
+              <a:defRPr sz="1687" b="1"/>
             </a:lvl1pPr>
-            <a:lvl2pPr marL="457200" indent="0">
+            <a:lvl2pPr marL="321457" indent="0">
               <a:buNone/>
-              <a:defRPr sz="2000" b="1"/>
+              <a:defRPr sz="1406" b="1"/>
             </a:lvl2pPr>
-            <a:lvl3pPr marL="914400" indent="0">
+            <a:lvl3pPr marL="642915" indent="0">
               <a:buNone/>
-              <a:defRPr sz="1800" b="1"/>
+              <a:defRPr sz="1266" b="1"/>
             </a:lvl3pPr>
-            <a:lvl4pPr marL="1371600" indent="0">
+            <a:lvl4pPr marL="964372" indent="0">
               <a:buNone/>
-              <a:defRPr sz="1600" b="1"/>
+              <a:defRPr sz="1125" b="1"/>
             </a:lvl4pPr>
-            <a:lvl5pPr marL="1828800" indent="0">
+            <a:lvl5pPr marL="1285829" indent="0">
               <a:buNone/>
-              <a:defRPr sz="1600" b="1"/>
+              <a:defRPr sz="1125" b="1"/>
             </a:lvl5pPr>
-            <a:lvl6pPr marL="2286000" indent="0">
+            <a:lvl6pPr marL="1607287" indent="0">
               <a:buNone/>
-              <a:defRPr sz="1600" b="1"/>
+              <a:defRPr sz="1125" b="1"/>
             </a:lvl6pPr>
-            <a:lvl7pPr marL="2743200" indent="0">
+            <a:lvl7pPr marL="1928744" indent="0">
               <a:buNone/>
-              <a:defRPr sz="1600" b="1"/>
+              <a:defRPr sz="1125" b="1"/>
             </a:lvl7pPr>
-            <a:lvl8pPr marL="3200400" indent="0">
+            <a:lvl8pPr marL="2250201" indent="0">
               <a:buNone/>
-              <a:defRPr sz="1600" b="1"/>
+              <a:defRPr sz="1125" b="1"/>
             </a:lvl8pPr>
-            <a:lvl9pPr marL="3657600" indent="0">
+            <a:lvl9pPr marL="2571659" indent="0">
               <a:buNone/>
-              <a:defRPr sz="1600" b="1"/>
+              <a:defRPr sz="1125" b="1"/>
             </a:lvl9pPr>
           </a:lstStyle>
           <a:p>
@@ -2212,13 +2023,7 @@
       </p:sp>
       <p:sp>
         <p:nvSpPr>
-          <p:cNvPr id="6" name="Content Placeholder 5">
-            <a:extLst>
-              <a:ext uri="{FF2B5EF4-FFF2-40B4-BE49-F238E27FC236}">
-                <a16:creationId xmlns:a16="http://schemas.microsoft.com/office/drawing/2014/main" id="{F978B826-AD82-42BC-B8E1-FBA32582FF7C}"/>
-              </a:ext>
-            </a:extLst>
-          </p:cNvPr>
+          <p:cNvPr id="6" name="Content Placeholder 5"/>
           <p:cNvSpPr>
             <a:spLocks noGrp="1"/>
           </p:cNvSpPr>
@@ -2228,13 +2033,41 @@
         </p:nvSpPr>
         <p:spPr>
           <a:xfrm>
-            <a:off x="6172200" y="2505075"/>
-            <a:ext cx="5183188" cy="3684588"/>
+            <a:off x="6192739" y="2174379"/>
+            <a:ext cx="5389066" cy="3951387"/>
           </a:xfrm>
         </p:spPr>
         <p:txBody>
           <a:bodyPr/>
-          <a:lstStyle/>
+          <a:lstStyle>
+            <a:lvl1pPr>
+              <a:defRPr sz="1687"/>
+            </a:lvl1pPr>
+            <a:lvl2pPr>
+              <a:defRPr sz="1406"/>
+            </a:lvl2pPr>
+            <a:lvl3pPr>
+              <a:defRPr sz="1266"/>
+            </a:lvl3pPr>
+            <a:lvl4pPr>
+              <a:defRPr sz="1125"/>
+            </a:lvl4pPr>
+            <a:lvl5pPr>
+              <a:defRPr sz="1125"/>
+            </a:lvl5pPr>
+            <a:lvl6pPr>
+              <a:defRPr sz="1125"/>
+            </a:lvl6pPr>
+            <a:lvl7pPr>
+              <a:defRPr sz="1125"/>
+            </a:lvl7pPr>
+            <a:lvl8pPr>
+              <a:defRPr sz="1125"/>
+            </a:lvl8pPr>
+            <a:lvl9pPr>
+              <a:defRPr sz="1125"/>
+            </a:lvl9pPr>
+          </a:lstStyle>
           <a:p>
             <a:pPr lvl="0"/>
             <a:r>
@@ -2269,103 +2102,20 @@
               <a:rPr lang="en-US"/>
               <a:t>Fifth level</a:t>
             </a:r>
-            <a:endParaRPr lang="en-GB"/>
-          </a:p>
-        </p:txBody>
-      </p:sp>
-      <p:sp>
-        <p:nvSpPr>
-          <p:cNvPr id="7" name="Date Placeholder 6">
-            <a:extLst>
-              <a:ext uri="{FF2B5EF4-FFF2-40B4-BE49-F238E27FC236}">
-                <a16:creationId xmlns:a16="http://schemas.microsoft.com/office/drawing/2014/main" id="{2F9D1F97-B931-4806-8D59-C459950F647C}"/>
-              </a:ext>
-            </a:extLst>
-          </p:cNvPr>
-          <p:cNvSpPr>
-            <a:spLocks noGrp="1"/>
-          </p:cNvSpPr>
-          <p:nvPr>
-            <p:ph type="dt" sz="half" idx="10"/>
-          </p:nvPr>
-        </p:nvSpPr>
-        <p:spPr/>
-        <p:txBody>
-          <a:bodyPr/>
-          <a:lstStyle/>
-          <a:p>
-            <a:fld id="{5CAFF7CB-A38A-4A36-B304-607D939BA3D6}" type="datetimeFigureOut">
-              <a:rPr lang="en-GB" smtClean="0"/>
-              <a:t>04/12/2023</a:t>
-            </a:fld>
-            <a:endParaRPr lang="en-GB"/>
-          </a:p>
-        </p:txBody>
-      </p:sp>
-      <p:sp>
-        <p:nvSpPr>
-          <p:cNvPr id="8" name="Footer Placeholder 7">
-            <a:extLst>
-              <a:ext uri="{FF2B5EF4-FFF2-40B4-BE49-F238E27FC236}">
-                <a16:creationId xmlns:a16="http://schemas.microsoft.com/office/drawing/2014/main" id="{6CAF5EAA-43A6-4A06-A0B8-90859F648BB6}"/>
-              </a:ext>
-            </a:extLst>
-          </p:cNvPr>
-          <p:cNvSpPr>
-            <a:spLocks noGrp="1"/>
-          </p:cNvSpPr>
-          <p:nvPr>
-            <p:ph type="ftr" sz="quarter" idx="11"/>
-          </p:nvPr>
-        </p:nvSpPr>
-        <p:spPr/>
-        <p:txBody>
-          <a:bodyPr/>
-          <a:lstStyle/>
-          <a:p>
-            <a:endParaRPr lang="en-GB"/>
-          </a:p>
-        </p:txBody>
-      </p:sp>
-      <p:sp>
-        <p:nvSpPr>
-          <p:cNvPr id="9" name="Slide Number Placeholder 8">
-            <a:extLst>
-              <a:ext uri="{FF2B5EF4-FFF2-40B4-BE49-F238E27FC236}">
-                <a16:creationId xmlns:a16="http://schemas.microsoft.com/office/drawing/2014/main" id="{2D6B9FA8-2902-45EE-B3EF-E0FF037C3EDE}"/>
-              </a:ext>
-            </a:extLst>
-          </p:cNvPr>
-          <p:cNvSpPr>
-            <a:spLocks noGrp="1"/>
-          </p:cNvSpPr>
-          <p:nvPr>
-            <p:ph type="sldNum" sz="quarter" idx="12"/>
-          </p:nvPr>
-        </p:nvSpPr>
-        <p:spPr/>
-        <p:txBody>
-          <a:bodyPr/>
-          <a:lstStyle/>
-          <a:p>
-            <a:fld id="{981EB3C1-91EE-4842-99D8-6C7F16425B7A}" type="slidenum">
-              <a:rPr lang="en-GB" smtClean="0"/>
-              <a:t>‹#›</a:t>
-            </a:fld>
-            <a:endParaRPr lang="en-GB"/>
           </a:p>
         </p:txBody>
       </p:sp>
     </p:spTree>
     <p:extLst>
       <p:ext uri="{BB962C8B-B14F-4D97-AF65-F5344CB8AC3E}">
-        <p14:creationId xmlns:p14="http://schemas.microsoft.com/office/powerpoint/2010/main" val="3637722670"/>
+        <p14:creationId xmlns:p14="http://schemas.microsoft.com/office/powerpoint/2010/main" val="207588487"/>
       </p:ext>
     </p:extLst>
   </p:cSld>
   <p:clrMapOvr>
     <a:masterClrMapping/>
   </p:clrMapOvr>
+  <p:transition/>
 </p:sldLayout>
 </file>
 
@@ -2388,13 +2138,7 @@
       </p:grpSpPr>
       <p:sp>
         <p:nvSpPr>
-          <p:cNvPr id="2" name="Title 1">
-            <a:extLst>
-              <a:ext uri="{FF2B5EF4-FFF2-40B4-BE49-F238E27FC236}">
-                <a16:creationId xmlns:a16="http://schemas.microsoft.com/office/drawing/2014/main" id="{7712947F-A4E9-4769-826F-A72FA9FD14CD}"/>
-              </a:ext>
-            </a:extLst>
-          </p:cNvPr>
+          <p:cNvPr id="2" name="Title 1"/>
           <p:cNvSpPr>
             <a:spLocks noGrp="1"/>
           </p:cNvSpPr>
@@ -2411,103 +2155,20 @@
               <a:rPr lang="en-US"/>
               <a:t>Click to edit Master title style</a:t>
             </a:r>
-            <a:endParaRPr lang="en-GB"/>
-          </a:p>
-        </p:txBody>
-      </p:sp>
-      <p:sp>
-        <p:nvSpPr>
-          <p:cNvPr id="3" name="Date Placeholder 2">
-            <a:extLst>
-              <a:ext uri="{FF2B5EF4-FFF2-40B4-BE49-F238E27FC236}">
-                <a16:creationId xmlns:a16="http://schemas.microsoft.com/office/drawing/2014/main" id="{005D0767-878E-4219-A29E-385F60C32518}"/>
-              </a:ext>
-            </a:extLst>
-          </p:cNvPr>
-          <p:cNvSpPr>
-            <a:spLocks noGrp="1"/>
-          </p:cNvSpPr>
-          <p:nvPr>
-            <p:ph type="dt" sz="half" idx="10"/>
-          </p:nvPr>
-        </p:nvSpPr>
-        <p:spPr/>
-        <p:txBody>
-          <a:bodyPr/>
-          <a:lstStyle/>
-          <a:p>
-            <a:fld id="{5CAFF7CB-A38A-4A36-B304-607D939BA3D6}" type="datetimeFigureOut">
-              <a:rPr lang="en-GB" smtClean="0"/>
-              <a:t>04/12/2023</a:t>
-            </a:fld>
-            <a:endParaRPr lang="en-GB"/>
-          </a:p>
-        </p:txBody>
-      </p:sp>
-      <p:sp>
-        <p:nvSpPr>
-          <p:cNvPr id="4" name="Footer Placeholder 3">
-            <a:extLst>
-              <a:ext uri="{FF2B5EF4-FFF2-40B4-BE49-F238E27FC236}">
-                <a16:creationId xmlns:a16="http://schemas.microsoft.com/office/drawing/2014/main" id="{601311A0-1A52-4903-84D0-4F05B3F5F8F6}"/>
-              </a:ext>
-            </a:extLst>
-          </p:cNvPr>
-          <p:cNvSpPr>
-            <a:spLocks noGrp="1"/>
-          </p:cNvSpPr>
-          <p:nvPr>
-            <p:ph type="ftr" sz="quarter" idx="11"/>
-          </p:nvPr>
-        </p:nvSpPr>
-        <p:spPr/>
-        <p:txBody>
-          <a:bodyPr/>
-          <a:lstStyle/>
-          <a:p>
-            <a:endParaRPr lang="en-GB"/>
-          </a:p>
-        </p:txBody>
-      </p:sp>
-      <p:sp>
-        <p:nvSpPr>
-          <p:cNvPr id="5" name="Slide Number Placeholder 4">
-            <a:extLst>
-              <a:ext uri="{FF2B5EF4-FFF2-40B4-BE49-F238E27FC236}">
-                <a16:creationId xmlns:a16="http://schemas.microsoft.com/office/drawing/2014/main" id="{EDBCE3E9-5118-4E83-B32B-B9290FF21A3A}"/>
-              </a:ext>
-            </a:extLst>
-          </p:cNvPr>
-          <p:cNvSpPr>
-            <a:spLocks noGrp="1"/>
-          </p:cNvSpPr>
-          <p:nvPr>
-            <p:ph type="sldNum" sz="quarter" idx="12"/>
-          </p:nvPr>
-        </p:nvSpPr>
-        <p:spPr/>
-        <p:txBody>
-          <a:bodyPr/>
-          <a:lstStyle/>
-          <a:p>
-            <a:fld id="{981EB3C1-91EE-4842-99D8-6C7F16425B7A}" type="slidenum">
-              <a:rPr lang="en-GB" smtClean="0"/>
-              <a:t>‹#›</a:t>
-            </a:fld>
-            <a:endParaRPr lang="en-GB"/>
           </a:p>
         </p:txBody>
       </p:sp>
     </p:spTree>
     <p:extLst>
       <p:ext uri="{BB962C8B-B14F-4D97-AF65-F5344CB8AC3E}">
-        <p14:creationId xmlns:p14="http://schemas.microsoft.com/office/powerpoint/2010/main" val="3774729611"/>
+        <p14:creationId xmlns:p14="http://schemas.microsoft.com/office/powerpoint/2010/main" val="2705989796"/>
       </p:ext>
     </p:extLst>
   </p:cSld>
   <p:clrMapOvr>
     <a:masterClrMapping/>
   </p:clrMapOvr>
+  <p:transition/>
 </p:sldLayout>
 </file>
 
@@ -2528,99 +2189,17 @@
           <a:chExt cx="0" cy="0"/>
         </a:xfrm>
       </p:grpSpPr>
-      <p:sp>
-        <p:nvSpPr>
-          <p:cNvPr id="2" name="Date Placeholder 1">
-            <a:extLst>
-              <a:ext uri="{FF2B5EF4-FFF2-40B4-BE49-F238E27FC236}">
-                <a16:creationId xmlns:a16="http://schemas.microsoft.com/office/drawing/2014/main" id="{887101A4-A3C0-4399-951E-FDBB436DE2C7}"/>
-              </a:ext>
-            </a:extLst>
-          </p:cNvPr>
-          <p:cNvSpPr>
-            <a:spLocks noGrp="1"/>
-          </p:cNvSpPr>
-          <p:nvPr>
-            <p:ph type="dt" sz="half" idx="10"/>
-          </p:nvPr>
-        </p:nvSpPr>
-        <p:spPr/>
-        <p:txBody>
-          <a:bodyPr/>
-          <a:lstStyle/>
-          <a:p>
-            <a:fld id="{5CAFF7CB-A38A-4A36-B304-607D939BA3D6}" type="datetimeFigureOut">
-              <a:rPr lang="en-GB" smtClean="0"/>
-              <a:t>04/12/2023</a:t>
-            </a:fld>
-            <a:endParaRPr lang="en-GB"/>
-          </a:p>
-        </p:txBody>
-      </p:sp>
-      <p:sp>
-        <p:nvSpPr>
-          <p:cNvPr id="3" name="Footer Placeholder 2">
-            <a:extLst>
-              <a:ext uri="{FF2B5EF4-FFF2-40B4-BE49-F238E27FC236}">
-                <a16:creationId xmlns:a16="http://schemas.microsoft.com/office/drawing/2014/main" id="{134180E6-D8B4-43C6-A5D6-7A5E366E9D7E}"/>
-              </a:ext>
-            </a:extLst>
-          </p:cNvPr>
-          <p:cNvSpPr>
-            <a:spLocks noGrp="1"/>
-          </p:cNvSpPr>
-          <p:nvPr>
-            <p:ph type="ftr" sz="quarter" idx="11"/>
-          </p:nvPr>
-        </p:nvSpPr>
-        <p:spPr/>
-        <p:txBody>
-          <a:bodyPr/>
-          <a:lstStyle/>
-          <a:p>
-            <a:endParaRPr lang="en-GB"/>
-          </a:p>
-        </p:txBody>
-      </p:sp>
-      <p:sp>
-        <p:nvSpPr>
-          <p:cNvPr id="4" name="Slide Number Placeholder 3">
-            <a:extLst>
-              <a:ext uri="{FF2B5EF4-FFF2-40B4-BE49-F238E27FC236}">
-                <a16:creationId xmlns:a16="http://schemas.microsoft.com/office/drawing/2014/main" id="{929CE9FF-DD46-466D-9E31-8CBEE51250D7}"/>
-              </a:ext>
-            </a:extLst>
-          </p:cNvPr>
-          <p:cNvSpPr>
-            <a:spLocks noGrp="1"/>
-          </p:cNvSpPr>
-          <p:nvPr>
-            <p:ph type="sldNum" sz="quarter" idx="12"/>
-          </p:nvPr>
-        </p:nvSpPr>
-        <p:spPr/>
-        <p:txBody>
-          <a:bodyPr/>
-          <a:lstStyle/>
-          <a:p>
-            <a:fld id="{981EB3C1-91EE-4842-99D8-6C7F16425B7A}" type="slidenum">
-              <a:rPr lang="en-GB" smtClean="0"/>
-              <a:t>‹#›</a:t>
-            </a:fld>
-            <a:endParaRPr lang="en-GB"/>
-          </a:p>
-        </p:txBody>
-      </p:sp>
     </p:spTree>
     <p:extLst>
       <p:ext uri="{BB962C8B-B14F-4D97-AF65-F5344CB8AC3E}">
-        <p14:creationId xmlns:p14="http://schemas.microsoft.com/office/powerpoint/2010/main" val="1324612407"/>
+        <p14:creationId xmlns:p14="http://schemas.microsoft.com/office/powerpoint/2010/main" val="3386063698"/>
       </p:ext>
     </p:extLst>
   </p:cSld>
   <p:clrMapOvr>
     <a:masterClrMapping/>
   </p:clrMapOvr>
+  <p:transition/>
 </p:sldLayout>
 </file>
 
@@ -2643,13 +2222,7 @@
       </p:grpSpPr>
       <p:sp>
         <p:nvSpPr>
-          <p:cNvPr id="2" name="Title 1">
-            <a:extLst>
-              <a:ext uri="{FF2B5EF4-FFF2-40B4-BE49-F238E27FC236}">
-                <a16:creationId xmlns:a16="http://schemas.microsoft.com/office/drawing/2014/main" id="{083A39A5-A7D8-4A1F-88BC-94B956E3CAB8}"/>
-              </a:ext>
-            </a:extLst>
-          </p:cNvPr>
+          <p:cNvPr id="2" name="Title 1"/>
           <p:cNvSpPr>
             <a:spLocks noGrp="1"/>
           </p:cNvSpPr>
@@ -2659,15 +2232,15 @@
         </p:nvSpPr>
         <p:spPr>
           <a:xfrm>
-            <a:off x="839788" y="457200"/>
-            <a:ext cx="3932237" cy="1600200"/>
+            <a:off x="610196" y="273473"/>
+            <a:ext cx="4010918" cy="1161975"/>
           </a:xfrm>
         </p:spPr>
         <p:txBody>
           <a:bodyPr anchor="b"/>
           <a:lstStyle>
-            <a:lvl1pPr>
-              <a:defRPr sz="3200"/>
+            <a:lvl1pPr algn="l">
+              <a:defRPr sz="1406" b="1"/>
             </a:lvl1pPr>
           </a:lstStyle>
           <a:p>
@@ -2675,19 +2248,12 @@
               <a:rPr lang="en-US"/>
               <a:t>Click to edit Master title style</a:t>
             </a:r>
-            <a:endParaRPr lang="en-GB"/>
           </a:p>
         </p:txBody>
       </p:sp>
       <p:sp>
         <p:nvSpPr>
-          <p:cNvPr id="3" name="Content Placeholder 2">
-            <a:extLst>
-              <a:ext uri="{FF2B5EF4-FFF2-40B4-BE49-F238E27FC236}">
-                <a16:creationId xmlns:a16="http://schemas.microsoft.com/office/drawing/2014/main" id="{83833DC9-DC58-4305-BC33-F06EDA9D4308}"/>
-              </a:ext>
-            </a:extLst>
-          </p:cNvPr>
+          <p:cNvPr id="3" name="Content Placeholder 2"/>
           <p:cNvSpPr>
             <a:spLocks noGrp="1"/>
           </p:cNvSpPr>
@@ -2697,39 +2263,39 @@
         </p:nvSpPr>
         <p:spPr>
           <a:xfrm>
-            <a:off x="5183188" y="987425"/>
-            <a:ext cx="6172200" cy="4873625"/>
+            <a:off x="4766965" y="273472"/>
+            <a:ext cx="6814839" cy="5852294"/>
           </a:xfrm>
         </p:spPr>
         <p:txBody>
           <a:bodyPr/>
           <a:lstStyle>
             <a:lvl1pPr>
-              <a:defRPr sz="3200"/>
+              <a:defRPr sz="2250"/>
             </a:lvl1pPr>
             <a:lvl2pPr>
-              <a:defRPr sz="2800"/>
+              <a:defRPr sz="1969"/>
             </a:lvl2pPr>
             <a:lvl3pPr>
-              <a:defRPr sz="2400"/>
+              <a:defRPr sz="1687"/>
             </a:lvl3pPr>
             <a:lvl4pPr>
-              <a:defRPr sz="2000"/>
+              <a:defRPr sz="1406"/>
             </a:lvl4pPr>
             <a:lvl5pPr>
-              <a:defRPr sz="2000"/>
+              <a:defRPr sz="1406"/>
             </a:lvl5pPr>
             <a:lvl6pPr>
-              <a:defRPr sz="2000"/>
+              <a:defRPr sz="1406"/>
             </a:lvl6pPr>
             <a:lvl7pPr>
-              <a:defRPr sz="2000"/>
+              <a:defRPr sz="1406"/>
             </a:lvl7pPr>
             <a:lvl8pPr>
-              <a:defRPr sz="2000"/>
+              <a:defRPr sz="1406"/>
             </a:lvl8pPr>
             <a:lvl9pPr>
-              <a:defRPr sz="2000"/>
+              <a:defRPr sz="1406"/>
             </a:lvl9pPr>
           </a:lstStyle>
           <a:p>
@@ -2766,19 +2332,12 @@
               <a:rPr lang="en-US"/>
               <a:t>Fifth level</a:t>
             </a:r>
-            <a:endParaRPr lang="en-GB"/>
           </a:p>
         </p:txBody>
       </p:sp>
       <p:sp>
         <p:nvSpPr>
-          <p:cNvPr id="4" name="Text Placeholder 3">
-            <a:extLst>
-              <a:ext uri="{FF2B5EF4-FFF2-40B4-BE49-F238E27FC236}">
-                <a16:creationId xmlns:a16="http://schemas.microsoft.com/office/drawing/2014/main" id="{E63E9032-AA78-4970-B405-3E80A3FC860B}"/>
-              </a:ext>
-            </a:extLst>
-          </p:cNvPr>
+          <p:cNvPr id="4" name="Text Placeholder 3"/>
           <p:cNvSpPr>
             <a:spLocks noGrp="1"/>
           </p:cNvSpPr>
@@ -2788,8 +2347,8 @@
         </p:nvSpPr>
         <p:spPr>
           <a:xfrm>
-            <a:off x="839788" y="2057400"/>
-            <a:ext cx="3932237" cy="3811588"/>
+            <a:off x="610196" y="1435448"/>
+            <a:ext cx="4010918" cy="4690318"/>
           </a:xfrm>
         </p:spPr>
         <p:txBody>
@@ -2797,39 +2356,39 @@
           <a:lstStyle>
             <a:lvl1pPr marL="0" indent="0">
               <a:buNone/>
-              <a:defRPr sz="1600"/>
+              <a:defRPr sz="984"/>
             </a:lvl1pPr>
-            <a:lvl2pPr marL="457200" indent="0">
+            <a:lvl2pPr marL="321457" indent="0">
               <a:buNone/>
-              <a:defRPr sz="1400"/>
+              <a:defRPr sz="844"/>
             </a:lvl2pPr>
-            <a:lvl3pPr marL="914400" indent="0">
+            <a:lvl3pPr marL="642915" indent="0">
               <a:buNone/>
-              <a:defRPr sz="1200"/>
+              <a:defRPr sz="703"/>
             </a:lvl3pPr>
-            <a:lvl4pPr marL="1371600" indent="0">
+            <a:lvl4pPr marL="964372" indent="0">
               <a:buNone/>
-              <a:defRPr sz="1000"/>
+              <a:defRPr sz="633"/>
             </a:lvl4pPr>
-            <a:lvl5pPr marL="1828800" indent="0">
+            <a:lvl5pPr marL="1285829" indent="0">
               <a:buNone/>
-              <a:defRPr sz="1000"/>
+              <a:defRPr sz="633"/>
             </a:lvl5pPr>
-            <a:lvl6pPr marL="2286000" indent="0">
+            <a:lvl6pPr marL="1607287" indent="0">
               <a:buNone/>
-              <a:defRPr sz="1000"/>
+              <a:defRPr sz="633"/>
             </a:lvl6pPr>
-            <a:lvl7pPr marL="2743200" indent="0">
+            <a:lvl7pPr marL="1928744" indent="0">
               <a:buNone/>
-              <a:defRPr sz="1000"/>
+              <a:defRPr sz="633"/>
             </a:lvl7pPr>
-            <a:lvl8pPr marL="3200400" indent="0">
+            <a:lvl8pPr marL="2250201" indent="0">
               <a:buNone/>
-              <a:defRPr sz="1000"/>
+              <a:defRPr sz="633"/>
             </a:lvl8pPr>
-            <a:lvl9pPr marL="3657600" indent="0">
+            <a:lvl9pPr marL="2571659" indent="0">
               <a:buNone/>
-              <a:defRPr sz="1000"/>
+              <a:defRPr sz="633"/>
             </a:lvl9pPr>
           </a:lstStyle>
           <a:p>
@@ -2838,102 +2397,20 @@
               <a:rPr lang="en-US"/>
               <a:t>Click to edit Master text styles</a:t>
             </a:r>
-          </a:p>
-        </p:txBody>
-      </p:sp>
-      <p:sp>
-        <p:nvSpPr>
-          <p:cNvPr id="5" name="Date Placeholder 4">
-            <a:extLst>
-              <a:ext uri="{FF2B5EF4-FFF2-40B4-BE49-F238E27FC236}">
-                <a16:creationId xmlns:a16="http://schemas.microsoft.com/office/drawing/2014/main" id="{69CEF6BA-9236-4007-A4E2-69D3A0F65CFC}"/>
-              </a:ext>
-            </a:extLst>
-          </p:cNvPr>
-          <p:cNvSpPr>
-            <a:spLocks noGrp="1"/>
-          </p:cNvSpPr>
-          <p:nvPr>
-            <p:ph type="dt" sz="half" idx="10"/>
-          </p:nvPr>
-        </p:nvSpPr>
-        <p:spPr/>
-        <p:txBody>
-          <a:bodyPr/>
-          <a:lstStyle/>
-          <a:p>
-            <a:fld id="{5CAFF7CB-A38A-4A36-B304-607D939BA3D6}" type="datetimeFigureOut">
-              <a:rPr lang="en-GB" smtClean="0"/>
-              <a:t>04/12/2023</a:t>
-            </a:fld>
-            <a:endParaRPr lang="en-GB"/>
-          </a:p>
-        </p:txBody>
-      </p:sp>
-      <p:sp>
-        <p:nvSpPr>
-          <p:cNvPr id="6" name="Footer Placeholder 5">
-            <a:extLst>
-              <a:ext uri="{FF2B5EF4-FFF2-40B4-BE49-F238E27FC236}">
-                <a16:creationId xmlns:a16="http://schemas.microsoft.com/office/drawing/2014/main" id="{28D2E5C2-20A4-4E7C-BC0C-EE0AADB0A425}"/>
-              </a:ext>
-            </a:extLst>
-          </p:cNvPr>
-          <p:cNvSpPr>
-            <a:spLocks noGrp="1"/>
-          </p:cNvSpPr>
-          <p:nvPr>
-            <p:ph type="ftr" sz="quarter" idx="11"/>
-          </p:nvPr>
-        </p:nvSpPr>
-        <p:spPr/>
-        <p:txBody>
-          <a:bodyPr/>
-          <a:lstStyle/>
-          <a:p>
-            <a:endParaRPr lang="en-GB"/>
-          </a:p>
-        </p:txBody>
-      </p:sp>
-      <p:sp>
-        <p:nvSpPr>
-          <p:cNvPr id="7" name="Slide Number Placeholder 6">
-            <a:extLst>
-              <a:ext uri="{FF2B5EF4-FFF2-40B4-BE49-F238E27FC236}">
-                <a16:creationId xmlns:a16="http://schemas.microsoft.com/office/drawing/2014/main" id="{3206BB31-42A4-468A-8EDD-14DC9AC0A1C4}"/>
-              </a:ext>
-            </a:extLst>
-          </p:cNvPr>
-          <p:cNvSpPr>
-            <a:spLocks noGrp="1"/>
-          </p:cNvSpPr>
-          <p:nvPr>
-            <p:ph type="sldNum" sz="quarter" idx="12"/>
-          </p:nvPr>
-        </p:nvSpPr>
-        <p:spPr/>
-        <p:txBody>
-          <a:bodyPr/>
-          <a:lstStyle/>
-          <a:p>
-            <a:fld id="{981EB3C1-91EE-4842-99D8-6C7F16425B7A}" type="slidenum">
-              <a:rPr lang="en-GB" smtClean="0"/>
-              <a:t>‹#›</a:t>
-            </a:fld>
-            <a:endParaRPr lang="en-GB"/>
           </a:p>
         </p:txBody>
       </p:sp>
     </p:spTree>
     <p:extLst>
       <p:ext uri="{BB962C8B-B14F-4D97-AF65-F5344CB8AC3E}">
-        <p14:creationId xmlns:p14="http://schemas.microsoft.com/office/powerpoint/2010/main" val="3470757036"/>
+        <p14:creationId xmlns:p14="http://schemas.microsoft.com/office/powerpoint/2010/main" val="2261697733"/>
       </p:ext>
     </p:extLst>
   </p:cSld>
   <p:clrMapOvr>
     <a:masterClrMapping/>
   </p:clrMapOvr>
+  <p:transition/>
 </p:sldLayout>
 </file>
 
@@ -2956,13 +2433,7 @@
       </p:grpSpPr>
       <p:sp>
         <p:nvSpPr>
-          <p:cNvPr id="2" name="Title 1">
-            <a:extLst>
-              <a:ext uri="{FF2B5EF4-FFF2-40B4-BE49-F238E27FC236}">
-                <a16:creationId xmlns:a16="http://schemas.microsoft.com/office/drawing/2014/main" id="{D021BA97-1672-4DDB-8E17-42EE173A3D37}"/>
-              </a:ext>
-            </a:extLst>
-          </p:cNvPr>
+          <p:cNvPr id="2" name="Title 1"/>
           <p:cNvSpPr>
             <a:spLocks noGrp="1"/>
           </p:cNvSpPr>
@@ -2972,15 +2443,15 @@
         </p:nvSpPr>
         <p:spPr>
           <a:xfrm>
-            <a:off x="839788" y="457200"/>
-            <a:ext cx="3932237" cy="1600200"/>
+            <a:off x="2390180" y="4800824"/>
+            <a:ext cx="7314903" cy="567035"/>
           </a:xfrm>
         </p:spPr>
         <p:txBody>
           <a:bodyPr anchor="b"/>
           <a:lstStyle>
-            <a:lvl1pPr>
-              <a:defRPr sz="3200"/>
+            <a:lvl1pPr algn="l">
+              <a:defRPr sz="1406" b="1"/>
             </a:lvl1pPr>
           </a:lstStyle>
           <a:p>
@@ -2988,19 +2459,12 @@
               <a:rPr lang="en-US"/>
               <a:t>Click to edit Master title style</a:t>
             </a:r>
-            <a:endParaRPr lang="en-GB"/>
           </a:p>
         </p:txBody>
       </p:sp>
       <p:sp>
         <p:nvSpPr>
-          <p:cNvPr id="3" name="Picture Placeholder 2">
-            <a:extLst>
-              <a:ext uri="{FF2B5EF4-FFF2-40B4-BE49-F238E27FC236}">
-                <a16:creationId xmlns:a16="http://schemas.microsoft.com/office/drawing/2014/main" id="{EFBE407A-42B5-415A-9970-7E9FE89F68D8}"/>
-              </a:ext>
-            </a:extLst>
-          </p:cNvPr>
+          <p:cNvPr id="3" name="Picture Placeholder 2"/>
           <p:cNvSpPr>
             <a:spLocks noGrp="1"/>
           </p:cNvSpPr>
@@ -3010,8 +2474,8 @@
         </p:nvSpPr>
         <p:spPr>
           <a:xfrm>
-            <a:off x="5183188" y="987425"/>
-            <a:ext cx="6172200" cy="4873625"/>
+            <a:off x="2390180" y="612800"/>
+            <a:ext cx="7314903" cy="4114354"/>
           </a:xfrm>
         </p:spPr>
         <p:txBody>
@@ -3019,55 +2483,49 @@
           <a:lstStyle>
             <a:lvl1pPr marL="0" indent="0">
               <a:buNone/>
-              <a:defRPr sz="3200"/>
+              <a:defRPr sz="2250"/>
             </a:lvl1pPr>
-            <a:lvl2pPr marL="457200" indent="0">
+            <a:lvl2pPr marL="321457" indent="0">
               <a:buNone/>
-              <a:defRPr sz="2800"/>
+              <a:defRPr sz="1969"/>
             </a:lvl2pPr>
-            <a:lvl3pPr marL="914400" indent="0">
+            <a:lvl3pPr marL="642915" indent="0">
               <a:buNone/>
-              <a:defRPr sz="2400"/>
+              <a:defRPr sz="1687"/>
             </a:lvl3pPr>
-            <a:lvl4pPr marL="1371600" indent="0">
+            <a:lvl4pPr marL="964372" indent="0">
               <a:buNone/>
-              <a:defRPr sz="2000"/>
+              <a:defRPr sz="1406"/>
             </a:lvl4pPr>
-            <a:lvl5pPr marL="1828800" indent="0">
+            <a:lvl5pPr marL="1285829" indent="0">
               <a:buNone/>
-              <a:defRPr sz="2000"/>
+              <a:defRPr sz="1406"/>
             </a:lvl5pPr>
-            <a:lvl6pPr marL="2286000" indent="0">
+            <a:lvl6pPr marL="1607287" indent="0">
               <a:buNone/>
-              <a:defRPr sz="2000"/>
+              <a:defRPr sz="1406"/>
             </a:lvl6pPr>
-            <a:lvl7pPr marL="2743200" indent="0">
+            <a:lvl7pPr marL="1928744" indent="0">
               <a:buNone/>
-              <a:defRPr sz="2000"/>
+              <a:defRPr sz="1406"/>
             </a:lvl7pPr>
-            <a:lvl8pPr marL="3200400" indent="0">
+            <a:lvl8pPr marL="2250201" indent="0">
               <a:buNone/>
-              <a:defRPr sz="2000"/>
+              <a:defRPr sz="1406"/>
             </a:lvl8pPr>
-            <a:lvl9pPr marL="3657600" indent="0">
+            <a:lvl9pPr marL="2571659" indent="0">
               <a:buNone/>
-              <a:defRPr sz="2000"/>
+              <a:defRPr sz="1406"/>
             </a:lvl9pPr>
           </a:lstStyle>
           <a:p>
-            <a:endParaRPr lang="en-GB"/>
+            <a:endParaRPr lang="en-US"/>
           </a:p>
         </p:txBody>
       </p:sp>
       <p:sp>
         <p:nvSpPr>
-          <p:cNvPr id="4" name="Text Placeholder 3">
-            <a:extLst>
-              <a:ext uri="{FF2B5EF4-FFF2-40B4-BE49-F238E27FC236}">
-                <a16:creationId xmlns:a16="http://schemas.microsoft.com/office/drawing/2014/main" id="{F42D3155-CF09-4D65-9954-16A960DF8FED}"/>
-              </a:ext>
-            </a:extLst>
-          </p:cNvPr>
+          <p:cNvPr id="4" name="Text Placeholder 3"/>
           <p:cNvSpPr>
             <a:spLocks noGrp="1"/>
           </p:cNvSpPr>
@@ -3077,8 +2535,8 @@
         </p:nvSpPr>
         <p:spPr>
           <a:xfrm>
-            <a:off x="839788" y="2057400"/>
-            <a:ext cx="3932237" cy="3811588"/>
+            <a:off x="2390180" y="5367859"/>
+            <a:ext cx="7314903" cy="804788"/>
           </a:xfrm>
         </p:spPr>
         <p:txBody>
@@ -3086,39 +2544,39 @@
           <a:lstStyle>
             <a:lvl1pPr marL="0" indent="0">
               <a:buNone/>
-              <a:defRPr sz="1600"/>
+              <a:defRPr sz="984"/>
             </a:lvl1pPr>
-            <a:lvl2pPr marL="457200" indent="0">
+            <a:lvl2pPr marL="321457" indent="0">
               <a:buNone/>
-              <a:defRPr sz="1400"/>
+              <a:defRPr sz="844"/>
             </a:lvl2pPr>
-            <a:lvl3pPr marL="914400" indent="0">
+            <a:lvl3pPr marL="642915" indent="0">
               <a:buNone/>
-              <a:defRPr sz="1200"/>
+              <a:defRPr sz="703"/>
             </a:lvl3pPr>
-            <a:lvl4pPr marL="1371600" indent="0">
+            <a:lvl4pPr marL="964372" indent="0">
               <a:buNone/>
-              <a:defRPr sz="1000"/>
+              <a:defRPr sz="633"/>
             </a:lvl4pPr>
-            <a:lvl5pPr marL="1828800" indent="0">
+            <a:lvl5pPr marL="1285829" indent="0">
               <a:buNone/>
-              <a:defRPr sz="1000"/>
+              <a:defRPr sz="633"/>
             </a:lvl5pPr>
-            <a:lvl6pPr marL="2286000" indent="0">
+            <a:lvl6pPr marL="1607287" indent="0">
               <a:buNone/>
-              <a:defRPr sz="1000"/>
+              <a:defRPr sz="633"/>
             </a:lvl6pPr>
-            <a:lvl7pPr marL="2743200" indent="0">
+            <a:lvl7pPr marL="1928744" indent="0">
               <a:buNone/>
-              <a:defRPr sz="1000"/>
+              <a:defRPr sz="633"/>
             </a:lvl7pPr>
-            <a:lvl8pPr marL="3200400" indent="0">
+            <a:lvl8pPr marL="2250201" indent="0">
               <a:buNone/>
-              <a:defRPr sz="1000"/>
+              <a:defRPr sz="633"/>
             </a:lvl8pPr>
-            <a:lvl9pPr marL="3657600" indent="0">
+            <a:lvl9pPr marL="2571659" indent="0">
               <a:buNone/>
-              <a:defRPr sz="1000"/>
+              <a:defRPr sz="633"/>
             </a:lvl9pPr>
           </a:lstStyle>
           <a:p>
@@ -3127,102 +2585,20 @@
               <a:rPr lang="en-US"/>
               <a:t>Click to edit Master text styles</a:t>
             </a:r>
-          </a:p>
-        </p:txBody>
-      </p:sp>
-      <p:sp>
-        <p:nvSpPr>
-          <p:cNvPr id="5" name="Date Placeholder 4">
-            <a:extLst>
-              <a:ext uri="{FF2B5EF4-FFF2-40B4-BE49-F238E27FC236}">
-                <a16:creationId xmlns:a16="http://schemas.microsoft.com/office/drawing/2014/main" id="{3EB45B26-01E5-4B76-B5B4-B74CB92739D0}"/>
-              </a:ext>
-            </a:extLst>
-          </p:cNvPr>
-          <p:cNvSpPr>
-            <a:spLocks noGrp="1"/>
-          </p:cNvSpPr>
-          <p:nvPr>
-            <p:ph type="dt" sz="half" idx="10"/>
-          </p:nvPr>
-        </p:nvSpPr>
-        <p:spPr/>
-        <p:txBody>
-          <a:bodyPr/>
-          <a:lstStyle/>
-          <a:p>
-            <a:fld id="{5CAFF7CB-A38A-4A36-B304-607D939BA3D6}" type="datetimeFigureOut">
-              <a:rPr lang="en-GB" smtClean="0"/>
-              <a:t>04/12/2023</a:t>
-            </a:fld>
-            <a:endParaRPr lang="en-GB"/>
-          </a:p>
-        </p:txBody>
-      </p:sp>
-      <p:sp>
-        <p:nvSpPr>
-          <p:cNvPr id="6" name="Footer Placeholder 5">
-            <a:extLst>
-              <a:ext uri="{FF2B5EF4-FFF2-40B4-BE49-F238E27FC236}">
-                <a16:creationId xmlns:a16="http://schemas.microsoft.com/office/drawing/2014/main" id="{8FEA6818-A28A-43B1-A3D0-0DFE14C3BD77}"/>
-              </a:ext>
-            </a:extLst>
-          </p:cNvPr>
-          <p:cNvSpPr>
-            <a:spLocks noGrp="1"/>
-          </p:cNvSpPr>
-          <p:nvPr>
-            <p:ph type="ftr" sz="quarter" idx="11"/>
-          </p:nvPr>
-        </p:nvSpPr>
-        <p:spPr/>
-        <p:txBody>
-          <a:bodyPr/>
-          <a:lstStyle/>
-          <a:p>
-            <a:endParaRPr lang="en-GB"/>
-          </a:p>
-        </p:txBody>
-      </p:sp>
-      <p:sp>
-        <p:nvSpPr>
-          <p:cNvPr id="7" name="Slide Number Placeholder 6">
-            <a:extLst>
-              <a:ext uri="{FF2B5EF4-FFF2-40B4-BE49-F238E27FC236}">
-                <a16:creationId xmlns:a16="http://schemas.microsoft.com/office/drawing/2014/main" id="{8083A2FF-39FA-4743-A0F7-67493B7B3C41}"/>
-              </a:ext>
-            </a:extLst>
-          </p:cNvPr>
-          <p:cNvSpPr>
-            <a:spLocks noGrp="1"/>
-          </p:cNvSpPr>
-          <p:nvPr>
-            <p:ph type="sldNum" sz="quarter" idx="12"/>
-          </p:nvPr>
-        </p:nvSpPr>
-        <p:spPr/>
-        <p:txBody>
-          <a:bodyPr/>
-          <a:lstStyle/>
-          <a:p>
-            <a:fld id="{981EB3C1-91EE-4842-99D8-6C7F16425B7A}" type="slidenum">
-              <a:rPr lang="en-GB" smtClean="0"/>
-              <a:t>‹#›</a:t>
-            </a:fld>
-            <a:endParaRPr lang="en-GB"/>
           </a:p>
         </p:txBody>
       </p:sp>
     </p:spTree>
     <p:extLst>
       <p:ext uri="{BB962C8B-B14F-4D97-AF65-F5344CB8AC3E}">
-        <p14:creationId xmlns:p14="http://schemas.microsoft.com/office/powerpoint/2010/main" val="2226011037"/>
+        <p14:creationId xmlns:p14="http://schemas.microsoft.com/office/powerpoint/2010/main" val="2373434355"/>
       </p:ext>
     </p:extLst>
   </p:cSld>
   <p:clrMapOvr>
     <a:masterClrMapping/>
   </p:clrMapOvr>
+  <p:transition/>
 </p:sldLayout>
 </file>
 
@@ -3230,9 +2606,12 @@
 <p:sldMaster xmlns:a="http://schemas.openxmlformats.org/drawingml/2006/main" xmlns:r="http://schemas.openxmlformats.org/officeDocument/2006/relationships" xmlns:p="http://schemas.openxmlformats.org/presentationml/2006/main">
   <p:cSld>
     <p:bg>
-      <p:bgRef idx="1001">
-        <a:schemeClr val="bg1"/>
-      </p:bgRef>
+      <p:bgPr>
+        <a:solidFill>
+          <a:schemeClr val="bg1"/>
+        </a:solidFill>
+        <a:effectLst/>
+      </p:bgPr>
     </p:bg>
     <p:spTree>
       <p:nvGrpSpPr>
@@ -3250,300 +2629,552 @@
       </p:grpSpPr>
       <p:sp>
         <p:nvSpPr>
-          <p:cNvPr id="2" name="Title Placeholder 1">
-            <a:extLst>
-              <a:ext uri="{FF2B5EF4-FFF2-40B4-BE49-F238E27FC236}">
-                <a16:creationId xmlns:a16="http://schemas.microsoft.com/office/drawing/2014/main" id="{833307C4-CD4B-4FBA-8B39-0E03224818F8}"/>
-              </a:ext>
-            </a:extLst>
-          </p:cNvPr>
+          <p:cNvPr id="2049" name="Rectangle 1"/>
           <p:cNvSpPr>
-            <a:spLocks noGrp="1"/>
+            <a:spLocks noGrp="1" noChangeArrowheads="1"/>
           </p:cNvSpPr>
           <p:nvPr>
             <p:ph type="title"/>
           </p:nvPr>
         </p:nvSpPr>
-        <p:spPr>
+        <p:spPr bwMode="auto">
           <a:xfrm>
-            <a:off x="838200" y="365125"/>
-            <a:ext cx="10515600" cy="1325563"/>
+            <a:off x="83344" y="35719"/>
+            <a:ext cx="12013406" cy="651867"/>
           </a:xfrm>
           <a:prstGeom prst="rect">
             <a:avLst/>
           </a:prstGeom>
+          <a:noFill/>
+          <a:ln w="12700">
+            <a:noFill/>
+            <a:miter lim="800000"/>
+            <a:headEnd/>
+            <a:tailEnd/>
+          </a:ln>
+          <a:effectLst/>
         </p:spPr>
         <p:txBody>
-          <a:bodyPr vert="horz" lIns="91440" tIns="45720" rIns="91440" bIns="45720" rtlCol="0" anchor="ctr">
-            <a:normAutofit/>
+          <a:bodyPr vert="horz" wrap="square" lIns="50800" tIns="50800" rIns="50800" bIns="50800" numCol="1" anchor="ctr" anchorCtr="0" compatLnSpc="1">
+            <a:prstTxWarp prst="textNoShape">
+              <a:avLst/>
+            </a:prstTxWarp>
           </a:bodyPr>
           <a:lstStyle/>
           <a:p>
-            <a:r>
-              <a:rPr lang="en-US"/>
+            <a:pPr lvl="0"/>
+            <a:r>
+              <a:rPr lang="en-US">
+                <a:sym typeface="Arial" charset="0"/>
+              </a:rPr>
               <a:t>Click to edit Master title style</a:t>
             </a:r>
-            <a:endParaRPr lang="en-GB"/>
           </a:p>
         </p:txBody>
       </p:sp>
       <p:sp>
         <p:nvSpPr>
-          <p:cNvPr id="3" name="Text Placeholder 2">
-            <a:extLst>
-              <a:ext uri="{FF2B5EF4-FFF2-40B4-BE49-F238E27FC236}">
-                <a16:creationId xmlns:a16="http://schemas.microsoft.com/office/drawing/2014/main" id="{7175C9B2-805B-424A-B327-9AA7D2DF6031}"/>
-              </a:ext>
-            </a:extLst>
-          </p:cNvPr>
+          <p:cNvPr id="2050" name="Rectangle 2"/>
           <p:cNvSpPr>
-            <a:spLocks noGrp="1"/>
+            <a:spLocks noGrp="1" noChangeArrowheads="1"/>
           </p:cNvSpPr>
           <p:nvPr>
             <p:ph type="body" idx="1"/>
           </p:nvPr>
         </p:nvSpPr>
-        <p:spPr>
+        <p:spPr bwMode="auto">
           <a:xfrm>
-            <a:off x="838200" y="1825625"/>
-            <a:ext cx="10515600" cy="4351338"/>
+            <a:off x="107156" y="794742"/>
+            <a:ext cx="12013406" cy="6009680"/>
           </a:xfrm>
           <a:prstGeom prst="rect">
             <a:avLst/>
           </a:prstGeom>
+          <a:noFill/>
+          <a:ln w="12700">
+            <a:noFill/>
+            <a:miter lim="800000"/>
+            <a:headEnd/>
+            <a:tailEnd/>
+          </a:ln>
+          <a:effectLst/>
         </p:spPr>
         <p:txBody>
-          <a:bodyPr vert="horz" lIns="91440" tIns="45720" rIns="91440" bIns="45720" rtlCol="0">
-            <a:normAutofit/>
+          <a:bodyPr vert="horz" wrap="square" lIns="50800" tIns="50800" rIns="50800" bIns="50800" numCol="1" anchor="ctr" anchorCtr="0" compatLnSpc="1">
+            <a:prstTxWarp prst="textNoShape">
+              <a:avLst/>
+            </a:prstTxWarp>
           </a:bodyPr>
           <a:lstStyle/>
           <a:p>
             <a:pPr lvl="0"/>
             <a:r>
-              <a:rPr lang="en-US"/>
+              <a:rPr lang="en-US">
+                <a:sym typeface="Arial" charset="0"/>
+              </a:rPr>
               <a:t>Click to edit Master text styles</a:t>
             </a:r>
           </a:p>
           <a:p>
             <a:pPr lvl="1"/>
             <a:r>
-              <a:rPr lang="en-US"/>
+              <a:rPr lang="en-US">
+                <a:sym typeface="Arial" charset="0"/>
+              </a:rPr>
               <a:t>Second level</a:t>
             </a:r>
           </a:p>
           <a:p>
             <a:pPr lvl="2"/>
             <a:r>
-              <a:rPr lang="en-US"/>
+              <a:rPr lang="en-US">
+                <a:sym typeface="Arial" charset="0"/>
+              </a:rPr>
               <a:t>Third level</a:t>
             </a:r>
           </a:p>
           <a:p>
             <a:pPr lvl="3"/>
             <a:r>
-              <a:rPr lang="en-US"/>
+              <a:rPr lang="en-US">
+                <a:sym typeface="Arial" charset="0"/>
+              </a:rPr>
               <a:t>Fourth level</a:t>
             </a:r>
           </a:p>
           <a:p>
             <a:pPr lvl="4"/>
             <a:r>
-              <a:rPr lang="en-US"/>
+              <a:rPr lang="en-US">
+                <a:sym typeface="Arial" charset="0"/>
+              </a:rPr>
               <a:t>Fifth level</a:t>
             </a:r>
-            <a:endParaRPr lang="en-GB"/>
           </a:p>
         </p:txBody>
       </p:sp>
       <p:sp>
         <p:nvSpPr>
-          <p:cNvPr id="4" name="Date Placeholder 3">
-            <a:extLst>
-              <a:ext uri="{FF2B5EF4-FFF2-40B4-BE49-F238E27FC236}">
-                <a16:creationId xmlns:a16="http://schemas.microsoft.com/office/drawing/2014/main" id="{6B3A861C-5A4B-4BEB-AF17-4FDCB034E377}"/>
-              </a:ext>
-            </a:extLst>
-          </p:cNvPr>
+          <p:cNvPr id="2051" name="Line 3"/>
           <p:cNvSpPr>
-            <a:spLocks noGrp="1"/>
+            <a:spLocks noChangeShapeType="1"/>
           </p:cNvSpPr>
-          <p:nvPr>
-            <p:ph type="dt" sz="half" idx="2"/>
-          </p:nvPr>
+          <p:nvPr/>
         </p:nvSpPr>
-        <p:spPr>
-          <a:xfrm>
-            <a:off x="838200" y="6356350"/>
-            <a:ext cx="2743200" cy="365125"/>
+        <p:spPr bwMode="auto">
+          <a:xfrm rot="10800000" flipH="1">
+            <a:off x="1" y="740048"/>
+            <a:ext cx="12189023" cy="1116"/>
           </a:xfrm>
-          <a:prstGeom prst="rect">
+          <a:prstGeom prst="line">
             <a:avLst/>
           </a:prstGeom>
+          <a:noFill/>
+          <a:ln w="38100" cap="flat">
+            <a:solidFill>
+              <a:srgbClr val="254789"/>
+            </a:solidFill>
+            <a:prstDash val="solid"/>
+            <a:miter lim="800000"/>
+            <a:headEnd type="none" w="med" len="med"/>
+            <a:tailEnd type="none" w="med" len="med"/>
+          </a:ln>
         </p:spPr>
         <p:txBody>
-          <a:bodyPr vert="horz" lIns="91440" tIns="45720" rIns="91440" bIns="45720" rtlCol="0" anchor="ctr"/>
-          <a:lstStyle>
-            <a:lvl1pPr algn="l">
-              <a:defRPr sz="1200">
-                <a:solidFill>
-                  <a:schemeClr val="tx1">
-                    <a:tint val="75000"/>
-                  </a:schemeClr>
-                </a:solidFill>
-              </a:defRPr>
-            </a:lvl1pPr>
-          </a:lstStyle>
-          <a:p>
-            <a:fld id="{5CAFF7CB-A38A-4A36-B304-607D939BA3D6}" type="datetimeFigureOut">
-              <a:rPr lang="en-GB" smtClean="0"/>
-              <a:t>04/12/2023</a:t>
-            </a:fld>
-            <a:endParaRPr lang="en-GB"/>
-          </a:p>
-        </p:txBody>
-      </p:sp>
-      <p:sp>
-        <p:nvSpPr>
-          <p:cNvPr id="5" name="Footer Placeholder 4">
-            <a:extLst>
-              <a:ext uri="{FF2B5EF4-FFF2-40B4-BE49-F238E27FC236}">
-                <a16:creationId xmlns:a16="http://schemas.microsoft.com/office/drawing/2014/main" id="{DF11D406-4072-4229-96E8-4549651EA1FA}"/>
-              </a:ext>
-            </a:extLst>
-          </p:cNvPr>
-          <p:cNvSpPr>
-            <a:spLocks noGrp="1"/>
-          </p:cNvSpPr>
-          <p:nvPr>
-            <p:ph type="ftr" sz="quarter" idx="3"/>
-          </p:nvPr>
-        </p:nvSpPr>
-        <p:spPr>
-          <a:xfrm>
-            <a:off x="4038600" y="6356350"/>
-            <a:ext cx="4114800" cy="365125"/>
-          </a:xfrm>
-          <a:prstGeom prst="rect">
-            <a:avLst/>
-          </a:prstGeom>
-        </p:spPr>
-        <p:txBody>
-          <a:bodyPr vert="horz" lIns="91440" tIns="45720" rIns="91440" bIns="45720" rtlCol="0" anchor="ctr"/>
-          <a:lstStyle>
-            <a:lvl1pPr algn="ctr">
-              <a:defRPr sz="1200">
-                <a:solidFill>
-                  <a:schemeClr val="tx1">
-                    <a:tint val="75000"/>
-                  </a:schemeClr>
-                </a:solidFill>
-              </a:defRPr>
-            </a:lvl1pPr>
-          </a:lstStyle>
-          <a:p>
-            <a:endParaRPr lang="en-GB"/>
-          </a:p>
-        </p:txBody>
-      </p:sp>
-      <p:sp>
-        <p:nvSpPr>
-          <p:cNvPr id="6" name="Slide Number Placeholder 5">
-            <a:extLst>
-              <a:ext uri="{FF2B5EF4-FFF2-40B4-BE49-F238E27FC236}">
-                <a16:creationId xmlns:a16="http://schemas.microsoft.com/office/drawing/2014/main" id="{6ADC2AC9-536F-4B26-9D3C-F852647E19CF}"/>
-              </a:ext>
-            </a:extLst>
-          </p:cNvPr>
-          <p:cNvSpPr>
-            <a:spLocks noGrp="1"/>
-          </p:cNvSpPr>
-          <p:nvPr>
-            <p:ph type="sldNum" sz="quarter" idx="4"/>
-          </p:nvPr>
-        </p:nvSpPr>
-        <p:spPr>
-          <a:xfrm>
-            <a:off x="8610600" y="6356350"/>
-            <a:ext cx="2743200" cy="365125"/>
-          </a:xfrm>
-          <a:prstGeom prst="rect">
-            <a:avLst/>
-          </a:prstGeom>
-        </p:spPr>
-        <p:txBody>
-          <a:bodyPr vert="horz" lIns="91440" tIns="45720" rIns="91440" bIns="45720" rtlCol="0" anchor="ctr"/>
-          <a:lstStyle>
-            <a:lvl1pPr algn="r">
-              <a:defRPr sz="1200">
-                <a:solidFill>
-                  <a:schemeClr val="tx1">
-                    <a:tint val="75000"/>
-                  </a:schemeClr>
-                </a:solidFill>
-              </a:defRPr>
-            </a:lvl1pPr>
-          </a:lstStyle>
-          <a:p>
-            <a:fld id="{981EB3C1-91EE-4842-99D8-6C7F16425B7A}" type="slidenum">
-              <a:rPr lang="en-GB" smtClean="0"/>
-              <a:t>‹#›</a:t>
-            </a:fld>
-            <a:endParaRPr lang="en-GB"/>
+          <a:bodyPr lIns="0" tIns="0" rIns="0" bIns="0"/>
+          <a:lstStyle/>
+          <a:p>
+            <a:endParaRPr lang="en-US" sz="1266"/>
           </a:p>
         </p:txBody>
       </p:sp>
     </p:spTree>
     <p:extLst>
       <p:ext uri="{BB962C8B-B14F-4D97-AF65-F5344CB8AC3E}">
-        <p14:creationId xmlns:p14="http://schemas.microsoft.com/office/powerpoint/2010/main" val="1846976467"/>
+        <p14:creationId xmlns:p14="http://schemas.microsoft.com/office/powerpoint/2010/main" val="994752162"/>
       </p:ext>
     </p:extLst>
   </p:cSld>
   <p:clrMap bg1="lt1" tx1="dk1" bg2="lt2" tx2="dk2" accent1="accent1" accent2="accent2" accent3="accent3" accent4="accent4" accent5="accent5" accent6="accent6" hlink="hlink" folHlink="folHlink"/>
   <p:sldLayoutIdLst>
-    <p:sldLayoutId id="2147483649" r:id="rId1"/>
-    <p:sldLayoutId id="2147483650" r:id="rId2"/>
-    <p:sldLayoutId id="2147483651" r:id="rId3"/>
-    <p:sldLayoutId id="2147483652" r:id="rId4"/>
-    <p:sldLayoutId id="2147483653" r:id="rId5"/>
-    <p:sldLayoutId id="2147483654" r:id="rId6"/>
-    <p:sldLayoutId id="2147483655" r:id="rId7"/>
-    <p:sldLayoutId id="2147483656" r:id="rId8"/>
-    <p:sldLayoutId id="2147483657" r:id="rId9"/>
-    <p:sldLayoutId id="2147483658" r:id="rId10"/>
-    <p:sldLayoutId id="2147483659" r:id="rId11"/>
+    <p:sldLayoutId id="2147483673" r:id="rId1"/>
+    <p:sldLayoutId id="2147483674" r:id="rId2"/>
+    <p:sldLayoutId id="2147483675" r:id="rId3"/>
+    <p:sldLayoutId id="2147483676" r:id="rId4"/>
+    <p:sldLayoutId id="2147483677" r:id="rId5"/>
+    <p:sldLayoutId id="2147483678" r:id="rId6"/>
+    <p:sldLayoutId id="2147483679" r:id="rId7"/>
+    <p:sldLayoutId id="2147483680" r:id="rId8"/>
+    <p:sldLayoutId id="2147483681" r:id="rId9"/>
+    <p:sldLayoutId id="2147483682" r:id="rId10"/>
+    <p:sldLayoutId id="2147483683" r:id="rId11"/>
   </p:sldLayoutIdLst>
+  <p:transition/>
   <p:txStyles>
     <p:titleStyle>
-      <a:lvl1pPr algn="l" defTabSz="914400" rtl="0" eaLnBrk="1" latinLnBrk="0" hangingPunct="1">
-        <a:lnSpc>
-          <a:spcPct val="90000"/>
-        </a:lnSpc>
+      <a:lvl1pPr algn="l" rtl="0" fontAlgn="base">
         <a:spcBef>
           <a:spcPct val="0"/>
         </a:spcBef>
-        <a:buNone/>
-        <a:defRPr sz="4400" kern="1200">
+        <a:spcAft>
+          <a:spcPct val="0"/>
+        </a:spcAft>
+        <a:defRPr sz="4219">
           <a:solidFill>
             <a:schemeClr val="tx1"/>
           </a:solidFill>
           <a:latin typeface="+mj-lt"/>
           <a:ea typeface="+mj-ea"/>
           <a:cs typeface="+mj-cs"/>
+          <a:sym typeface="Arial" charset="0"/>
         </a:defRPr>
       </a:lvl1pPr>
+      <a:lvl2pPr algn="l" rtl="0" fontAlgn="base">
+        <a:spcBef>
+          <a:spcPct val="0"/>
+        </a:spcBef>
+        <a:spcAft>
+          <a:spcPct val="0"/>
+        </a:spcAft>
+        <a:defRPr sz="4219">
+          <a:solidFill>
+            <a:schemeClr val="tx1"/>
+          </a:solidFill>
+          <a:latin typeface="Arial" charset="0"/>
+          <a:ea typeface="ヒラギノ角ゴ ProN W3" charset="0"/>
+          <a:cs typeface="ヒラギノ角ゴ ProN W3" charset="0"/>
+          <a:sym typeface="Arial" charset="0"/>
+        </a:defRPr>
+      </a:lvl2pPr>
+      <a:lvl3pPr algn="l" rtl="0" fontAlgn="base">
+        <a:spcBef>
+          <a:spcPct val="0"/>
+        </a:spcBef>
+        <a:spcAft>
+          <a:spcPct val="0"/>
+        </a:spcAft>
+        <a:defRPr sz="4219">
+          <a:solidFill>
+            <a:schemeClr val="tx1"/>
+          </a:solidFill>
+          <a:latin typeface="Arial" charset="0"/>
+          <a:ea typeface="ヒラギノ角ゴ ProN W3" charset="0"/>
+          <a:cs typeface="ヒラギノ角ゴ ProN W3" charset="0"/>
+          <a:sym typeface="Arial" charset="0"/>
+        </a:defRPr>
+      </a:lvl3pPr>
+      <a:lvl4pPr algn="l" rtl="0" fontAlgn="base">
+        <a:spcBef>
+          <a:spcPct val="0"/>
+        </a:spcBef>
+        <a:spcAft>
+          <a:spcPct val="0"/>
+        </a:spcAft>
+        <a:defRPr sz="4219">
+          <a:solidFill>
+            <a:schemeClr val="tx1"/>
+          </a:solidFill>
+          <a:latin typeface="Arial" charset="0"/>
+          <a:ea typeface="ヒラギノ角ゴ ProN W3" charset="0"/>
+          <a:cs typeface="ヒラギノ角ゴ ProN W3" charset="0"/>
+          <a:sym typeface="Arial" charset="0"/>
+        </a:defRPr>
+      </a:lvl4pPr>
+      <a:lvl5pPr algn="l" rtl="0" fontAlgn="base">
+        <a:spcBef>
+          <a:spcPct val="0"/>
+        </a:spcBef>
+        <a:spcAft>
+          <a:spcPct val="0"/>
+        </a:spcAft>
+        <a:defRPr sz="4219">
+          <a:solidFill>
+            <a:schemeClr val="tx1"/>
+          </a:solidFill>
+          <a:latin typeface="Arial" charset="0"/>
+          <a:ea typeface="ヒラギノ角ゴ ProN W3" charset="0"/>
+          <a:cs typeface="ヒラギノ角ゴ ProN W3" charset="0"/>
+          <a:sym typeface="Arial" charset="0"/>
+        </a:defRPr>
+      </a:lvl5pPr>
+      <a:lvl6pPr marL="321457" algn="l" rtl="0" fontAlgn="base">
+        <a:spcBef>
+          <a:spcPct val="0"/>
+        </a:spcBef>
+        <a:spcAft>
+          <a:spcPct val="0"/>
+        </a:spcAft>
+        <a:defRPr sz="4219">
+          <a:solidFill>
+            <a:schemeClr val="tx1"/>
+          </a:solidFill>
+          <a:latin typeface="Arial" charset="0"/>
+          <a:ea typeface="ヒラギノ角ゴ ProN W3" charset="0"/>
+          <a:cs typeface="ヒラギノ角ゴ ProN W3" charset="0"/>
+          <a:sym typeface="Arial" charset="0"/>
+        </a:defRPr>
+      </a:lvl6pPr>
+      <a:lvl7pPr marL="642915" algn="l" rtl="0" fontAlgn="base">
+        <a:spcBef>
+          <a:spcPct val="0"/>
+        </a:spcBef>
+        <a:spcAft>
+          <a:spcPct val="0"/>
+        </a:spcAft>
+        <a:defRPr sz="4219">
+          <a:solidFill>
+            <a:schemeClr val="tx1"/>
+          </a:solidFill>
+          <a:latin typeface="Arial" charset="0"/>
+          <a:ea typeface="ヒラギノ角ゴ ProN W3" charset="0"/>
+          <a:cs typeface="ヒラギノ角ゴ ProN W3" charset="0"/>
+          <a:sym typeface="Arial" charset="0"/>
+        </a:defRPr>
+      </a:lvl7pPr>
+      <a:lvl8pPr marL="964372" algn="l" rtl="0" fontAlgn="base">
+        <a:spcBef>
+          <a:spcPct val="0"/>
+        </a:spcBef>
+        <a:spcAft>
+          <a:spcPct val="0"/>
+        </a:spcAft>
+        <a:defRPr sz="4219">
+          <a:solidFill>
+            <a:schemeClr val="tx1"/>
+          </a:solidFill>
+          <a:latin typeface="Arial" charset="0"/>
+          <a:ea typeface="ヒラギノ角ゴ ProN W3" charset="0"/>
+          <a:cs typeface="ヒラギノ角ゴ ProN W3" charset="0"/>
+          <a:sym typeface="Arial" charset="0"/>
+        </a:defRPr>
+      </a:lvl8pPr>
+      <a:lvl9pPr marL="1285829" algn="l" rtl="0" fontAlgn="base">
+        <a:spcBef>
+          <a:spcPct val="0"/>
+        </a:spcBef>
+        <a:spcAft>
+          <a:spcPct val="0"/>
+        </a:spcAft>
+        <a:defRPr sz="4219">
+          <a:solidFill>
+            <a:schemeClr val="tx1"/>
+          </a:solidFill>
+          <a:latin typeface="Arial" charset="0"/>
+          <a:ea typeface="ヒラギノ角ゴ ProN W3" charset="0"/>
+          <a:cs typeface="ヒラギノ角ゴ ProN W3" charset="0"/>
+          <a:sym typeface="Arial" charset="0"/>
+        </a:defRPr>
+      </a:lvl9pPr>
     </p:titleStyle>
     <p:bodyStyle>
-      <a:lvl1pPr marL="228600" indent="-228600" algn="l" defTabSz="914400" rtl="0" eaLnBrk="1" latinLnBrk="0" hangingPunct="1">
-        <a:lnSpc>
-          <a:spcPct val="90000"/>
-        </a:lnSpc>
+      <a:lvl1pPr marL="410751" indent="-267881" algn="l" rtl="0" fontAlgn="base">
         <a:spcBef>
-          <a:spcPts val="1000"/>
+          <a:spcPts val="422"/>
         </a:spcBef>
-        <a:buFont typeface="Arial" panose="020B0604020202020204" pitchFamily="34" charset="0"/>
+        <a:spcAft>
+          <a:spcPct val="0"/>
+        </a:spcAft>
+        <a:buSzPct val="150000"/>
+        <a:buFont typeface="Arial" charset="0"/>
         <a:buChar char="•"/>
-        <a:defRPr sz="2800" kern="1200">
+        <a:defRPr sz="2953">
+          <a:solidFill>
+            <a:schemeClr val="tx1"/>
+          </a:solidFill>
+          <a:latin typeface="+mn-lt"/>
+          <a:ea typeface="+mn-ea"/>
+          <a:cs typeface="+mn-cs"/>
+          <a:sym typeface="Arial" charset="0"/>
+        </a:defRPr>
+      </a:lvl1pPr>
+      <a:lvl2pPr marL="767926" indent="-267881" algn="l" rtl="0" fontAlgn="base">
+        <a:spcBef>
+          <a:spcPts val="422"/>
+        </a:spcBef>
+        <a:spcAft>
+          <a:spcPct val="0"/>
+        </a:spcAft>
+        <a:buSzPct val="100000"/>
+        <a:buFont typeface="Lucida Grande" charset="0"/>
+        <a:buChar char="‣"/>
+        <a:defRPr sz="2531">
+          <a:solidFill>
+            <a:schemeClr val="tx1"/>
+          </a:solidFill>
+          <a:latin typeface="+mn-lt"/>
+          <a:ea typeface="+mn-ea"/>
+          <a:cs typeface="+mn-cs"/>
+          <a:sym typeface="Arial" charset="0"/>
+        </a:defRPr>
+      </a:lvl2pPr>
+      <a:lvl3pPr marL="1035807" indent="-223234" algn="l" rtl="0" fontAlgn="base">
+        <a:spcBef>
+          <a:spcPts val="422"/>
+        </a:spcBef>
+        <a:spcAft>
+          <a:spcPct val="0"/>
+        </a:spcAft>
+        <a:buClr>
+          <a:srgbClr val="000000"/>
+        </a:buClr>
+        <a:buSzPct val="100000"/>
+        <a:buFont typeface="Arial" charset="0"/>
+        <a:buChar char="-"/>
+        <a:defRPr sz="2109">
+          <a:solidFill>
+            <a:schemeClr val="tx1"/>
+          </a:solidFill>
+          <a:latin typeface="+mn-lt"/>
+          <a:ea typeface="+mn-ea"/>
+          <a:cs typeface="+mn-cs"/>
+          <a:sym typeface="Arial" charset="0"/>
+        </a:defRPr>
+      </a:lvl3pPr>
+      <a:lvl4pPr marL="1348335" indent="-223234" algn="l" rtl="0" fontAlgn="base">
+        <a:spcBef>
+          <a:spcPts val="422"/>
+        </a:spcBef>
+        <a:spcAft>
+          <a:spcPct val="0"/>
+        </a:spcAft>
+        <a:buClr>
+          <a:srgbClr val="000000"/>
+        </a:buClr>
+        <a:buSzPct val="100000"/>
+        <a:buFont typeface="Arial" charset="0"/>
+        <a:buChar char="-"/>
+        <a:defRPr sz="2109">
+          <a:solidFill>
+            <a:schemeClr val="tx1"/>
+          </a:solidFill>
+          <a:latin typeface="+mn-lt"/>
+          <a:ea typeface="+mn-ea"/>
+          <a:cs typeface="+mn-cs"/>
+          <a:sym typeface="Arial" charset="0"/>
+        </a:defRPr>
+      </a:lvl4pPr>
+      <a:lvl5pPr marL="1660863" indent="-223234" algn="l" rtl="0" fontAlgn="base">
+        <a:spcBef>
+          <a:spcPts val="422"/>
+        </a:spcBef>
+        <a:spcAft>
+          <a:spcPct val="0"/>
+        </a:spcAft>
+        <a:buClr>
+          <a:srgbClr val="000000"/>
+        </a:buClr>
+        <a:buSzPct val="100000"/>
+        <a:buFont typeface="Arial" charset="0"/>
+        <a:buChar char="-"/>
+        <a:defRPr sz="2109">
+          <a:solidFill>
+            <a:schemeClr val="tx1"/>
+          </a:solidFill>
+          <a:latin typeface="+mn-lt"/>
+          <a:ea typeface="+mn-ea"/>
+          <a:cs typeface="+mn-cs"/>
+          <a:sym typeface="Arial" charset="0"/>
+        </a:defRPr>
+      </a:lvl5pPr>
+      <a:lvl6pPr marL="1982320" indent="-223234" algn="l" rtl="0" fontAlgn="base">
+        <a:spcBef>
+          <a:spcPts val="422"/>
+        </a:spcBef>
+        <a:spcAft>
+          <a:spcPct val="0"/>
+        </a:spcAft>
+        <a:buClr>
+          <a:srgbClr val="000000"/>
+        </a:buClr>
+        <a:buSzPct val="100000"/>
+        <a:buFont typeface="Arial" charset="0"/>
+        <a:buChar char="-"/>
+        <a:defRPr sz="2109">
+          <a:solidFill>
+            <a:schemeClr val="tx1"/>
+          </a:solidFill>
+          <a:latin typeface="+mn-lt"/>
+          <a:ea typeface="+mn-ea"/>
+          <a:cs typeface="+mn-cs"/>
+          <a:sym typeface="Arial" charset="0"/>
+        </a:defRPr>
+      </a:lvl6pPr>
+      <a:lvl7pPr marL="2303777" indent="-223234" algn="l" rtl="0" fontAlgn="base">
+        <a:spcBef>
+          <a:spcPts val="422"/>
+        </a:spcBef>
+        <a:spcAft>
+          <a:spcPct val="0"/>
+        </a:spcAft>
+        <a:buClr>
+          <a:srgbClr val="000000"/>
+        </a:buClr>
+        <a:buSzPct val="100000"/>
+        <a:buFont typeface="Arial" charset="0"/>
+        <a:buChar char="-"/>
+        <a:defRPr sz="2109">
+          <a:solidFill>
+            <a:schemeClr val="tx1"/>
+          </a:solidFill>
+          <a:latin typeface="+mn-lt"/>
+          <a:ea typeface="+mn-ea"/>
+          <a:cs typeface="+mn-cs"/>
+          <a:sym typeface="Arial" charset="0"/>
+        </a:defRPr>
+      </a:lvl7pPr>
+      <a:lvl8pPr marL="2625235" indent="-223234" algn="l" rtl="0" fontAlgn="base">
+        <a:spcBef>
+          <a:spcPts val="422"/>
+        </a:spcBef>
+        <a:spcAft>
+          <a:spcPct val="0"/>
+        </a:spcAft>
+        <a:buClr>
+          <a:srgbClr val="000000"/>
+        </a:buClr>
+        <a:buSzPct val="100000"/>
+        <a:buFont typeface="Arial" charset="0"/>
+        <a:buChar char="-"/>
+        <a:defRPr sz="2109">
+          <a:solidFill>
+            <a:schemeClr val="tx1"/>
+          </a:solidFill>
+          <a:latin typeface="+mn-lt"/>
+          <a:ea typeface="+mn-ea"/>
+          <a:cs typeface="+mn-cs"/>
+          <a:sym typeface="Arial" charset="0"/>
+        </a:defRPr>
+      </a:lvl8pPr>
+      <a:lvl9pPr marL="2946692" indent="-223234" algn="l" rtl="0" fontAlgn="base">
+        <a:spcBef>
+          <a:spcPts val="422"/>
+        </a:spcBef>
+        <a:spcAft>
+          <a:spcPct val="0"/>
+        </a:spcAft>
+        <a:buClr>
+          <a:srgbClr val="000000"/>
+        </a:buClr>
+        <a:buSzPct val="100000"/>
+        <a:buFont typeface="Arial" charset="0"/>
+        <a:buChar char="-"/>
+        <a:defRPr sz="2109">
+          <a:solidFill>
+            <a:schemeClr val="tx1"/>
+          </a:solidFill>
+          <a:latin typeface="+mn-lt"/>
+          <a:ea typeface="+mn-ea"/>
+          <a:cs typeface="+mn-cs"/>
+          <a:sym typeface="Arial" charset="0"/>
+        </a:defRPr>
+      </a:lvl9pPr>
+    </p:bodyStyle>
+    <p:otherStyle>
+      <a:defPPr>
+        <a:defRPr lang="en-US"/>
+      </a:defPPr>
+      <a:lvl1pPr marL="0" algn="l" defTabSz="642915" rtl="0" eaLnBrk="1" latinLnBrk="0" hangingPunct="1">
+        <a:defRPr sz="1266" kern="1200">
           <a:solidFill>
             <a:schemeClr val="tx1"/>
           </a:solidFill>
@@ -3552,16 +3183,8 @@
           <a:cs typeface="+mn-cs"/>
         </a:defRPr>
       </a:lvl1pPr>
-      <a:lvl2pPr marL="685800" indent="-228600" algn="l" defTabSz="914400" rtl="0" eaLnBrk="1" latinLnBrk="0" hangingPunct="1">
-        <a:lnSpc>
-          <a:spcPct val="90000"/>
-        </a:lnSpc>
-        <a:spcBef>
-          <a:spcPts val="500"/>
-        </a:spcBef>
-        <a:buFont typeface="Arial" panose="020B0604020202020204" pitchFamily="34" charset="0"/>
-        <a:buChar char="•"/>
-        <a:defRPr sz="2400" kern="1200">
+      <a:lvl2pPr marL="321457" algn="l" defTabSz="642915" rtl="0" eaLnBrk="1" latinLnBrk="0" hangingPunct="1">
+        <a:defRPr sz="1266" kern="1200">
           <a:solidFill>
             <a:schemeClr val="tx1"/>
           </a:solidFill>
@@ -3570,16 +3193,8 @@
           <a:cs typeface="+mn-cs"/>
         </a:defRPr>
       </a:lvl2pPr>
-      <a:lvl3pPr marL="1143000" indent="-228600" algn="l" defTabSz="914400" rtl="0" eaLnBrk="1" latinLnBrk="0" hangingPunct="1">
-        <a:lnSpc>
-          <a:spcPct val="90000"/>
-        </a:lnSpc>
-        <a:spcBef>
-          <a:spcPts val="500"/>
-        </a:spcBef>
-        <a:buFont typeface="Arial" panose="020B0604020202020204" pitchFamily="34" charset="0"/>
-        <a:buChar char="•"/>
-        <a:defRPr sz="2000" kern="1200">
+      <a:lvl3pPr marL="642915" algn="l" defTabSz="642915" rtl="0" eaLnBrk="1" latinLnBrk="0" hangingPunct="1">
+        <a:defRPr sz="1266" kern="1200">
           <a:solidFill>
             <a:schemeClr val="tx1"/>
           </a:solidFill>
@@ -3588,16 +3203,8 @@
           <a:cs typeface="+mn-cs"/>
         </a:defRPr>
       </a:lvl3pPr>
-      <a:lvl4pPr marL="1600200" indent="-228600" algn="l" defTabSz="914400" rtl="0" eaLnBrk="1" latinLnBrk="0" hangingPunct="1">
-        <a:lnSpc>
-          <a:spcPct val="90000"/>
-        </a:lnSpc>
-        <a:spcBef>
-          <a:spcPts val="500"/>
-        </a:spcBef>
-        <a:buFont typeface="Arial" panose="020B0604020202020204" pitchFamily="34" charset="0"/>
-        <a:buChar char="•"/>
-        <a:defRPr sz="1800" kern="1200">
+      <a:lvl4pPr marL="964372" algn="l" defTabSz="642915" rtl="0" eaLnBrk="1" latinLnBrk="0" hangingPunct="1">
+        <a:defRPr sz="1266" kern="1200">
           <a:solidFill>
             <a:schemeClr val="tx1"/>
           </a:solidFill>
@@ -3606,16 +3213,8 @@
           <a:cs typeface="+mn-cs"/>
         </a:defRPr>
       </a:lvl4pPr>
-      <a:lvl5pPr marL="2057400" indent="-228600" algn="l" defTabSz="914400" rtl="0" eaLnBrk="1" latinLnBrk="0" hangingPunct="1">
-        <a:lnSpc>
-          <a:spcPct val="90000"/>
-        </a:lnSpc>
-        <a:spcBef>
-          <a:spcPts val="500"/>
-        </a:spcBef>
-        <a:buFont typeface="Arial" panose="020B0604020202020204" pitchFamily="34" charset="0"/>
-        <a:buChar char="•"/>
-        <a:defRPr sz="1800" kern="1200">
+      <a:lvl5pPr marL="1285829" algn="l" defTabSz="642915" rtl="0" eaLnBrk="1" latinLnBrk="0" hangingPunct="1">
+        <a:defRPr sz="1266" kern="1200">
           <a:solidFill>
             <a:schemeClr val="tx1"/>
           </a:solidFill>
@@ -3624,16 +3223,8 @@
           <a:cs typeface="+mn-cs"/>
         </a:defRPr>
       </a:lvl5pPr>
-      <a:lvl6pPr marL="2514600" indent="-228600" algn="l" defTabSz="914400" rtl="0" eaLnBrk="1" latinLnBrk="0" hangingPunct="1">
-        <a:lnSpc>
-          <a:spcPct val="90000"/>
-        </a:lnSpc>
-        <a:spcBef>
-          <a:spcPts val="500"/>
-        </a:spcBef>
-        <a:buFont typeface="Arial" panose="020B0604020202020204" pitchFamily="34" charset="0"/>
-        <a:buChar char="•"/>
-        <a:defRPr sz="1800" kern="1200">
+      <a:lvl6pPr marL="1607287" algn="l" defTabSz="642915" rtl="0" eaLnBrk="1" latinLnBrk="0" hangingPunct="1">
+        <a:defRPr sz="1266" kern="1200">
           <a:solidFill>
             <a:schemeClr val="tx1"/>
           </a:solidFill>
@@ -3642,16 +3233,8 @@
           <a:cs typeface="+mn-cs"/>
         </a:defRPr>
       </a:lvl6pPr>
-      <a:lvl7pPr marL="2971800" indent="-228600" algn="l" defTabSz="914400" rtl="0" eaLnBrk="1" latinLnBrk="0" hangingPunct="1">
-        <a:lnSpc>
-          <a:spcPct val="90000"/>
-        </a:lnSpc>
-        <a:spcBef>
-          <a:spcPts val="500"/>
-        </a:spcBef>
-        <a:buFont typeface="Arial" panose="020B0604020202020204" pitchFamily="34" charset="0"/>
-        <a:buChar char="•"/>
-        <a:defRPr sz="1800" kern="1200">
+      <a:lvl7pPr marL="1928744" algn="l" defTabSz="642915" rtl="0" eaLnBrk="1" latinLnBrk="0" hangingPunct="1">
+        <a:defRPr sz="1266" kern="1200">
           <a:solidFill>
             <a:schemeClr val="tx1"/>
           </a:solidFill>
@@ -3660,16 +3243,8 @@
           <a:cs typeface="+mn-cs"/>
         </a:defRPr>
       </a:lvl7pPr>
-      <a:lvl8pPr marL="3429000" indent="-228600" algn="l" defTabSz="914400" rtl="0" eaLnBrk="1" latinLnBrk="0" hangingPunct="1">
-        <a:lnSpc>
-          <a:spcPct val="90000"/>
-        </a:lnSpc>
-        <a:spcBef>
-          <a:spcPts val="500"/>
-        </a:spcBef>
-        <a:buFont typeface="Arial" panose="020B0604020202020204" pitchFamily="34" charset="0"/>
-        <a:buChar char="•"/>
-        <a:defRPr sz="1800" kern="1200">
+      <a:lvl8pPr marL="2250201" algn="l" defTabSz="642915" rtl="0" eaLnBrk="1" latinLnBrk="0" hangingPunct="1">
+        <a:defRPr sz="1266" kern="1200">
           <a:solidFill>
             <a:schemeClr val="tx1"/>
           </a:solidFill>
@@ -3678,111 +3253,8 @@
           <a:cs typeface="+mn-cs"/>
         </a:defRPr>
       </a:lvl8pPr>
-      <a:lvl9pPr marL="3886200" indent="-228600" algn="l" defTabSz="914400" rtl="0" eaLnBrk="1" latinLnBrk="0" hangingPunct="1">
-        <a:lnSpc>
-          <a:spcPct val="90000"/>
-        </a:lnSpc>
-        <a:spcBef>
-          <a:spcPts val="500"/>
-        </a:spcBef>
-        <a:buFont typeface="Arial" panose="020B0604020202020204" pitchFamily="34" charset="0"/>
-        <a:buChar char="•"/>
-        <a:defRPr sz="1800" kern="1200">
-          <a:solidFill>
-            <a:schemeClr val="tx1"/>
-          </a:solidFill>
-          <a:latin typeface="+mn-lt"/>
-          <a:ea typeface="+mn-ea"/>
-          <a:cs typeface="+mn-cs"/>
-        </a:defRPr>
-      </a:lvl9pPr>
-    </p:bodyStyle>
-    <p:otherStyle>
-      <a:defPPr>
-        <a:defRPr lang="en-US"/>
-      </a:defPPr>
-      <a:lvl1pPr marL="0" algn="l" defTabSz="914400" rtl="0" eaLnBrk="1" latinLnBrk="0" hangingPunct="1">
-        <a:defRPr sz="1800" kern="1200">
-          <a:solidFill>
-            <a:schemeClr val="tx1"/>
-          </a:solidFill>
-          <a:latin typeface="+mn-lt"/>
-          <a:ea typeface="+mn-ea"/>
-          <a:cs typeface="+mn-cs"/>
-        </a:defRPr>
-      </a:lvl1pPr>
-      <a:lvl2pPr marL="457200" algn="l" defTabSz="914400" rtl="0" eaLnBrk="1" latinLnBrk="0" hangingPunct="1">
-        <a:defRPr sz="1800" kern="1200">
-          <a:solidFill>
-            <a:schemeClr val="tx1"/>
-          </a:solidFill>
-          <a:latin typeface="+mn-lt"/>
-          <a:ea typeface="+mn-ea"/>
-          <a:cs typeface="+mn-cs"/>
-        </a:defRPr>
-      </a:lvl2pPr>
-      <a:lvl3pPr marL="914400" algn="l" defTabSz="914400" rtl="0" eaLnBrk="1" latinLnBrk="0" hangingPunct="1">
-        <a:defRPr sz="1800" kern="1200">
-          <a:solidFill>
-            <a:schemeClr val="tx1"/>
-          </a:solidFill>
-          <a:latin typeface="+mn-lt"/>
-          <a:ea typeface="+mn-ea"/>
-          <a:cs typeface="+mn-cs"/>
-        </a:defRPr>
-      </a:lvl3pPr>
-      <a:lvl4pPr marL="1371600" algn="l" defTabSz="914400" rtl="0" eaLnBrk="1" latinLnBrk="0" hangingPunct="1">
-        <a:defRPr sz="1800" kern="1200">
-          <a:solidFill>
-            <a:schemeClr val="tx1"/>
-          </a:solidFill>
-          <a:latin typeface="+mn-lt"/>
-          <a:ea typeface="+mn-ea"/>
-          <a:cs typeface="+mn-cs"/>
-        </a:defRPr>
-      </a:lvl4pPr>
-      <a:lvl5pPr marL="1828800" algn="l" defTabSz="914400" rtl="0" eaLnBrk="1" latinLnBrk="0" hangingPunct="1">
-        <a:defRPr sz="1800" kern="1200">
-          <a:solidFill>
-            <a:schemeClr val="tx1"/>
-          </a:solidFill>
-          <a:latin typeface="+mn-lt"/>
-          <a:ea typeface="+mn-ea"/>
-          <a:cs typeface="+mn-cs"/>
-        </a:defRPr>
-      </a:lvl5pPr>
-      <a:lvl6pPr marL="2286000" algn="l" defTabSz="914400" rtl="0" eaLnBrk="1" latinLnBrk="0" hangingPunct="1">
-        <a:defRPr sz="1800" kern="1200">
-          <a:solidFill>
-            <a:schemeClr val="tx1"/>
-          </a:solidFill>
-          <a:latin typeface="+mn-lt"/>
-          <a:ea typeface="+mn-ea"/>
-          <a:cs typeface="+mn-cs"/>
-        </a:defRPr>
-      </a:lvl6pPr>
-      <a:lvl7pPr marL="2743200" algn="l" defTabSz="914400" rtl="0" eaLnBrk="1" latinLnBrk="0" hangingPunct="1">
-        <a:defRPr sz="1800" kern="1200">
-          <a:solidFill>
-            <a:schemeClr val="tx1"/>
-          </a:solidFill>
-          <a:latin typeface="+mn-lt"/>
-          <a:ea typeface="+mn-ea"/>
-          <a:cs typeface="+mn-cs"/>
-        </a:defRPr>
-      </a:lvl7pPr>
-      <a:lvl8pPr marL="3200400" algn="l" defTabSz="914400" rtl="0" eaLnBrk="1" latinLnBrk="0" hangingPunct="1">
-        <a:defRPr sz="1800" kern="1200">
-          <a:solidFill>
-            <a:schemeClr val="tx1"/>
-          </a:solidFill>
-          <a:latin typeface="+mn-lt"/>
-          <a:ea typeface="+mn-ea"/>
-          <a:cs typeface="+mn-cs"/>
-        </a:defRPr>
-      </a:lvl8pPr>
-      <a:lvl9pPr marL="3657600" algn="l" defTabSz="914400" rtl="0" eaLnBrk="1" latinLnBrk="0" hangingPunct="1">
-        <a:defRPr sz="1800" kern="1200">
+      <a:lvl9pPr marL="2571659" algn="l" defTabSz="642915" rtl="0" eaLnBrk="1" latinLnBrk="0" hangingPunct="1">
+        <a:defRPr sz="1266" kern="1200">
           <a:solidFill>
             <a:schemeClr val="tx1"/>
           </a:solidFill>
@@ -3864,6 +3336,7 @@
   <p:clrMapOvr>
     <a:masterClrMapping/>
   </p:clrMapOvr>
+  <p:transition/>
 </p:sld>
 </file>
 
@@ -3923,8 +3396,8 @@
         </p:nvSpPr>
         <p:spPr>
           <a:xfrm>
-            <a:off x="0" y="807522"/>
-            <a:ext cx="8517275" cy="6050478"/>
+            <a:off x="0" y="1178944"/>
+            <a:ext cx="8517275" cy="5679056"/>
           </a:xfrm>
         </p:spPr>
         <p:txBody>
@@ -3935,7 +3408,7 @@
           <a:p>
             <a:r>
               <a:rPr lang="en-GB" dirty="0"/>
-              <a:t>Modulation - varying properties of periodic waveform, the </a:t>
+              <a:t>Modulation - varying properties of periodic waveform, </a:t>
             </a:r>
             <a:r>
               <a:rPr lang="en-GB" i="1" dirty="0"/>
@@ -3943,7 +3416,7 @@
             </a:r>
             <a:r>
               <a:rPr lang="en-GB" dirty="0"/>
-              <a:t> signal, with a </a:t>
+              <a:t> signal, with </a:t>
             </a:r>
             <a:r>
               <a:rPr lang="en-GB" i="1" dirty="0"/>
@@ -3951,13 +3424,13 @@
             </a:r>
             <a:r>
               <a:rPr lang="en-GB" dirty="0"/>
-              <a:t> signal.</a:t>
+              <a:t> signal</a:t>
             </a:r>
           </a:p>
           <a:p>
             <a:r>
               <a:rPr lang="en-GB" dirty="0"/>
-              <a:t>FM synthesis - Creating sound by modulating the frequency of a waveform using another waveform</a:t>
+              <a:t>FM synthesis - Creating sound by modulating waveform’s frequency using another waveform</a:t>
             </a:r>
           </a:p>
           <a:p>
@@ -4119,8 +3592,8 @@
           </a:prstGeom>
         </p:spPr>
       </p:pic>
-      <mc:AlternateContent xmlns:mc="http://schemas.openxmlformats.org/markup-compatibility/2006" xmlns:a14="http://schemas.microsoft.com/office/drawing/2010/main">
-        <mc:Choice Requires="a14">
+      <mc:AlternateContent xmlns:mc="http://schemas.openxmlformats.org/markup-compatibility/2006">
+        <mc:Choice xmlns:a14="http://schemas.microsoft.com/office/drawing/2010/main" Requires="a14">
           <p:sp>
             <p:nvSpPr>
               <p:cNvPr id="7" name="Object 6"/>
@@ -4129,7 +3602,7 @@
             </p:nvSpPr>
             <p:spPr>
               <a:xfrm>
-                <a:off x="420688" y="3710763"/>
+                <a:off x="489699" y="4423879"/>
                 <a:ext cx="4034354" cy="692962"/>
               </a:xfrm>
               <a:prstGeom prst="rect">
@@ -4293,7 +3766,7 @@
             </p:txBody>
           </p:sp>
         </mc:Choice>
-        <mc:Fallback xmlns="">
+        <mc:Fallback>
           <p:sp>
             <p:nvSpPr>
               <p:cNvPr id="7" name="Object 6"/>
@@ -4304,7 +3777,7 @@
             </p:nvSpPr>
             <p:spPr>
               <a:xfrm>
-                <a:off x="420688" y="3710763"/>
+                <a:off x="489699" y="4423879"/>
                 <a:ext cx="4034354" cy="692962"/>
               </a:xfrm>
               <a:prstGeom prst="rect">
@@ -4342,6 +3815,7 @@
   <p:clrMapOvr>
     <a:masterClrMapping/>
   </p:clrMapOvr>
+  <p:transition/>
 </p:sld>
 </file>
 
@@ -4401,8 +3875,8 @@
         </p:nvSpPr>
         <p:spPr>
           <a:xfrm>
-            <a:off x="285008" y="807522"/>
-            <a:ext cx="11745067" cy="6050478"/>
+            <a:off x="304800" y="1497012"/>
+            <a:ext cx="11725275" cy="5360987"/>
           </a:xfrm>
         </p:spPr>
         <p:txBody>
@@ -4472,13 +3946,21 @@
             </a:r>
             <a:r>
               <a:rPr lang="en-GB" dirty="0"/>
-              <a:t> – carrier frequency, or frequency offset, gives fundamental frequency</a:t>
-            </a:r>
-          </a:p>
-          <a:p>
-            <a:endParaRPr lang="en-GB" dirty="0"/>
-          </a:p>
-          <a:p>
+              <a:t> – </a:t>
+            </a:r>
+            <a:r>
+              <a:rPr lang="en-GB"/>
+              <a:t>carrier frequency, </a:t>
+            </a:r>
+            <a:r>
+              <a:rPr lang="en-GB" dirty="0"/>
+              <a:t>gives fundamental frequency</a:t>
+            </a:r>
+          </a:p>
+          <a:p>
+            <a:pPr marL="142870" indent="0">
+              <a:buNone/>
+            </a:pPr>
             <a:endParaRPr lang="en-GB" dirty="0"/>
           </a:p>
           <a:p>
@@ -4571,7 +4053,16 @@
             </a:r>
             <a:r>
               <a:rPr lang="en-GB" dirty="0"/>
-              <a:t> originally did phase modulation</a:t>
+              <a:t> originally did </a:t>
+            </a:r>
+          </a:p>
+          <a:p>
+            <a:pPr marL="142870" indent="0">
+              <a:buNone/>
+            </a:pPr>
+            <a:r>
+              <a:rPr lang="en-GB" dirty="0"/>
+              <a:t>phase modulation</a:t>
             </a:r>
           </a:p>
           <a:p>
@@ -4806,8 +4297,8 @@
           </p:sp>
         </mc:Fallback>
       </mc:AlternateContent>
-      <mc:AlternateContent xmlns:mc="http://schemas.openxmlformats.org/markup-compatibility/2006">
-        <mc:Choice xmlns:a14="http://schemas.microsoft.com/office/drawing/2010/main" Requires="a14">
+      <mc:AlternateContent xmlns:mc="http://schemas.openxmlformats.org/markup-compatibility/2006" xmlns:a14="http://schemas.microsoft.com/office/drawing/2010/main">
+        <mc:Choice Requires="a14">
           <p:sp>
             <p:nvSpPr>
               <p:cNvPr id="5" name="Object 4"/>
@@ -5438,7 +4929,7 @@
             </p:txBody>
           </p:sp>
         </mc:Choice>
-        <mc:Fallback>
+        <mc:Fallback xmlns="">
           <p:sp>
             <p:nvSpPr>
               <p:cNvPr id="5" name="Object 4"/>
@@ -5477,8 +4968,8 @@
           </p:sp>
         </mc:Fallback>
       </mc:AlternateContent>
-      <mc:AlternateContent xmlns:mc="http://schemas.openxmlformats.org/markup-compatibility/2006">
-        <mc:Choice xmlns:a14="http://schemas.microsoft.com/office/drawing/2010/main" Requires="a14">
+      <mc:AlternateContent xmlns:mc="http://schemas.openxmlformats.org/markup-compatibility/2006" xmlns:a14="http://schemas.microsoft.com/office/drawing/2010/main">
+        <mc:Choice Requires="a14">
           <p:sp>
             <p:nvSpPr>
               <p:cNvPr id="6" name="Object 4">
@@ -6138,7 +5629,7 @@
             </p:txBody>
           </p:sp>
         </mc:Choice>
-        <mc:Fallback>
+        <mc:Fallback xmlns="">
           <p:sp>
             <p:nvSpPr>
               <p:cNvPr id="6" name="Object 4">
@@ -6193,6 +5684,7 @@
   <p:clrMapOvr>
     <a:masterClrMapping/>
   </p:clrMapOvr>
+  <p:transition/>
 </p:sld>
 </file>
 
@@ -6273,154 +5765,3093 @@
   <p:clrMapOvr>
     <a:masterClrMapping/>
   </p:clrMapOvr>
+  <p:transition/>
+</p:sld>
+</file>
+
+<file path=ppt/slides/slide5.xml><?xml version="1.0" encoding="utf-8"?>
+<p:sld xmlns:a="http://schemas.openxmlformats.org/drawingml/2006/main" xmlns:r="http://schemas.openxmlformats.org/officeDocument/2006/relationships" xmlns:p="http://schemas.openxmlformats.org/presentationml/2006/main">
+  <p:cSld>
+    <p:spTree>
+      <p:nvGrpSpPr>
+        <p:cNvPr id="1" name=""/>
+        <p:cNvGrpSpPr/>
+        <p:nvPr/>
+      </p:nvGrpSpPr>
+      <p:grpSpPr>
+        <a:xfrm>
+          <a:off x="0" y="0"/>
+          <a:ext cx="0" cy="0"/>
+          <a:chOff x="0" y="0"/>
+          <a:chExt cx="0" cy="0"/>
+        </a:xfrm>
+      </p:grpSpPr>
+      <p:sp>
+        <p:nvSpPr>
+          <p:cNvPr id="2" name="Title 1">
+            <a:extLst>
+              <a:ext uri="{FF2B5EF4-FFF2-40B4-BE49-F238E27FC236}">
+                <a16:creationId xmlns:a16="http://schemas.microsoft.com/office/drawing/2014/main" id="{118C212E-98BB-B9A3-DFE9-B4F95E1EA6F8}"/>
+              </a:ext>
+            </a:extLst>
+          </p:cNvPr>
+          <p:cNvSpPr>
+            <a:spLocks noGrp="1"/>
+          </p:cNvSpPr>
+          <p:nvPr>
+            <p:ph type="title"/>
+          </p:nvPr>
+        </p:nvSpPr>
+        <p:spPr/>
+        <p:txBody>
+          <a:bodyPr/>
+          <a:lstStyle/>
+          <a:p>
+            <a:r>
+              <a:rPr lang="en-GB" dirty="0">
+                <a:solidFill>
+                  <a:prstClr val="black"/>
+                </a:solidFill>
+              </a:rPr>
+              <a:t>Define and initialise</a:t>
+            </a:r>
+            <a:endParaRPr lang="en-GB" dirty="0"/>
+          </a:p>
+        </p:txBody>
+      </p:sp>
+      <p:sp>
+        <p:nvSpPr>
+          <p:cNvPr id="3" name="Content Placeholder 2">
+            <a:extLst>
+              <a:ext uri="{FF2B5EF4-FFF2-40B4-BE49-F238E27FC236}">
+                <a16:creationId xmlns:a16="http://schemas.microsoft.com/office/drawing/2014/main" id="{FD320413-1026-D741-C185-8E2FCC1E5DDF}"/>
+              </a:ext>
+            </a:extLst>
+          </p:cNvPr>
+          <p:cNvSpPr>
+            <a:spLocks noGrp="1"/>
+          </p:cNvSpPr>
+          <p:nvPr>
+            <p:ph idx="1"/>
+          </p:nvPr>
+        </p:nvSpPr>
+        <p:spPr>
+          <a:xfrm>
+            <a:off x="171796" y="782129"/>
+            <a:ext cx="11924953" cy="3945147"/>
+          </a:xfrm>
+        </p:spPr>
+        <p:txBody>
+          <a:bodyPr>
+            <a:normAutofit fontScale="92500" lnSpcReduction="10000"/>
+          </a:bodyPr>
+          <a:lstStyle/>
+          <a:p>
+            <a:pPr>
+              <a:lnSpc>
+                <a:spcPct val="100000"/>
+              </a:lnSpc>
+              <a:spcBef>
+                <a:spcPts val="0"/>
+              </a:spcBef>
+              <a:spcAft>
+                <a:spcPts val="600"/>
+              </a:spcAft>
+            </a:pPr>
+            <a:r>
+              <a:rPr lang="en-GB" dirty="0">
+                <a:solidFill>
+                  <a:prstClr val="black"/>
+                </a:solidFill>
+              </a:rPr>
+              <a:t>Set this up as a JUCE Standalone plugin</a:t>
+            </a:r>
+          </a:p>
+          <a:p>
+            <a:pPr>
+              <a:lnSpc>
+                <a:spcPct val="100000"/>
+              </a:lnSpc>
+            </a:pPr>
+            <a:r>
+              <a:rPr lang="en-GB" dirty="0">
+                <a:solidFill>
+                  <a:prstClr val="black"/>
+                </a:solidFill>
+              </a:rPr>
+              <a:t>Add private parameters to </a:t>
+            </a:r>
+            <a:r>
+              <a:rPr lang="en-GB" dirty="0" err="1">
+                <a:solidFill>
+                  <a:prstClr val="black"/>
+                </a:solidFill>
+              </a:rPr>
+              <a:t>pluginProcessor.h</a:t>
+            </a:r>
+            <a:endParaRPr lang="en-GB" dirty="0">
+              <a:solidFill>
+                <a:prstClr val="black"/>
+              </a:solidFill>
+            </a:endParaRPr>
+          </a:p>
+          <a:p>
+            <a:pPr>
+              <a:lnSpc>
+                <a:spcPct val="100000"/>
+              </a:lnSpc>
+            </a:pPr>
+            <a:endParaRPr lang="en-GB" dirty="0">
+              <a:solidFill>
+                <a:prstClr val="black"/>
+              </a:solidFill>
+            </a:endParaRPr>
+          </a:p>
+          <a:p>
+            <a:pPr>
+              <a:lnSpc>
+                <a:spcPct val="100000"/>
+              </a:lnSpc>
+            </a:pPr>
+            <a:endParaRPr lang="en-GB" dirty="0">
+              <a:solidFill>
+                <a:prstClr val="black"/>
+              </a:solidFill>
+            </a:endParaRPr>
+          </a:p>
+          <a:p>
+            <a:pPr>
+              <a:lnSpc>
+                <a:spcPct val="100000"/>
+              </a:lnSpc>
+            </a:pPr>
+            <a:endParaRPr lang="en-GB" dirty="0">
+              <a:solidFill>
+                <a:prstClr val="black"/>
+              </a:solidFill>
+            </a:endParaRPr>
+          </a:p>
+          <a:p>
+            <a:pPr>
+              <a:lnSpc>
+                <a:spcPct val="100000"/>
+              </a:lnSpc>
+            </a:pPr>
+            <a:endParaRPr lang="en-GB" dirty="0">
+              <a:solidFill>
+                <a:prstClr val="black"/>
+              </a:solidFill>
+            </a:endParaRPr>
+          </a:p>
+          <a:p>
+            <a:pPr>
+              <a:lnSpc>
+                <a:spcPct val="100000"/>
+              </a:lnSpc>
+            </a:pPr>
+            <a:endParaRPr lang="en-GB" dirty="0">
+              <a:solidFill>
+                <a:prstClr val="black"/>
+              </a:solidFill>
+            </a:endParaRPr>
+          </a:p>
+          <a:p>
+            <a:pPr>
+              <a:lnSpc>
+                <a:spcPct val="100000"/>
+              </a:lnSpc>
+            </a:pPr>
+            <a:endParaRPr lang="en-GB" dirty="0">
+              <a:solidFill>
+                <a:prstClr val="black"/>
+              </a:solidFill>
+            </a:endParaRPr>
+          </a:p>
+          <a:p>
+            <a:pPr>
+              <a:lnSpc>
+                <a:spcPct val="100000"/>
+              </a:lnSpc>
+            </a:pPr>
+            <a:r>
+              <a:rPr lang="en-GB" dirty="0">
+                <a:solidFill>
+                  <a:prstClr val="black"/>
+                </a:solidFill>
+              </a:rPr>
+              <a:t>Add audio parameters &amp; adjust their ranges in pluginProcessor.cpp</a:t>
+            </a:r>
+          </a:p>
+        </p:txBody>
+      </p:sp>
+      <p:sp>
+        <p:nvSpPr>
+          <p:cNvPr id="10" name="TextBox 9">
+            <a:extLst>
+              <a:ext uri="{FF2B5EF4-FFF2-40B4-BE49-F238E27FC236}">
+                <a16:creationId xmlns:a16="http://schemas.microsoft.com/office/drawing/2014/main" id="{D97B1AAE-913C-6F01-8193-03F17736D115}"/>
+              </a:ext>
+            </a:extLst>
+          </p:cNvPr>
+          <p:cNvSpPr txBox="1"/>
+          <p:nvPr/>
+        </p:nvSpPr>
+        <p:spPr>
+          <a:xfrm>
+            <a:off x="267650" y="1940152"/>
+            <a:ext cx="11320501" cy="2031325"/>
+          </a:xfrm>
+          <a:prstGeom prst="rect">
+            <a:avLst/>
+          </a:prstGeom>
+          <a:noFill/>
+          <a:ln w="31750">
+            <a:solidFill>
+              <a:schemeClr val="tx1"/>
+            </a:solidFill>
+          </a:ln>
+        </p:spPr>
+        <p:txBody>
+          <a:bodyPr wrap="square" rtlCol="0">
+            <a:spAutoFit/>
+          </a:bodyPr>
+          <a:lstStyle/>
+          <a:p>
+            <a:r>
+              <a:rPr lang="en-GB" dirty="0" err="1">
+                <a:solidFill>
+                  <a:srgbClr val="000000"/>
+                </a:solidFill>
+                <a:latin typeface="Cascadia Mono" panose="020B0609020000020004" pitchFamily="49" charset="0"/>
+              </a:rPr>
+              <a:t>juce</a:t>
+            </a:r>
+            <a:r>
+              <a:rPr lang="en-GB" dirty="0">
+                <a:solidFill>
+                  <a:srgbClr val="000000"/>
+                </a:solidFill>
+                <a:latin typeface="Cascadia Mono" panose="020B0609020000020004" pitchFamily="49" charset="0"/>
+              </a:rPr>
+              <a:t>::</a:t>
+            </a:r>
+            <a:r>
+              <a:rPr lang="en-GB" dirty="0" err="1">
+                <a:solidFill>
+                  <a:srgbClr val="2B91AF"/>
+                </a:solidFill>
+                <a:latin typeface="Cascadia Mono" panose="020B0609020000020004" pitchFamily="49" charset="0"/>
+              </a:rPr>
+              <a:t>AudioParameterFloat</a:t>
+            </a:r>
+            <a:r>
+              <a:rPr lang="en-GB" dirty="0">
+                <a:solidFill>
+                  <a:srgbClr val="000000"/>
+                </a:solidFill>
+                <a:latin typeface="Cascadia Mono" panose="020B0609020000020004" pitchFamily="49" charset="0"/>
+              </a:rPr>
+              <a:t>* </a:t>
+            </a:r>
+            <a:r>
+              <a:rPr lang="en-GB" dirty="0" err="1">
+                <a:solidFill>
+                  <a:srgbClr val="000000"/>
+                </a:solidFill>
+                <a:latin typeface="Cascadia Mono" panose="020B0609020000020004" pitchFamily="49" charset="0"/>
+              </a:rPr>
+              <a:t>modulationDepthParam</a:t>
+            </a:r>
+            <a:r>
+              <a:rPr lang="en-GB" dirty="0">
+                <a:solidFill>
+                  <a:srgbClr val="000000"/>
+                </a:solidFill>
+                <a:latin typeface="Cascadia Mono" panose="020B0609020000020004" pitchFamily="49" charset="0"/>
+              </a:rPr>
+              <a:t>;</a:t>
+            </a:r>
+          </a:p>
+          <a:p>
+            <a:r>
+              <a:rPr lang="en-GB" dirty="0" err="1">
+                <a:solidFill>
+                  <a:srgbClr val="000000"/>
+                </a:solidFill>
+                <a:latin typeface="Cascadia Mono" panose="020B0609020000020004" pitchFamily="49" charset="0"/>
+              </a:rPr>
+              <a:t>juce</a:t>
+            </a:r>
+            <a:r>
+              <a:rPr lang="en-GB" dirty="0">
+                <a:solidFill>
+                  <a:srgbClr val="000000"/>
+                </a:solidFill>
+                <a:latin typeface="Cascadia Mono" panose="020B0609020000020004" pitchFamily="49" charset="0"/>
+              </a:rPr>
+              <a:t>::</a:t>
+            </a:r>
+            <a:r>
+              <a:rPr lang="en-GB" dirty="0" err="1">
+                <a:solidFill>
+                  <a:srgbClr val="2B91AF"/>
+                </a:solidFill>
+                <a:latin typeface="Cascadia Mono" panose="020B0609020000020004" pitchFamily="49" charset="0"/>
+              </a:rPr>
+              <a:t>AudioParameterFloat</a:t>
+            </a:r>
+            <a:r>
+              <a:rPr lang="en-GB" dirty="0">
+                <a:solidFill>
+                  <a:srgbClr val="000000"/>
+                </a:solidFill>
+                <a:latin typeface="Cascadia Mono" panose="020B0609020000020004" pitchFamily="49" charset="0"/>
+              </a:rPr>
+              <a:t>* </a:t>
+            </a:r>
+            <a:r>
+              <a:rPr lang="en-GB" dirty="0" err="1">
+                <a:solidFill>
+                  <a:srgbClr val="000000"/>
+                </a:solidFill>
+                <a:latin typeface="Cascadia Mono" panose="020B0609020000020004" pitchFamily="49" charset="0"/>
+              </a:rPr>
+              <a:t>modulatorFrequencyParam</a:t>
+            </a:r>
+            <a:r>
+              <a:rPr lang="en-GB" dirty="0">
+                <a:solidFill>
+                  <a:srgbClr val="000000"/>
+                </a:solidFill>
+                <a:latin typeface="Cascadia Mono" panose="020B0609020000020004" pitchFamily="49" charset="0"/>
+              </a:rPr>
+              <a:t>;</a:t>
+            </a:r>
+          </a:p>
+          <a:p>
+            <a:r>
+              <a:rPr lang="en-GB" dirty="0" err="1">
+                <a:solidFill>
+                  <a:srgbClr val="000000"/>
+                </a:solidFill>
+                <a:latin typeface="Cascadia Mono" panose="020B0609020000020004" pitchFamily="49" charset="0"/>
+              </a:rPr>
+              <a:t>juce</a:t>
+            </a:r>
+            <a:r>
+              <a:rPr lang="en-GB" dirty="0">
+                <a:solidFill>
+                  <a:srgbClr val="000000"/>
+                </a:solidFill>
+                <a:latin typeface="Cascadia Mono" panose="020B0609020000020004" pitchFamily="49" charset="0"/>
+              </a:rPr>
+              <a:t>::</a:t>
+            </a:r>
+            <a:r>
+              <a:rPr lang="en-GB" dirty="0" err="1">
+                <a:solidFill>
+                  <a:srgbClr val="2B91AF"/>
+                </a:solidFill>
+                <a:latin typeface="Cascadia Mono" panose="020B0609020000020004" pitchFamily="49" charset="0"/>
+              </a:rPr>
+              <a:t>AudioParameterFloat</a:t>
+            </a:r>
+            <a:r>
+              <a:rPr lang="en-GB" dirty="0">
+                <a:solidFill>
+                  <a:srgbClr val="000000"/>
+                </a:solidFill>
+                <a:latin typeface="Cascadia Mono" panose="020B0609020000020004" pitchFamily="49" charset="0"/>
+              </a:rPr>
+              <a:t>* </a:t>
+            </a:r>
+            <a:r>
+              <a:rPr lang="en-GB" dirty="0" err="1">
+                <a:solidFill>
+                  <a:srgbClr val="000000"/>
+                </a:solidFill>
+                <a:latin typeface="Cascadia Mono" panose="020B0609020000020004" pitchFamily="49" charset="0"/>
+              </a:rPr>
+              <a:t>carrierFrequencyParam</a:t>
+            </a:r>
+            <a:r>
+              <a:rPr lang="en-GB" dirty="0">
+                <a:solidFill>
+                  <a:srgbClr val="000000"/>
+                </a:solidFill>
+                <a:latin typeface="Cascadia Mono" panose="020B0609020000020004" pitchFamily="49" charset="0"/>
+              </a:rPr>
+              <a:t>;</a:t>
+            </a:r>
+          </a:p>
+          <a:p>
+            <a:r>
+              <a:rPr lang="en-GB" dirty="0">
+                <a:solidFill>
+                  <a:srgbClr val="0000FF"/>
+                </a:solidFill>
+                <a:latin typeface="Cascadia Mono" panose="020B0609020000020004" pitchFamily="49" charset="0"/>
+              </a:rPr>
+              <a:t>float</a:t>
+            </a:r>
+            <a:r>
+              <a:rPr lang="en-GB" dirty="0">
+                <a:solidFill>
+                  <a:srgbClr val="000000"/>
+                </a:solidFill>
+                <a:latin typeface="Cascadia Mono" panose="020B0609020000020004" pitchFamily="49" charset="0"/>
+              </a:rPr>
+              <a:t> </a:t>
+            </a:r>
+            <a:r>
+              <a:rPr lang="en-GB" dirty="0" err="1">
+                <a:solidFill>
+                  <a:srgbClr val="000000"/>
+                </a:solidFill>
+                <a:latin typeface="Cascadia Mono" panose="020B0609020000020004" pitchFamily="49" charset="0"/>
+              </a:rPr>
+              <a:t>modulatorPhase</a:t>
+            </a:r>
+            <a:r>
+              <a:rPr lang="en-GB" dirty="0">
+                <a:solidFill>
+                  <a:srgbClr val="000000"/>
+                </a:solidFill>
+                <a:latin typeface="Cascadia Mono" panose="020B0609020000020004" pitchFamily="49" charset="0"/>
+              </a:rPr>
+              <a:t> = 0;        </a:t>
+            </a:r>
+            <a:r>
+              <a:rPr lang="en-GB" dirty="0">
+                <a:solidFill>
+                  <a:srgbClr val="008000"/>
+                </a:solidFill>
+                <a:latin typeface="Cascadia Mono" panose="020B0609020000020004" pitchFamily="49" charset="0"/>
+              </a:rPr>
+              <a:t>// Phase of modulator, range 0 to 1</a:t>
+            </a:r>
+            <a:endParaRPr lang="en-GB" dirty="0">
+              <a:solidFill>
+                <a:srgbClr val="000000"/>
+              </a:solidFill>
+              <a:latin typeface="Cascadia Mono" panose="020B0609020000020004" pitchFamily="49" charset="0"/>
+            </a:endParaRPr>
+          </a:p>
+          <a:p>
+            <a:r>
+              <a:rPr lang="en-GB" dirty="0">
+                <a:solidFill>
+                  <a:srgbClr val="0000FF"/>
+                </a:solidFill>
+                <a:latin typeface="Cascadia Mono" panose="020B0609020000020004" pitchFamily="49" charset="0"/>
+              </a:rPr>
+              <a:t>float</a:t>
+            </a:r>
+            <a:r>
+              <a:rPr lang="en-GB" dirty="0">
+                <a:solidFill>
+                  <a:srgbClr val="000000"/>
+                </a:solidFill>
+                <a:latin typeface="Cascadia Mono" panose="020B0609020000020004" pitchFamily="49" charset="0"/>
+              </a:rPr>
+              <a:t> </a:t>
+            </a:r>
+            <a:r>
+              <a:rPr lang="en-GB" dirty="0" err="1">
+                <a:solidFill>
+                  <a:srgbClr val="000000"/>
+                </a:solidFill>
+                <a:latin typeface="Cascadia Mono" panose="020B0609020000020004" pitchFamily="49" charset="0"/>
+              </a:rPr>
+              <a:t>modulatedCarrierPhase</a:t>
+            </a:r>
+            <a:r>
+              <a:rPr lang="en-GB" dirty="0">
+                <a:solidFill>
+                  <a:srgbClr val="000000"/>
+                </a:solidFill>
+                <a:latin typeface="Cascadia Mono" panose="020B0609020000020004" pitchFamily="49" charset="0"/>
+              </a:rPr>
+              <a:t> = 0; </a:t>
+            </a:r>
+            <a:r>
+              <a:rPr lang="en-GB" dirty="0">
+                <a:solidFill>
+                  <a:srgbClr val="008000"/>
+                </a:solidFill>
+                <a:latin typeface="Cascadia Mono" panose="020B0609020000020004" pitchFamily="49" charset="0"/>
+              </a:rPr>
+              <a:t>// Phase of carrier, with modulation, range 0 to 1</a:t>
+            </a:r>
+            <a:endParaRPr lang="en-GB" dirty="0">
+              <a:solidFill>
+                <a:srgbClr val="000000"/>
+              </a:solidFill>
+              <a:latin typeface="Cascadia Mono" panose="020B0609020000020004" pitchFamily="49" charset="0"/>
+            </a:endParaRPr>
+          </a:p>
+          <a:p>
+            <a:r>
+              <a:rPr lang="en-GB" dirty="0">
+                <a:solidFill>
+                  <a:srgbClr val="0000FF"/>
+                </a:solidFill>
+                <a:latin typeface="Cascadia Mono" panose="020B0609020000020004" pitchFamily="49" charset="0"/>
+              </a:rPr>
+              <a:t>float</a:t>
+            </a:r>
+            <a:r>
+              <a:rPr lang="en-GB" dirty="0">
+                <a:solidFill>
+                  <a:srgbClr val="000000"/>
+                </a:solidFill>
+                <a:latin typeface="Cascadia Mono" panose="020B0609020000020004" pitchFamily="49" charset="0"/>
+              </a:rPr>
+              <a:t> </a:t>
+            </a:r>
+            <a:r>
+              <a:rPr lang="en-GB" dirty="0" err="1">
+                <a:solidFill>
+                  <a:srgbClr val="000000"/>
+                </a:solidFill>
+                <a:latin typeface="Cascadia Mono" panose="020B0609020000020004" pitchFamily="49" charset="0"/>
+              </a:rPr>
+              <a:t>modulatorSignal</a:t>
+            </a:r>
+            <a:r>
+              <a:rPr lang="en-GB" dirty="0">
+                <a:solidFill>
+                  <a:srgbClr val="000000"/>
+                </a:solidFill>
+                <a:latin typeface="Cascadia Mono" panose="020B0609020000020004" pitchFamily="49" charset="0"/>
+              </a:rPr>
+              <a:t>;</a:t>
+            </a:r>
+          </a:p>
+          <a:p>
+            <a:r>
+              <a:rPr lang="en-GB" dirty="0">
+                <a:solidFill>
+                  <a:srgbClr val="0000FF"/>
+                </a:solidFill>
+                <a:latin typeface="Cascadia Mono" panose="020B0609020000020004" pitchFamily="49" charset="0"/>
+              </a:rPr>
+              <a:t>float</a:t>
+            </a:r>
+            <a:r>
+              <a:rPr lang="en-GB" dirty="0">
+                <a:solidFill>
+                  <a:srgbClr val="000000"/>
+                </a:solidFill>
+                <a:latin typeface="Cascadia Mono" panose="020B0609020000020004" pitchFamily="49" charset="0"/>
+              </a:rPr>
+              <a:t> </a:t>
+            </a:r>
+            <a:r>
+              <a:rPr lang="en-GB" dirty="0" err="1">
+                <a:solidFill>
+                  <a:srgbClr val="000000"/>
+                </a:solidFill>
+                <a:latin typeface="Cascadia Mono" panose="020B0609020000020004" pitchFamily="49" charset="0"/>
+              </a:rPr>
+              <a:t>modulatedCarrierSignal</a:t>
+            </a:r>
+            <a:r>
+              <a:rPr lang="en-GB" dirty="0">
+                <a:solidFill>
+                  <a:srgbClr val="000000"/>
+                </a:solidFill>
+                <a:latin typeface="Cascadia Mono" panose="020B0609020000020004" pitchFamily="49" charset="0"/>
+              </a:rPr>
+              <a:t>;</a:t>
+            </a:r>
+            <a:endParaRPr lang="en-GB" sz="800" dirty="0">
+              <a:solidFill>
+                <a:srgbClr val="000000"/>
+              </a:solidFill>
+              <a:latin typeface="Cascadia Mono" panose="020B0609020000020004" pitchFamily="49" charset="0"/>
+            </a:endParaRPr>
+          </a:p>
+        </p:txBody>
+      </p:sp>
+      <p:sp>
+        <p:nvSpPr>
+          <p:cNvPr id="8" name="TextBox 7">
+            <a:extLst>
+              <a:ext uri="{FF2B5EF4-FFF2-40B4-BE49-F238E27FC236}">
+                <a16:creationId xmlns:a16="http://schemas.microsoft.com/office/drawing/2014/main" id="{66F8D7F3-2A5F-4C47-D292-37B36F86B59E}"/>
+              </a:ext>
+            </a:extLst>
+          </p:cNvPr>
+          <p:cNvSpPr txBox="1"/>
+          <p:nvPr/>
+        </p:nvSpPr>
+        <p:spPr>
+          <a:xfrm>
+            <a:off x="854246" y="4873856"/>
+            <a:ext cx="10015037" cy="1754326"/>
+          </a:xfrm>
+          <a:prstGeom prst="rect">
+            <a:avLst/>
+          </a:prstGeom>
+          <a:noFill/>
+          <a:ln w="31750">
+            <a:solidFill>
+              <a:schemeClr val="tx1"/>
+            </a:solidFill>
+          </a:ln>
+        </p:spPr>
+        <p:txBody>
+          <a:bodyPr wrap="square" rtlCol="0">
+            <a:spAutoFit/>
+          </a:bodyPr>
+          <a:lstStyle/>
+          <a:p>
+            <a:r>
+              <a:rPr lang="en-GB" dirty="0" err="1">
+                <a:solidFill>
+                  <a:srgbClr val="000000"/>
+                </a:solidFill>
+                <a:latin typeface="Cascadia Mono" panose="020B0609020000020004" pitchFamily="49" charset="0"/>
+              </a:rPr>
+              <a:t>addParameter</a:t>
+            </a:r>
+            <a:r>
+              <a:rPr lang="en-GB" dirty="0">
+                <a:solidFill>
+                  <a:srgbClr val="000000"/>
+                </a:solidFill>
+                <a:latin typeface="Cascadia Mono" panose="020B0609020000020004" pitchFamily="49" charset="0"/>
+              </a:rPr>
+              <a:t>(</a:t>
+            </a:r>
+            <a:r>
+              <a:rPr lang="en-GB" dirty="0" err="1">
+                <a:solidFill>
+                  <a:srgbClr val="000000"/>
+                </a:solidFill>
+                <a:latin typeface="Cascadia Mono" panose="020B0609020000020004" pitchFamily="49" charset="0"/>
+              </a:rPr>
+              <a:t>modulationDepthParam</a:t>
+            </a:r>
+            <a:r>
+              <a:rPr lang="en-GB" dirty="0">
+                <a:solidFill>
+                  <a:srgbClr val="000000"/>
+                </a:solidFill>
+                <a:latin typeface="Cascadia Mono" panose="020B0609020000020004" pitchFamily="49" charset="0"/>
+              </a:rPr>
+              <a:t> = </a:t>
+            </a:r>
+            <a:r>
+              <a:rPr lang="en-GB" dirty="0">
+                <a:solidFill>
+                  <a:srgbClr val="0000FF"/>
+                </a:solidFill>
+                <a:latin typeface="Cascadia Mono" panose="020B0609020000020004" pitchFamily="49" charset="0"/>
+              </a:rPr>
+              <a:t>new</a:t>
+            </a:r>
+            <a:r>
+              <a:rPr lang="en-GB" dirty="0">
+                <a:solidFill>
+                  <a:srgbClr val="000000"/>
+                </a:solidFill>
+                <a:latin typeface="Cascadia Mono" panose="020B0609020000020004" pitchFamily="49" charset="0"/>
+              </a:rPr>
+              <a:t> </a:t>
+            </a:r>
+            <a:r>
+              <a:rPr lang="en-GB" dirty="0" err="1">
+                <a:solidFill>
+                  <a:srgbClr val="000000"/>
+                </a:solidFill>
+                <a:latin typeface="Cascadia Mono" panose="020B0609020000020004" pitchFamily="49" charset="0"/>
+              </a:rPr>
+              <a:t>juce</a:t>
+            </a:r>
+            <a:r>
+              <a:rPr lang="en-GB" dirty="0">
+                <a:solidFill>
+                  <a:srgbClr val="000000"/>
+                </a:solidFill>
+                <a:latin typeface="Cascadia Mono" panose="020B0609020000020004" pitchFamily="49" charset="0"/>
+              </a:rPr>
+              <a:t>::</a:t>
+            </a:r>
+            <a:r>
+              <a:rPr lang="en-GB" dirty="0" err="1">
+                <a:solidFill>
+                  <a:srgbClr val="2B91AF"/>
+                </a:solidFill>
+                <a:latin typeface="Cascadia Mono" panose="020B0609020000020004" pitchFamily="49" charset="0"/>
+              </a:rPr>
+              <a:t>AudioParameterFloat</a:t>
+            </a:r>
+            <a:endParaRPr lang="en-GB" dirty="0">
+              <a:solidFill>
+                <a:srgbClr val="2B91AF"/>
+              </a:solidFill>
+              <a:latin typeface="Cascadia Mono" panose="020B0609020000020004" pitchFamily="49" charset="0"/>
+            </a:endParaRPr>
+          </a:p>
+          <a:p>
+            <a:r>
+              <a:rPr lang="en-GB" dirty="0">
+                <a:solidFill>
+                  <a:srgbClr val="2B91AF"/>
+                </a:solidFill>
+                <a:latin typeface="Cascadia Mono" panose="020B0609020000020004" pitchFamily="49" charset="0"/>
+              </a:rPr>
+              <a:t>  </a:t>
+            </a:r>
+            <a:r>
+              <a:rPr lang="en-GB" dirty="0">
+                <a:solidFill>
+                  <a:srgbClr val="000000"/>
+                </a:solidFill>
+                <a:latin typeface="Cascadia Mono" panose="020B0609020000020004" pitchFamily="49" charset="0"/>
+              </a:rPr>
+              <a:t>(</a:t>
+            </a:r>
+            <a:r>
+              <a:rPr lang="en-GB" dirty="0">
+                <a:solidFill>
+                  <a:srgbClr val="A31515"/>
+                </a:solidFill>
+                <a:latin typeface="Cascadia Mono" panose="020B0609020000020004" pitchFamily="49" charset="0"/>
+              </a:rPr>
+              <a:t>"</a:t>
+            </a:r>
+            <a:r>
+              <a:rPr lang="en-GB" dirty="0" err="1">
+                <a:solidFill>
+                  <a:srgbClr val="A31515"/>
+                </a:solidFill>
+                <a:latin typeface="Cascadia Mono" panose="020B0609020000020004" pitchFamily="49" charset="0"/>
+              </a:rPr>
+              <a:t>modulationDepth</a:t>
+            </a:r>
+            <a:r>
+              <a:rPr lang="en-GB" dirty="0">
+                <a:solidFill>
+                  <a:srgbClr val="A31515"/>
+                </a:solidFill>
+                <a:latin typeface="Cascadia Mono" panose="020B0609020000020004" pitchFamily="49" charset="0"/>
+              </a:rPr>
+              <a:t>"</a:t>
+            </a:r>
+            <a:r>
+              <a:rPr lang="en-GB" dirty="0">
+                <a:solidFill>
+                  <a:srgbClr val="000000"/>
+                </a:solidFill>
+                <a:latin typeface="Cascadia Mono" panose="020B0609020000020004" pitchFamily="49" charset="0"/>
+              </a:rPr>
+              <a:t>, </a:t>
+            </a:r>
+            <a:r>
+              <a:rPr lang="en-GB" dirty="0">
+                <a:solidFill>
+                  <a:srgbClr val="A31515"/>
+                </a:solidFill>
+                <a:latin typeface="Cascadia Mono" panose="020B0609020000020004" pitchFamily="49" charset="0"/>
+              </a:rPr>
+              <a:t>"Modulation depth"</a:t>
+            </a:r>
+            <a:r>
+              <a:rPr lang="en-GB" dirty="0">
+                <a:solidFill>
+                  <a:srgbClr val="000000"/>
+                </a:solidFill>
+                <a:latin typeface="Cascadia Mono" panose="020B0609020000020004" pitchFamily="49" charset="0"/>
+              </a:rPr>
+              <a:t>, 0.0f, 1000.0f, 200.0f));</a:t>
+            </a:r>
+          </a:p>
+          <a:p>
+            <a:r>
+              <a:rPr lang="en-GB" dirty="0" err="1">
+                <a:solidFill>
+                  <a:srgbClr val="000000"/>
+                </a:solidFill>
+                <a:latin typeface="Cascadia Mono" panose="020B0609020000020004" pitchFamily="49" charset="0"/>
+              </a:rPr>
+              <a:t>addParameter</a:t>
+            </a:r>
+            <a:r>
+              <a:rPr lang="en-GB" dirty="0">
+                <a:solidFill>
+                  <a:srgbClr val="000000"/>
+                </a:solidFill>
+                <a:latin typeface="Cascadia Mono" panose="020B0609020000020004" pitchFamily="49" charset="0"/>
+              </a:rPr>
+              <a:t>(</a:t>
+            </a:r>
+            <a:r>
+              <a:rPr lang="en-GB" dirty="0" err="1">
+                <a:solidFill>
+                  <a:srgbClr val="000000"/>
+                </a:solidFill>
+                <a:latin typeface="Cascadia Mono" panose="020B0609020000020004" pitchFamily="49" charset="0"/>
+              </a:rPr>
+              <a:t>modulatorFrequencyParam</a:t>
+            </a:r>
+            <a:r>
+              <a:rPr lang="en-GB" dirty="0">
+                <a:solidFill>
+                  <a:srgbClr val="000000"/>
+                </a:solidFill>
+                <a:latin typeface="Cascadia Mono" panose="020B0609020000020004" pitchFamily="49" charset="0"/>
+              </a:rPr>
+              <a:t> = </a:t>
+            </a:r>
+            <a:r>
+              <a:rPr lang="en-GB" dirty="0">
+                <a:solidFill>
+                  <a:srgbClr val="0000FF"/>
+                </a:solidFill>
+                <a:latin typeface="Cascadia Mono" panose="020B0609020000020004" pitchFamily="49" charset="0"/>
+              </a:rPr>
+              <a:t>new</a:t>
+            </a:r>
+            <a:r>
+              <a:rPr lang="en-GB" dirty="0">
+                <a:solidFill>
+                  <a:srgbClr val="000000"/>
+                </a:solidFill>
+                <a:latin typeface="Cascadia Mono" panose="020B0609020000020004" pitchFamily="49" charset="0"/>
+              </a:rPr>
+              <a:t> </a:t>
+            </a:r>
+            <a:r>
+              <a:rPr lang="en-GB" dirty="0" err="1">
+                <a:solidFill>
+                  <a:srgbClr val="000000"/>
+                </a:solidFill>
+                <a:latin typeface="Cascadia Mono" panose="020B0609020000020004" pitchFamily="49" charset="0"/>
+              </a:rPr>
+              <a:t>juce</a:t>
+            </a:r>
+            <a:r>
+              <a:rPr lang="en-GB" dirty="0">
+                <a:solidFill>
+                  <a:srgbClr val="000000"/>
+                </a:solidFill>
+                <a:latin typeface="Cascadia Mono" panose="020B0609020000020004" pitchFamily="49" charset="0"/>
+              </a:rPr>
+              <a:t>::</a:t>
+            </a:r>
+            <a:r>
+              <a:rPr lang="en-GB" dirty="0" err="1">
+                <a:solidFill>
+                  <a:srgbClr val="2B91AF"/>
+                </a:solidFill>
+                <a:latin typeface="Cascadia Mono" panose="020B0609020000020004" pitchFamily="49" charset="0"/>
+              </a:rPr>
+              <a:t>AudioParameterFloat</a:t>
+            </a:r>
+            <a:endParaRPr lang="en-GB" dirty="0">
+              <a:solidFill>
+                <a:srgbClr val="2B91AF"/>
+              </a:solidFill>
+              <a:latin typeface="Cascadia Mono" panose="020B0609020000020004" pitchFamily="49" charset="0"/>
+            </a:endParaRPr>
+          </a:p>
+          <a:p>
+            <a:r>
+              <a:rPr lang="en-GB" dirty="0">
+                <a:solidFill>
+                  <a:srgbClr val="2B91AF"/>
+                </a:solidFill>
+                <a:latin typeface="Cascadia Mono" panose="020B0609020000020004" pitchFamily="49" charset="0"/>
+              </a:rPr>
+              <a:t>  </a:t>
+            </a:r>
+            <a:r>
+              <a:rPr lang="en-GB" dirty="0">
+                <a:solidFill>
+                  <a:srgbClr val="000000"/>
+                </a:solidFill>
+                <a:latin typeface="Cascadia Mono" panose="020B0609020000020004" pitchFamily="49" charset="0"/>
+              </a:rPr>
+              <a:t>(</a:t>
+            </a:r>
+            <a:r>
+              <a:rPr lang="en-GB" dirty="0">
+                <a:solidFill>
+                  <a:srgbClr val="A31515"/>
+                </a:solidFill>
+                <a:latin typeface="Cascadia Mono" panose="020B0609020000020004" pitchFamily="49" charset="0"/>
+              </a:rPr>
+              <a:t>"</a:t>
+            </a:r>
+            <a:r>
+              <a:rPr lang="en-GB" dirty="0" err="1">
+                <a:solidFill>
+                  <a:srgbClr val="A31515"/>
+                </a:solidFill>
+                <a:latin typeface="Cascadia Mono" panose="020B0609020000020004" pitchFamily="49" charset="0"/>
+              </a:rPr>
+              <a:t>modulatorFrequency</a:t>
+            </a:r>
+            <a:r>
+              <a:rPr lang="en-GB" dirty="0">
+                <a:solidFill>
+                  <a:srgbClr val="A31515"/>
+                </a:solidFill>
+                <a:latin typeface="Cascadia Mono" panose="020B0609020000020004" pitchFamily="49" charset="0"/>
+              </a:rPr>
+              <a:t>"</a:t>
+            </a:r>
+            <a:r>
+              <a:rPr lang="en-GB" dirty="0">
+                <a:solidFill>
+                  <a:srgbClr val="000000"/>
+                </a:solidFill>
+                <a:latin typeface="Cascadia Mono" panose="020B0609020000020004" pitchFamily="49" charset="0"/>
+              </a:rPr>
+              <a:t>, </a:t>
+            </a:r>
+            <a:r>
+              <a:rPr lang="en-GB" dirty="0">
+                <a:solidFill>
+                  <a:srgbClr val="A31515"/>
+                </a:solidFill>
+                <a:latin typeface="Cascadia Mono" panose="020B0609020000020004" pitchFamily="49" charset="0"/>
+              </a:rPr>
+              <a:t>"Modulator frequency"</a:t>
+            </a:r>
+            <a:r>
+              <a:rPr lang="en-GB" dirty="0">
+                <a:solidFill>
+                  <a:srgbClr val="000000"/>
+                </a:solidFill>
+                <a:latin typeface="Cascadia Mono" panose="020B0609020000020004" pitchFamily="49" charset="0"/>
+              </a:rPr>
+              <a:t>, 10.0f, 200.0f, 100.0f));</a:t>
+            </a:r>
+          </a:p>
+          <a:p>
+            <a:r>
+              <a:rPr lang="en-GB" dirty="0" err="1">
+                <a:solidFill>
+                  <a:srgbClr val="000000"/>
+                </a:solidFill>
+                <a:latin typeface="Cascadia Mono" panose="020B0609020000020004" pitchFamily="49" charset="0"/>
+              </a:rPr>
+              <a:t>addParameter</a:t>
+            </a:r>
+            <a:r>
+              <a:rPr lang="en-GB" dirty="0">
+                <a:solidFill>
+                  <a:srgbClr val="000000"/>
+                </a:solidFill>
+                <a:latin typeface="Cascadia Mono" panose="020B0609020000020004" pitchFamily="49" charset="0"/>
+              </a:rPr>
+              <a:t>(</a:t>
+            </a:r>
+            <a:r>
+              <a:rPr lang="en-GB" dirty="0" err="1">
+                <a:solidFill>
+                  <a:srgbClr val="000000"/>
+                </a:solidFill>
+                <a:latin typeface="Cascadia Mono" panose="020B0609020000020004" pitchFamily="49" charset="0"/>
+              </a:rPr>
+              <a:t>carrierFrequencyParam</a:t>
+            </a:r>
+            <a:r>
+              <a:rPr lang="en-GB" dirty="0">
+                <a:solidFill>
+                  <a:srgbClr val="000000"/>
+                </a:solidFill>
+                <a:latin typeface="Cascadia Mono" panose="020B0609020000020004" pitchFamily="49" charset="0"/>
+              </a:rPr>
+              <a:t> = </a:t>
+            </a:r>
+            <a:r>
+              <a:rPr lang="en-GB" dirty="0">
+                <a:solidFill>
+                  <a:srgbClr val="0000FF"/>
+                </a:solidFill>
+                <a:latin typeface="Cascadia Mono" panose="020B0609020000020004" pitchFamily="49" charset="0"/>
+              </a:rPr>
+              <a:t>new</a:t>
+            </a:r>
+            <a:r>
+              <a:rPr lang="en-GB" dirty="0">
+                <a:solidFill>
+                  <a:srgbClr val="000000"/>
+                </a:solidFill>
+                <a:latin typeface="Cascadia Mono" panose="020B0609020000020004" pitchFamily="49" charset="0"/>
+              </a:rPr>
+              <a:t> </a:t>
+            </a:r>
+            <a:r>
+              <a:rPr lang="en-GB" dirty="0" err="1">
+                <a:solidFill>
+                  <a:srgbClr val="000000"/>
+                </a:solidFill>
+                <a:latin typeface="Cascadia Mono" panose="020B0609020000020004" pitchFamily="49" charset="0"/>
+              </a:rPr>
+              <a:t>juce</a:t>
+            </a:r>
+            <a:r>
+              <a:rPr lang="en-GB" dirty="0">
+                <a:solidFill>
+                  <a:srgbClr val="000000"/>
+                </a:solidFill>
+                <a:latin typeface="Cascadia Mono" panose="020B0609020000020004" pitchFamily="49" charset="0"/>
+              </a:rPr>
+              <a:t>::</a:t>
+            </a:r>
+            <a:r>
+              <a:rPr lang="en-GB" dirty="0" err="1">
+                <a:solidFill>
+                  <a:srgbClr val="2B91AF"/>
+                </a:solidFill>
+                <a:latin typeface="Cascadia Mono" panose="020B0609020000020004" pitchFamily="49" charset="0"/>
+              </a:rPr>
+              <a:t>AudioParameterFloat</a:t>
+            </a:r>
+            <a:endParaRPr lang="en-GB" dirty="0">
+              <a:solidFill>
+                <a:srgbClr val="2B91AF"/>
+              </a:solidFill>
+              <a:latin typeface="Cascadia Mono" panose="020B0609020000020004" pitchFamily="49" charset="0"/>
+            </a:endParaRPr>
+          </a:p>
+          <a:p>
+            <a:r>
+              <a:rPr lang="en-GB" dirty="0">
+                <a:solidFill>
+                  <a:srgbClr val="2B91AF"/>
+                </a:solidFill>
+                <a:latin typeface="Cascadia Mono" panose="020B0609020000020004" pitchFamily="49" charset="0"/>
+              </a:rPr>
+              <a:t>  </a:t>
+            </a:r>
+            <a:r>
+              <a:rPr lang="en-GB" dirty="0">
+                <a:solidFill>
+                  <a:srgbClr val="000000"/>
+                </a:solidFill>
+                <a:latin typeface="Cascadia Mono" panose="020B0609020000020004" pitchFamily="49" charset="0"/>
+              </a:rPr>
+              <a:t>(</a:t>
+            </a:r>
+            <a:r>
+              <a:rPr lang="en-GB" dirty="0">
+                <a:solidFill>
+                  <a:srgbClr val="A31515"/>
+                </a:solidFill>
+                <a:latin typeface="Cascadia Mono" panose="020B0609020000020004" pitchFamily="49" charset="0"/>
+              </a:rPr>
+              <a:t>"</a:t>
+            </a:r>
+            <a:r>
+              <a:rPr lang="en-GB" dirty="0" err="1">
+                <a:solidFill>
+                  <a:srgbClr val="A31515"/>
+                </a:solidFill>
+                <a:latin typeface="Cascadia Mono" panose="020B0609020000020004" pitchFamily="49" charset="0"/>
+              </a:rPr>
+              <a:t>carrierFrequency</a:t>
+            </a:r>
+            <a:r>
+              <a:rPr lang="en-GB" dirty="0">
+                <a:solidFill>
+                  <a:srgbClr val="A31515"/>
+                </a:solidFill>
+                <a:latin typeface="Cascadia Mono" panose="020B0609020000020004" pitchFamily="49" charset="0"/>
+              </a:rPr>
+              <a:t>"</a:t>
+            </a:r>
+            <a:r>
+              <a:rPr lang="en-GB" dirty="0">
+                <a:solidFill>
+                  <a:srgbClr val="000000"/>
+                </a:solidFill>
+                <a:latin typeface="Cascadia Mono" panose="020B0609020000020004" pitchFamily="49" charset="0"/>
+              </a:rPr>
+              <a:t>, </a:t>
+            </a:r>
+            <a:r>
+              <a:rPr lang="en-GB" dirty="0">
+                <a:solidFill>
+                  <a:srgbClr val="A31515"/>
+                </a:solidFill>
+                <a:latin typeface="Cascadia Mono" panose="020B0609020000020004" pitchFamily="49" charset="0"/>
+              </a:rPr>
+              <a:t>"Carrier frequency"</a:t>
+            </a:r>
+            <a:r>
+              <a:rPr lang="en-GB" dirty="0">
+                <a:solidFill>
+                  <a:srgbClr val="000000"/>
+                </a:solidFill>
+                <a:latin typeface="Cascadia Mono" panose="020B0609020000020004" pitchFamily="49" charset="0"/>
+              </a:rPr>
+              <a:t>, 50.0f, 2000.0f, 800.0f));</a:t>
+            </a:r>
+          </a:p>
+        </p:txBody>
+      </p:sp>
+    </p:spTree>
+    <p:extLst>
+      <p:ext uri="{BB962C8B-B14F-4D97-AF65-F5344CB8AC3E}">
+        <p14:creationId xmlns:p14="http://schemas.microsoft.com/office/powerpoint/2010/main" val="998146966"/>
+      </p:ext>
+    </p:extLst>
+  </p:cSld>
+  <p:clrMapOvr>
+    <a:masterClrMapping/>
+  </p:clrMapOvr>
+  <p:transition/>
+  <p:timing>
+    <p:tnLst>
+      <p:par>
+        <p:cTn id="1" dur="indefinite" restart="never" nodeType="tmRoot">
+          <p:childTnLst>
+            <p:seq concurrent="1" nextAc="seek">
+              <p:cTn id="2" dur="indefinite" nodeType="mainSeq">
+                <p:childTnLst>
+                  <p:par>
+                    <p:cTn id="3" fill="hold">
+                      <p:stCondLst>
+                        <p:cond delay="indefinite"/>
+                        <p:cond evt="onBegin" delay="0">
+                          <p:tn val="2"/>
+                        </p:cond>
+                      </p:stCondLst>
+                      <p:childTnLst>
+                        <p:par>
+                          <p:cTn id="4" fill="hold">
+                            <p:stCondLst>
+                              <p:cond delay="0"/>
+                            </p:stCondLst>
+                            <p:childTnLst>
+                              <p:par>
+                                <p:cTn id="5" presetID="2" presetClass="exit" presetSubtype="4" fill="hold" grpId="0" nodeType="withEffect">
+                                  <p:stCondLst>
+                                    <p:cond delay="0"/>
+                                  </p:stCondLst>
+                                  <p:childTnLst>
+                                    <p:anim calcmode="lin" valueType="num">
+                                      <p:cBhvr additive="base">
+                                        <p:cTn id="6" dur="500"/>
+                                        <p:tgtEl>
+                                          <p:spTgt spid="10"/>
+                                        </p:tgtEl>
+                                        <p:attrNameLst>
+                                          <p:attrName>ppt_x</p:attrName>
+                                        </p:attrNameLst>
+                                      </p:cBhvr>
+                                      <p:tavLst>
+                                        <p:tav tm="0">
+                                          <p:val>
+                                            <p:strVal val="ppt_x"/>
+                                          </p:val>
+                                        </p:tav>
+                                        <p:tav tm="100000">
+                                          <p:val>
+                                            <p:strVal val="ppt_x"/>
+                                          </p:val>
+                                        </p:tav>
+                                      </p:tavLst>
+                                    </p:anim>
+                                    <p:anim calcmode="lin" valueType="num">
+                                      <p:cBhvr additive="base">
+                                        <p:cTn id="7" dur="500"/>
+                                        <p:tgtEl>
+                                          <p:spTgt spid="10"/>
+                                        </p:tgtEl>
+                                        <p:attrNameLst>
+                                          <p:attrName>ppt_y</p:attrName>
+                                        </p:attrNameLst>
+                                      </p:cBhvr>
+                                      <p:tavLst>
+                                        <p:tav tm="0">
+                                          <p:val>
+                                            <p:strVal val="ppt_y"/>
+                                          </p:val>
+                                        </p:tav>
+                                        <p:tav tm="100000">
+                                          <p:val>
+                                            <p:strVal val="1+ppt_h/2"/>
+                                          </p:val>
+                                        </p:tav>
+                                      </p:tavLst>
+                                    </p:anim>
+                                    <p:set>
+                                      <p:cBhvr>
+                                        <p:cTn id="8" dur="1" fill="hold">
+                                          <p:stCondLst>
+                                            <p:cond delay="499"/>
+                                          </p:stCondLst>
+                                        </p:cTn>
+                                        <p:tgtEl>
+                                          <p:spTgt spid="10"/>
+                                        </p:tgtEl>
+                                        <p:attrNameLst>
+                                          <p:attrName>style.visibility</p:attrName>
+                                        </p:attrNameLst>
+                                      </p:cBhvr>
+                                      <p:to>
+                                        <p:strVal val="hidden"/>
+                                      </p:to>
+                                    </p:set>
+                                  </p:childTnLst>
+                                </p:cTn>
+                              </p:par>
+                              <p:par>
+                                <p:cTn id="9" presetID="2" presetClass="exit" presetSubtype="4" fill="hold" grpId="0" nodeType="withEffect">
+                                  <p:stCondLst>
+                                    <p:cond delay="0"/>
+                                  </p:stCondLst>
+                                  <p:childTnLst>
+                                    <p:anim calcmode="lin" valueType="num">
+                                      <p:cBhvr additive="base">
+                                        <p:cTn id="10" dur="500"/>
+                                        <p:tgtEl>
+                                          <p:spTgt spid="8"/>
+                                        </p:tgtEl>
+                                        <p:attrNameLst>
+                                          <p:attrName>ppt_x</p:attrName>
+                                        </p:attrNameLst>
+                                      </p:cBhvr>
+                                      <p:tavLst>
+                                        <p:tav tm="0">
+                                          <p:val>
+                                            <p:strVal val="ppt_x"/>
+                                          </p:val>
+                                        </p:tav>
+                                        <p:tav tm="100000">
+                                          <p:val>
+                                            <p:strVal val="ppt_x"/>
+                                          </p:val>
+                                        </p:tav>
+                                      </p:tavLst>
+                                    </p:anim>
+                                    <p:anim calcmode="lin" valueType="num">
+                                      <p:cBhvr additive="base">
+                                        <p:cTn id="11" dur="500"/>
+                                        <p:tgtEl>
+                                          <p:spTgt spid="8"/>
+                                        </p:tgtEl>
+                                        <p:attrNameLst>
+                                          <p:attrName>ppt_y</p:attrName>
+                                        </p:attrNameLst>
+                                      </p:cBhvr>
+                                      <p:tavLst>
+                                        <p:tav tm="0">
+                                          <p:val>
+                                            <p:strVal val="ppt_y"/>
+                                          </p:val>
+                                        </p:tav>
+                                        <p:tav tm="100000">
+                                          <p:val>
+                                            <p:strVal val="1+ppt_h/2"/>
+                                          </p:val>
+                                        </p:tav>
+                                      </p:tavLst>
+                                    </p:anim>
+                                    <p:set>
+                                      <p:cBhvr>
+                                        <p:cTn id="12" dur="1" fill="hold">
+                                          <p:stCondLst>
+                                            <p:cond delay="499"/>
+                                          </p:stCondLst>
+                                        </p:cTn>
+                                        <p:tgtEl>
+                                          <p:spTgt spid="8"/>
+                                        </p:tgtEl>
+                                        <p:attrNameLst>
+                                          <p:attrName>style.visibility</p:attrName>
+                                        </p:attrNameLst>
+                                      </p:cBhvr>
+                                      <p:to>
+                                        <p:strVal val="hidden"/>
+                                      </p:to>
+                                    </p:set>
+                                  </p:childTnLst>
+                                </p:cTn>
+                              </p:par>
+                            </p:childTnLst>
+                          </p:cTn>
+                        </p:par>
+                      </p:childTnLst>
+                    </p:cTn>
+                  </p:par>
+                </p:childTnLst>
+              </p:cTn>
+              <p:prevCondLst>
+                <p:cond evt="onPrev" delay="0">
+                  <p:tgtEl>
+                    <p:sldTgt/>
+                  </p:tgtEl>
+                </p:cond>
+              </p:prevCondLst>
+              <p:nextCondLst>
+                <p:cond evt="onNext" delay="0">
+                  <p:tgtEl>
+                    <p:sldTgt/>
+                  </p:tgtEl>
+                </p:cond>
+              </p:nextCondLst>
+            </p:seq>
+          </p:childTnLst>
+        </p:cTn>
+      </p:par>
+    </p:tnLst>
+    <p:bldLst>
+      <p:bldP spid="10" grpId="0"/>
+      <p:bldP spid="8" grpId="0"/>
+    </p:bldLst>
+  </p:timing>
+</p:sld>
+</file>
+
+<file path=ppt/slides/slide6.xml><?xml version="1.0" encoding="utf-8"?>
+<p:sld xmlns:a="http://schemas.openxmlformats.org/drawingml/2006/main" xmlns:r="http://schemas.openxmlformats.org/officeDocument/2006/relationships" xmlns:p="http://schemas.openxmlformats.org/presentationml/2006/main">
+  <p:cSld>
+    <p:spTree>
+      <p:nvGrpSpPr>
+        <p:cNvPr id="1" name=""/>
+        <p:cNvGrpSpPr/>
+        <p:nvPr/>
+      </p:nvGrpSpPr>
+      <p:grpSpPr>
+        <a:xfrm>
+          <a:off x="0" y="0"/>
+          <a:ext cx="0" cy="0"/>
+          <a:chOff x="0" y="0"/>
+          <a:chExt cx="0" cy="0"/>
+        </a:xfrm>
+      </p:grpSpPr>
+      <p:sp>
+        <p:nvSpPr>
+          <p:cNvPr id="2" name="Title 1">
+            <a:extLst>
+              <a:ext uri="{FF2B5EF4-FFF2-40B4-BE49-F238E27FC236}">
+                <a16:creationId xmlns:a16="http://schemas.microsoft.com/office/drawing/2014/main" id="{118C212E-98BB-B9A3-DFE9-B4F95E1EA6F8}"/>
+              </a:ext>
+            </a:extLst>
+          </p:cNvPr>
+          <p:cNvSpPr>
+            <a:spLocks noGrp="1"/>
+          </p:cNvSpPr>
+          <p:nvPr>
+            <p:ph type="title"/>
+          </p:nvPr>
+        </p:nvSpPr>
+        <p:spPr/>
+        <p:txBody>
+          <a:bodyPr/>
+          <a:lstStyle/>
+          <a:p>
+            <a:r>
+              <a:rPr lang="en-GB" dirty="0"/>
+              <a:t>The </a:t>
+            </a:r>
+            <a:r>
+              <a:rPr lang="en-GB" dirty="0" err="1"/>
+              <a:t>ProcessBlock</a:t>
+            </a:r>
+            <a:endParaRPr lang="en-GB" dirty="0"/>
+          </a:p>
+        </p:txBody>
+      </p:sp>
+      <p:sp>
+        <p:nvSpPr>
+          <p:cNvPr id="3" name="Content Placeholder 2">
+            <a:extLst>
+              <a:ext uri="{FF2B5EF4-FFF2-40B4-BE49-F238E27FC236}">
+                <a16:creationId xmlns:a16="http://schemas.microsoft.com/office/drawing/2014/main" id="{FD320413-1026-D741-C185-8E2FCC1E5DDF}"/>
+              </a:ext>
+            </a:extLst>
+          </p:cNvPr>
+          <p:cNvSpPr>
+            <a:spLocks noGrp="1"/>
+          </p:cNvSpPr>
+          <p:nvPr>
+            <p:ph idx="1"/>
+          </p:nvPr>
+        </p:nvSpPr>
+        <p:spPr>
+          <a:xfrm>
+            <a:off x="125706" y="2259428"/>
+            <a:ext cx="11928681" cy="557841"/>
+          </a:xfrm>
+        </p:spPr>
+        <p:txBody>
+          <a:bodyPr>
+            <a:noAutofit/>
+          </a:bodyPr>
+          <a:lstStyle/>
+          <a:p>
+            <a:pPr>
+              <a:lnSpc>
+                <a:spcPct val="100000"/>
+              </a:lnSpc>
+            </a:pPr>
+            <a:r>
+              <a:rPr lang="en-GB" sz="2600" dirty="0">
+                <a:solidFill>
+                  <a:prstClr val="black"/>
+                </a:solidFill>
+              </a:rPr>
+              <a:t>Nothing needed in </a:t>
+            </a:r>
+            <a:r>
+              <a:rPr lang="en-GB" sz="2600" dirty="0" err="1">
+                <a:solidFill>
+                  <a:prstClr val="black"/>
+                </a:solidFill>
+              </a:rPr>
+              <a:t>PrepareToPlay</a:t>
+            </a:r>
+            <a:endParaRPr lang="en-GB" sz="2600" dirty="0">
+              <a:solidFill>
+                <a:prstClr val="black"/>
+              </a:solidFill>
+            </a:endParaRPr>
+          </a:p>
+          <a:p>
+            <a:pPr>
+              <a:lnSpc>
+                <a:spcPct val="100000"/>
+              </a:lnSpc>
+            </a:pPr>
+            <a:endParaRPr lang="en-GB" sz="2600" dirty="0">
+              <a:solidFill>
+                <a:prstClr val="black"/>
+              </a:solidFill>
+            </a:endParaRPr>
+          </a:p>
+          <a:p>
+            <a:pPr>
+              <a:lnSpc>
+                <a:spcPct val="100000"/>
+              </a:lnSpc>
+            </a:pPr>
+            <a:r>
+              <a:rPr lang="en-GB" sz="2600" dirty="0">
+                <a:solidFill>
+                  <a:prstClr val="black"/>
+                </a:solidFill>
+              </a:rPr>
+              <a:t>Set up the basics in the </a:t>
+            </a:r>
+            <a:r>
+              <a:rPr lang="en-GB" sz="2600" dirty="0" err="1">
+                <a:solidFill>
+                  <a:prstClr val="black"/>
+                </a:solidFill>
+              </a:rPr>
+              <a:t>processBlock</a:t>
+            </a:r>
+            <a:r>
+              <a:rPr lang="en-GB" sz="2600" dirty="0">
+                <a:solidFill>
+                  <a:prstClr val="black"/>
+                </a:solidFill>
+              </a:rPr>
+              <a:t> method on pluginProcessor.cpp</a:t>
+            </a:r>
+          </a:p>
+          <a:p>
+            <a:pPr>
+              <a:lnSpc>
+                <a:spcPct val="100000"/>
+              </a:lnSpc>
+            </a:pPr>
+            <a:endParaRPr lang="en-GB" sz="2600" dirty="0">
+              <a:solidFill>
+                <a:prstClr val="black"/>
+              </a:solidFill>
+            </a:endParaRPr>
+          </a:p>
+          <a:p>
+            <a:pPr>
+              <a:lnSpc>
+                <a:spcPct val="100000"/>
+              </a:lnSpc>
+            </a:pPr>
+            <a:endParaRPr lang="en-GB" sz="2600" dirty="0">
+              <a:solidFill>
+                <a:prstClr val="black"/>
+              </a:solidFill>
+            </a:endParaRPr>
+          </a:p>
+          <a:p>
+            <a:pPr>
+              <a:lnSpc>
+                <a:spcPct val="100000"/>
+              </a:lnSpc>
+            </a:pPr>
+            <a:endParaRPr lang="en-GB" sz="2600" dirty="0">
+              <a:solidFill>
+                <a:prstClr val="black"/>
+              </a:solidFill>
+            </a:endParaRPr>
+          </a:p>
+          <a:p>
+            <a:pPr>
+              <a:lnSpc>
+                <a:spcPct val="100000"/>
+              </a:lnSpc>
+            </a:pPr>
+            <a:endParaRPr lang="en-GB" sz="2600" dirty="0">
+              <a:solidFill>
+                <a:prstClr val="black"/>
+              </a:solidFill>
+            </a:endParaRPr>
+          </a:p>
+        </p:txBody>
+      </p:sp>
+      <p:sp>
+        <p:nvSpPr>
+          <p:cNvPr id="10" name="TextBox 9">
+            <a:extLst>
+              <a:ext uri="{FF2B5EF4-FFF2-40B4-BE49-F238E27FC236}">
+                <a16:creationId xmlns:a16="http://schemas.microsoft.com/office/drawing/2014/main" id="{D97B1AAE-913C-6F01-8193-03F17736D115}"/>
+              </a:ext>
+            </a:extLst>
+          </p:cNvPr>
+          <p:cNvSpPr txBox="1"/>
+          <p:nvPr/>
+        </p:nvSpPr>
+        <p:spPr>
+          <a:xfrm>
+            <a:off x="1253707" y="2644741"/>
+            <a:ext cx="9005978" cy="2585323"/>
+          </a:xfrm>
+          <a:prstGeom prst="rect">
+            <a:avLst/>
+          </a:prstGeom>
+          <a:noFill/>
+          <a:ln w="19050">
+            <a:solidFill>
+              <a:srgbClr val="FF0000"/>
+            </a:solidFill>
+          </a:ln>
+        </p:spPr>
+        <p:txBody>
+          <a:bodyPr wrap="square" rtlCol="0">
+            <a:spAutoFit/>
+          </a:bodyPr>
+          <a:lstStyle/>
+          <a:p>
+            <a:r>
+              <a:rPr lang="en-GB" dirty="0">
+                <a:solidFill>
+                  <a:srgbClr val="000000"/>
+                </a:solidFill>
+                <a:latin typeface="Cascadia Mono" panose="020B0609020000020004" pitchFamily="49" charset="0"/>
+              </a:rPr>
+              <a:t>…</a:t>
+            </a:r>
+          </a:p>
+          <a:p>
+            <a:r>
+              <a:rPr lang="en-GB" sz="1800" dirty="0">
+                <a:solidFill>
+                  <a:srgbClr val="0000FF"/>
+                </a:solidFill>
+                <a:latin typeface="Cascadia Mono" panose="020B0609020000020004" pitchFamily="49" charset="0"/>
+              </a:rPr>
+              <a:t>auto</a:t>
+            </a:r>
+            <a:r>
+              <a:rPr lang="en-GB" sz="1800" dirty="0">
+                <a:solidFill>
+                  <a:srgbClr val="000000"/>
+                </a:solidFill>
+                <a:latin typeface="Cascadia Mono" panose="020B0609020000020004" pitchFamily="49" charset="0"/>
+              </a:rPr>
+              <a:t> </a:t>
+            </a:r>
+            <a:r>
+              <a:rPr lang="en-GB" sz="1800" dirty="0" err="1">
+                <a:solidFill>
+                  <a:srgbClr val="000000"/>
+                </a:solidFill>
+                <a:latin typeface="Cascadia Mono" panose="020B0609020000020004" pitchFamily="49" charset="0"/>
+              </a:rPr>
+              <a:t>numInputChannels</a:t>
+            </a:r>
+            <a:r>
+              <a:rPr lang="en-GB" sz="1800" dirty="0">
+                <a:solidFill>
+                  <a:srgbClr val="000000"/>
+                </a:solidFill>
+                <a:latin typeface="Cascadia Mono" panose="020B0609020000020004" pitchFamily="49" charset="0"/>
+              </a:rPr>
+              <a:t>  = </a:t>
+            </a:r>
+            <a:r>
+              <a:rPr lang="en-GB" sz="1800" dirty="0" err="1">
+                <a:solidFill>
+                  <a:srgbClr val="000000"/>
+                </a:solidFill>
+                <a:latin typeface="Cascadia Mono" panose="020B0609020000020004" pitchFamily="49" charset="0"/>
+              </a:rPr>
+              <a:t>getTotalNumInputChannels</a:t>
+            </a:r>
+            <a:r>
+              <a:rPr lang="en-GB" sz="1800" dirty="0">
+                <a:solidFill>
+                  <a:srgbClr val="000000"/>
+                </a:solidFill>
+                <a:latin typeface="Cascadia Mono" panose="020B0609020000020004" pitchFamily="49" charset="0"/>
+              </a:rPr>
+              <a:t>();</a:t>
+            </a:r>
+          </a:p>
+          <a:p>
+            <a:r>
+              <a:rPr lang="en-GB" sz="1800" dirty="0">
+                <a:solidFill>
+                  <a:srgbClr val="0000FF"/>
+                </a:solidFill>
+                <a:latin typeface="Cascadia Mono" panose="020B0609020000020004" pitchFamily="49" charset="0"/>
+              </a:rPr>
+              <a:t>auto</a:t>
+            </a:r>
+            <a:r>
+              <a:rPr lang="en-GB" sz="1800" dirty="0">
+                <a:solidFill>
+                  <a:srgbClr val="000000"/>
+                </a:solidFill>
+                <a:latin typeface="Cascadia Mono" panose="020B0609020000020004" pitchFamily="49" charset="0"/>
+              </a:rPr>
+              <a:t> </a:t>
+            </a:r>
+            <a:r>
+              <a:rPr lang="en-GB" sz="1800" dirty="0" err="1">
+                <a:solidFill>
+                  <a:srgbClr val="000000"/>
+                </a:solidFill>
+                <a:latin typeface="Cascadia Mono" panose="020B0609020000020004" pitchFamily="49" charset="0"/>
+              </a:rPr>
+              <a:t>numOutputChannels</a:t>
+            </a:r>
+            <a:r>
+              <a:rPr lang="en-GB" sz="1800" dirty="0">
+                <a:solidFill>
+                  <a:srgbClr val="000000"/>
+                </a:solidFill>
+                <a:latin typeface="Cascadia Mono" panose="020B0609020000020004" pitchFamily="49" charset="0"/>
+              </a:rPr>
+              <a:t> = </a:t>
+            </a:r>
+            <a:r>
+              <a:rPr lang="en-GB" sz="1800" dirty="0" err="1">
+                <a:solidFill>
+                  <a:srgbClr val="000000"/>
+                </a:solidFill>
+                <a:latin typeface="Cascadia Mono" panose="020B0609020000020004" pitchFamily="49" charset="0"/>
+              </a:rPr>
+              <a:t>getTotalNumOutputChannels</a:t>
+            </a:r>
+            <a:r>
+              <a:rPr lang="en-GB" sz="1800" dirty="0">
+                <a:solidFill>
+                  <a:srgbClr val="000000"/>
+                </a:solidFill>
+                <a:latin typeface="Cascadia Mono" panose="020B0609020000020004" pitchFamily="49" charset="0"/>
+              </a:rPr>
+              <a:t>();</a:t>
+            </a:r>
+          </a:p>
+          <a:p>
+            <a:r>
+              <a:rPr lang="en-GB" sz="1800" dirty="0">
+                <a:solidFill>
+                  <a:srgbClr val="0000FF"/>
+                </a:solidFill>
+                <a:latin typeface="Cascadia Mono" panose="020B0609020000020004" pitchFamily="49" charset="0"/>
+              </a:rPr>
+              <a:t>float</a:t>
+            </a:r>
+            <a:r>
+              <a:rPr lang="en-GB" sz="1800" dirty="0">
+                <a:solidFill>
+                  <a:srgbClr val="000000"/>
+                </a:solidFill>
+                <a:latin typeface="Cascadia Mono" panose="020B0609020000020004" pitchFamily="49" charset="0"/>
+              </a:rPr>
+              <a:t> </a:t>
+            </a:r>
+            <a:r>
+              <a:rPr lang="en-GB" sz="1800" dirty="0" err="1">
+                <a:solidFill>
+                  <a:srgbClr val="000000"/>
+                </a:solidFill>
+                <a:latin typeface="Cascadia Mono" panose="020B0609020000020004" pitchFamily="49" charset="0"/>
+              </a:rPr>
+              <a:t>sampleRate</a:t>
+            </a:r>
+            <a:r>
+              <a:rPr lang="en-GB" sz="1800" dirty="0">
+                <a:solidFill>
+                  <a:srgbClr val="000000"/>
+                </a:solidFill>
+                <a:latin typeface="Cascadia Mono" panose="020B0609020000020004" pitchFamily="49" charset="0"/>
+              </a:rPr>
+              <a:t> = (</a:t>
+            </a:r>
+            <a:r>
+              <a:rPr lang="en-GB" sz="1800" dirty="0">
+                <a:solidFill>
+                  <a:srgbClr val="0000FF"/>
+                </a:solidFill>
+                <a:latin typeface="Cascadia Mono" panose="020B0609020000020004" pitchFamily="49" charset="0"/>
+              </a:rPr>
+              <a:t>float</a:t>
+            </a:r>
+            <a:r>
+              <a:rPr lang="en-GB" sz="1800" dirty="0">
+                <a:solidFill>
+                  <a:srgbClr val="000000"/>
+                </a:solidFill>
+                <a:latin typeface="Cascadia Mono" panose="020B0609020000020004" pitchFamily="49" charset="0"/>
+              </a:rPr>
+              <a:t>) </a:t>
+            </a:r>
+            <a:r>
+              <a:rPr lang="en-GB" sz="1800" dirty="0" err="1">
+                <a:solidFill>
+                  <a:srgbClr val="000000"/>
+                </a:solidFill>
+                <a:latin typeface="Cascadia Mono" panose="020B0609020000020004" pitchFamily="49" charset="0"/>
+              </a:rPr>
+              <a:t>juce</a:t>
+            </a:r>
+            <a:r>
+              <a:rPr lang="en-GB" sz="1800" dirty="0">
+                <a:solidFill>
+                  <a:srgbClr val="000000"/>
+                </a:solidFill>
+                <a:latin typeface="Cascadia Mono" panose="020B0609020000020004" pitchFamily="49" charset="0"/>
+              </a:rPr>
+              <a:t>::</a:t>
+            </a:r>
+            <a:r>
+              <a:rPr lang="en-GB" sz="1800" dirty="0" err="1">
+                <a:solidFill>
+                  <a:srgbClr val="2B91AF"/>
+                </a:solidFill>
+                <a:latin typeface="Cascadia Mono" panose="020B0609020000020004" pitchFamily="49" charset="0"/>
+              </a:rPr>
+              <a:t>AudioProcessor</a:t>
+            </a:r>
+            <a:r>
+              <a:rPr lang="en-GB" sz="1800" dirty="0">
+                <a:solidFill>
+                  <a:srgbClr val="000000"/>
+                </a:solidFill>
+                <a:latin typeface="Cascadia Mono" panose="020B0609020000020004" pitchFamily="49" charset="0"/>
+              </a:rPr>
+              <a:t>::</a:t>
+            </a:r>
+            <a:r>
+              <a:rPr lang="en-GB" sz="1800" dirty="0" err="1">
+                <a:solidFill>
+                  <a:srgbClr val="000000"/>
+                </a:solidFill>
+                <a:latin typeface="Cascadia Mono" panose="020B0609020000020004" pitchFamily="49" charset="0"/>
+              </a:rPr>
+              <a:t>getSampleRate</a:t>
+            </a:r>
+            <a:r>
+              <a:rPr lang="en-GB" sz="1800" dirty="0">
+                <a:solidFill>
+                  <a:srgbClr val="000000"/>
+                </a:solidFill>
+                <a:latin typeface="Cascadia Mono" panose="020B0609020000020004" pitchFamily="49" charset="0"/>
+              </a:rPr>
+              <a:t>();</a:t>
+            </a:r>
+          </a:p>
+          <a:p>
+            <a:endParaRPr lang="en-GB" sz="1800" dirty="0">
+              <a:solidFill>
+                <a:srgbClr val="000000"/>
+              </a:solidFill>
+              <a:latin typeface="Cascadia Mono" panose="020B0609020000020004" pitchFamily="49" charset="0"/>
+            </a:endParaRPr>
+          </a:p>
+          <a:p>
+            <a:r>
+              <a:rPr lang="en-GB" sz="1800" dirty="0">
+                <a:solidFill>
+                  <a:srgbClr val="0000FF"/>
+                </a:solidFill>
+                <a:latin typeface="Cascadia Mono" panose="020B0609020000020004" pitchFamily="49" charset="0"/>
+              </a:rPr>
+              <a:t>float</a:t>
+            </a:r>
+            <a:r>
+              <a:rPr lang="en-GB" sz="1800" dirty="0">
+                <a:solidFill>
+                  <a:srgbClr val="000000"/>
+                </a:solidFill>
+                <a:latin typeface="Cascadia Mono" panose="020B0609020000020004" pitchFamily="49" charset="0"/>
+              </a:rPr>
+              <a:t> </a:t>
+            </a:r>
+            <a:r>
+              <a:rPr lang="en-GB" sz="1800" dirty="0" err="1">
+                <a:solidFill>
+                  <a:srgbClr val="000000"/>
+                </a:solidFill>
+                <a:latin typeface="Cascadia Mono" panose="020B0609020000020004" pitchFamily="49" charset="0"/>
+              </a:rPr>
+              <a:t>modulationDepth</a:t>
+            </a:r>
+            <a:r>
+              <a:rPr lang="en-GB" sz="1800" dirty="0">
+                <a:solidFill>
+                  <a:srgbClr val="000000"/>
+                </a:solidFill>
+                <a:latin typeface="Cascadia Mono" panose="020B0609020000020004" pitchFamily="49" charset="0"/>
+              </a:rPr>
+              <a:t> = </a:t>
+            </a:r>
+            <a:r>
+              <a:rPr lang="en-GB" sz="1800" dirty="0" err="1">
+                <a:solidFill>
+                  <a:srgbClr val="000000"/>
+                </a:solidFill>
+                <a:latin typeface="Cascadia Mono" panose="020B0609020000020004" pitchFamily="49" charset="0"/>
+              </a:rPr>
+              <a:t>modulationDepthParam</a:t>
+            </a:r>
+            <a:r>
+              <a:rPr lang="en-GB" sz="1800" dirty="0">
+                <a:solidFill>
+                  <a:srgbClr val="000000"/>
+                </a:solidFill>
+                <a:latin typeface="Cascadia Mono" panose="020B0609020000020004" pitchFamily="49" charset="0"/>
+              </a:rPr>
+              <a:t>-&gt;get();</a:t>
+            </a:r>
+          </a:p>
+          <a:p>
+            <a:r>
+              <a:rPr lang="en-GB" sz="1800" dirty="0">
+                <a:solidFill>
+                  <a:srgbClr val="0000FF"/>
+                </a:solidFill>
+                <a:latin typeface="Cascadia Mono" panose="020B0609020000020004" pitchFamily="49" charset="0"/>
+              </a:rPr>
+              <a:t>float</a:t>
+            </a:r>
+            <a:r>
+              <a:rPr lang="en-GB" sz="1800" dirty="0">
+                <a:solidFill>
+                  <a:srgbClr val="000000"/>
+                </a:solidFill>
+                <a:latin typeface="Cascadia Mono" panose="020B0609020000020004" pitchFamily="49" charset="0"/>
+              </a:rPr>
+              <a:t> </a:t>
+            </a:r>
+            <a:r>
+              <a:rPr lang="en-GB" sz="1800" dirty="0" err="1">
+                <a:solidFill>
+                  <a:srgbClr val="000000"/>
+                </a:solidFill>
+                <a:latin typeface="Cascadia Mono" panose="020B0609020000020004" pitchFamily="49" charset="0"/>
+              </a:rPr>
+              <a:t>modulatorFrequency</a:t>
+            </a:r>
+            <a:r>
+              <a:rPr lang="en-GB" sz="1800" dirty="0">
+                <a:solidFill>
+                  <a:srgbClr val="000000"/>
+                </a:solidFill>
+                <a:latin typeface="Cascadia Mono" panose="020B0609020000020004" pitchFamily="49" charset="0"/>
+              </a:rPr>
+              <a:t> = </a:t>
+            </a:r>
+            <a:r>
+              <a:rPr lang="en-GB" sz="1800" dirty="0" err="1">
+                <a:solidFill>
+                  <a:srgbClr val="000000"/>
+                </a:solidFill>
+                <a:latin typeface="Cascadia Mono" panose="020B0609020000020004" pitchFamily="49" charset="0"/>
+              </a:rPr>
+              <a:t>modulatorFrequencyParam</a:t>
+            </a:r>
+            <a:r>
+              <a:rPr lang="en-GB" sz="1800" dirty="0">
+                <a:solidFill>
+                  <a:srgbClr val="000000"/>
+                </a:solidFill>
+                <a:latin typeface="Cascadia Mono" panose="020B0609020000020004" pitchFamily="49" charset="0"/>
+              </a:rPr>
+              <a:t>-&gt;get();</a:t>
+            </a:r>
+          </a:p>
+          <a:p>
+            <a:r>
+              <a:rPr lang="en-GB" sz="1800" dirty="0">
+                <a:solidFill>
+                  <a:srgbClr val="0000FF"/>
+                </a:solidFill>
+                <a:latin typeface="Cascadia Mono" panose="020B0609020000020004" pitchFamily="49" charset="0"/>
+              </a:rPr>
+              <a:t>float</a:t>
+            </a:r>
+            <a:r>
+              <a:rPr lang="en-GB" sz="1800" dirty="0">
+                <a:solidFill>
+                  <a:srgbClr val="000000"/>
+                </a:solidFill>
+                <a:latin typeface="Cascadia Mono" panose="020B0609020000020004" pitchFamily="49" charset="0"/>
+              </a:rPr>
+              <a:t> </a:t>
+            </a:r>
+            <a:r>
+              <a:rPr lang="en-GB" sz="1800" dirty="0" err="1">
+                <a:solidFill>
+                  <a:srgbClr val="000000"/>
+                </a:solidFill>
+                <a:latin typeface="Cascadia Mono" panose="020B0609020000020004" pitchFamily="49" charset="0"/>
+              </a:rPr>
+              <a:t>carrierFrequency</a:t>
+            </a:r>
+            <a:r>
+              <a:rPr lang="en-GB" sz="1800" dirty="0">
+                <a:solidFill>
+                  <a:srgbClr val="000000"/>
+                </a:solidFill>
+                <a:latin typeface="Cascadia Mono" panose="020B0609020000020004" pitchFamily="49" charset="0"/>
+              </a:rPr>
+              <a:t> = </a:t>
+            </a:r>
+            <a:r>
+              <a:rPr lang="en-GB" sz="1800" dirty="0" err="1">
+                <a:solidFill>
+                  <a:srgbClr val="000000"/>
+                </a:solidFill>
+                <a:latin typeface="Cascadia Mono" panose="020B0609020000020004" pitchFamily="49" charset="0"/>
+              </a:rPr>
+              <a:t>carrierFrequencyParam</a:t>
+            </a:r>
+            <a:r>
+              <a:rPr lang="en-GB" sz="1800" dirty="0">
+                <a:solidFill>
+                  <a:srgbClr val="000000"/>
+                </a:solidFill>
+                <a:latin typeface="Cascadia Mono" panose="020B0609020000020004" pitchFamily="49" charset="0"/>
+              </a:rPr>
+              <a:t>-&gt;get();</a:t>
+            </a:r>
+          </a:p>
+          <a:p>
+            <a:r>
+              <a:rPr lang="en-GB" dirty="0">
+                <a:solidFill>
+                  <a:srgbClr val="000000"/>
+                </a:solidFill>
+                <a:latin typeface="Cascadia Mono" panose="020B0609020000020004" pitchFamily="49" charset="0"/>
+              </a:rPr>
+              <a:t>…</a:t>
+            </a:r>
+            <a:endParaRPr lang="en-GB" sz="1200" dirty="0">
+              <a:solidFill>
+                <a:srgbClr val="000000"/>
+              </a:solidFill>
+              <a:latin typeface="Cascadia Mono" panose="020B0609020000020004" pitchFamily="49" charset="0"/>
+            </a:endParaRPr>
+          </a:p>
+        </p:txBody>
+      </p:sp>
+    </p:spTree>
+    <p:extLst>
+      <p:ext uri="{BB962C8B-B14F-4D97-AF65-F5344CB8AC3E}">
+        <p14:creationId xmlns:p14="http://schemas.microsoft.com/office/powerpoint/2010/main" val="2448056661"/>
+      </p:ext>
+    </p:extLst>
+  </p:cSld>
+  <p:clrMapOvr>
+    <a:masterClrMapping/>
+  </p:clrMapOvr>
+  <p:transition/>
+</p:sld>
+</file>
+
+<file path=ppt/slides/slide7.xml><?xml version="1.0" encoding="utf-8"?>
+<p:sld xmlns:a="http://schemas.openxmlformats.org/drawingml/2006/main" xmlns:r="http://schemas.openxmlformats.org/officeDocument/2006/relationships" xmlns:p="http://schemas.openxmlformats.org/presentationml/2006/main">
+  <p:cSld>
+    <p:spTree>
+      <p:nvGrpSpPr>
+        <p:cNvPr id="1" name=""/>
+        <p:cNvGrpSpPr/>
+        <p:nvPr/>
+      </p:nvGrpSpPr>
+      <p:grpSpPr>
+        <a:xfrm>
+          <a:off x="0" y="0"/>
+          <a:ext cx="0" cy="0"/>
+          <a:chOff x="0" y="0"/>
+          <a:chExt cx="0" cy="0"/>
+        </a:xfrm>
+      </p:grpSpPr>
+      <p:sp>
+        <p:nvSpPr>
+          <p:cNvPr id="2" name="Title 1">
+            <a:extLst>
+              <a:ext uri="{FF2B5EF4-FFF2-40B4-BE49-F238E27FC236}">
+                <a16:creationId xmlns:a16="http://schemas.microsoft.com/office/drawing/2014/main" id="{118C212E-98BB-B9A3-DFE9-B4F95E1EA6F8}"/>
+              </a:ext>
+            </a:extLst>
+          </p:cNvPr>
+          <p:cNvSpPr>
+            <a:spLocks noGrp="1"/>
+          </p:cNvSpPr>
+          <p:nvPr>
+            <p:ph type="title"/>
+          </p:nvPr>
+        </p:nvSpPr>
+        <p:spPr/>
+        <p:txBody>
+          <a:bodyPr/>
+          <a:lstStyle/>
+          <a:p>
+            <a:r>
+              <a:rPr lang="en-GB" dirty="0"/>
+              <a:t>The </a:t>
+            </a:r>
+            <a:r>
+              <a:rPr lang="en-GB" dirty="0" err="1"/>
+              <a:t>ProcessBlock</a:t>
+            </a:r>
+            <a:endParaRPr lang="en-GB" dirty="0"/>
+          </a:p>
+        </p:txBody>
+      </p:sp>
+      <p:sp>
+        <p:nvSpPr>
+          <p:cNvPr id="3" name="Content Placeholder 2">
+            <a:extLst>
+              <a:ext uri="{FF2B5EF4-FFF2-40B4-BE49-F238E27FC236}">
+                <a16:creationId xmlns:a16="http://schemas.microsoft.com/office/drawing/2014/main" id="{FD320413-1026-D741-C185-8E2FCC1E5DDF}"/>
+              </a:ext>
+            </a:extLst>
+          </p:cNvPr>
+          <p:cNvSpPr>
+            <a:spLocks noGrp="1"/>
+          </p:cNvSpPr>
+          <p:nvPr>
+            <p:ph idx="1"/>
+          </p:nvPr>
+        </p:nvSpPr>
+        <p:spPr>
+          <a:xfrm>
+            <a:off x="83345" y="759126"/>
+            <a:ext cx="11562316" cy="1667772"/>
+          </a:xfrm>
+        </p:spPr>
+        <p:txBody>
+          <a:bodyPr>
+            <a:noAutofit/>
+          </a:bodyPr>
+          <a:lstStyle/>
+          <a:p>
+            <a:pPr>
+              <a:lnSpc>
+                <a:spcPct val="100000"/>
+              </a:lnSpc>
+            </a:pPr>
+            <a:r>
+              <a:rPr lang="en-GB" sz="2600" dirty="0">
+                <a:solidFill>
+                  <a:prstClr val="black"/>
+                </a:solidFill>
+              </a:rPr>
+              <a:t>Finally, generate output samples using FM synthesis</a:t>
+            </a:r>
+          </a:p>
+        </p:txBody>
+      </p:sp>
+      <p:sp>
+        <p:nvSpPr>
+          <p:cNvPr id="7" name="TextBox 6">
+            <a:extLst>
+              <a:ext uri="{FF2B5EF4-FFF2-40B4-BE49-F238E27FC236}">
+                <a16:creationId xmlns:a16="http://schemas.microsoft.com/office/drawing/2014/main" id="{02B7BB30-0598-684D-1D5A-4B9C6BFF64D8}"/>
+              </a:ext>
+            </a:extLst>
+          </p:cNvPr>
+          <p:cNvSpPr txBox="1"/>
+          <p:nvPr/>
+        </p:nvSpPr>
+        <p:spPr>
+          <a:xfrm>
+            <a:off x="606680" y="2193292"/>
+            <a:ext cx="10734181" cy="3693319"/>
+          </a:xfrm>
+          <a:prstGeom prst="rect">
+            <a:avLst/>
+          </a:prstGeom>
+          <a:noFill/>
+          <a:ln w="19050">
+            <a:solidFill>
+              <a:srgbClr val="FF0000"/>
+            </a:solidFill>
+          </a:ln>
+        </p:spPr>
+        <p:txBody>
+          <a:bodyPr wrap="square" rtlCol="0">
+            <a:spAutoFit/>
+          </a:bodyPr>
+          <a:lstStyle/>
+          <a:p>
+            <a:r>
+              <a:rPr lang="en-GB" sz="1800" dirty="0">
+                <a:solidFill>
+                  <a:srgbClr val="0000FF"/>
+                </a:solidFill>
+                <a:latin typeface="Cascadia Mono" panose="020B0609020000020004" pitchFamily="49" charset="0"/>
+              </a:rPr>
+              <a:t>for</a:t>
+            </a:r>
+            <a:r>
+              <a:rPr lang="en-GB" sz="1800" dirty="0">
+                <a:solidFill>
+                  <a:srgbClr val="000000"/>
+                </a:solidFill>
+                <a:latin typeface="Cascadia Mono" panose="020B0609020000020004" pitchFamily="49" charset="0"/>
+              </a:rPr>
+              <a:t> (</a:t>
+            </a:r>
+            <a:r>
+              <a:rPr lang="en-GB" sz="1800" dirty="0">
+                <a:solidFill>
+                  <a:srgbClr val="0000FF"/>
+                </a:solidFill>
+                <a:latin typeface="Cascadia Mono" panose="020B0609020000020004" pitchFamily="49" charset="0"/>
+              </a:rPr>
+              <a:t>int</a:t>
+            </a:r>
+            <a:r>
+              <a:rPr lang="en-GB" sz="1800" dirty="0">
+                <a:solidFill>
+                  <a:srgbClr val="000000"/>
+                </a:solidFill>
+                <a:latin typeface="Cascadia Mono" panose="020B0609020000020004" pitchFamily="49" charset="0"/>
+              </a:rPr>
+              <a:t> </a:t>
+            </a:r>
+            <a:r>
+              <a:rPr lang="en-GB" sz="1800" dirty="0" err="1">
+                <a:solidFill>
+                  <a:srgbClr val="000000"/>
+                </a:solidFill>
+                <a:latin typeface="Cascadia Mono" panose="020B0609020000020004" pitchFamily="49" charset="0"/>
+              </a:rPr>
+              <a:t>i</a:t>
+            </a:r>
+            <a:r>
+              <a:rPr lang="en-GB" sz="1800" dirty="0">
+                <a:solidFill>
+                  <a:srgbClr val="000000"/>
+                </a:solidFill>
+                <a:latin typeface="Cascadia Mono" panose="020B0609020000020004" pitchFamily="49" charset="0"/>
+              </a:rPr>
+              <a:t> = 0; </a:t>
+            </a:r>
+            <a:r>
+              <a:rPr lang="en-GB" sz="1800" dirty="0" err="1">
+                <a:solidFill>
+                  <a:srgbClr val="000000"/>
+                </a:solidFill>
+                <a:latin typeface="Cascadia Mono" panose="020B0609020000020004" pitchFamily="49" charset="0"/>
+              </a:rPr>
+              <a:t>i</a:t>
+            </a:r>
+            <a:r>
+              <a:rPr lang="en-GB" sz="1800" dirty="0">
+                <a:solidFill>
+                  <a:srgbClr val="000000"/>
+                </a:solidFill>
+                <a:latin typeface="Cascadia Mono" panose="020B0609020000020004" pitchFamily="49" charset="0"/>
+              </a:rPr>
+              <a:t> &lt; </a:t>
+            </a:r>
+            <a:r>
+              <a:rPr lang="en-GB" sz="1800" dirty="0" err="1">
+                <a:solidFill>
+                  <a:srgbClr val="808080"/>
+                </a:solidFill>
+                <a:latin typeface="Cascadia Mono" panose="020B0609020000020004" pitchFamily="49" charset="0"/>
+              </a:rPr>
+              <a:t>buffer</a:t>
+            </a:r>
+            <a:r>
+              <a:rPr lang="en-GB" sz="1800" dirty="0" err="1">
+                <a:solidFill>
+                  <a:srgbClr val="000000"/>
+                </a:solidFill>
+                <a:latin typeface="Cascadia Mono" panose="020B0609020000020004" pitchFamily="49" charset="0"/>
+              </a:rPr>
+              <a:t>.getNumSamples</a:t>
+            </a:r>
+            <a:r>
+              <a:rPr lang="en-GB" sz="1800" dirty="0">
+                <a:solidFill>
+                  <a:srgbClr val="000000"/>
+                </a:solidFill>
+                <a:latin typeface="Cascadia Mono" panose="020B0609020000020004" pitchFamily="49" charset="0"/>
+              </a:rPr>
+              <a:t>(); ++</a:t>
+            </a:r>
+            <a:r>
+              <a:rPr lang="en-GB" sz="1800" dirty="0" err="1">
+                <a:solidFill>
+                  <a:srgbClr val="000000"/>
+                </a:solidFill>
+                <a:latin typeface="Cascadia Mono" panose="020B0609020000020004" pitchFamily="49" charset="0"/>
+              </a:rPr>
+              <a:t>i</a:t>
+            </a:r>
+            <a:r>
+              <a:rPr lang="en-GB" sz="1800" dirty="0">
+                <a:solidFill>
+                  <a:srgbClr val="000000"/>
+                </a:solidFill>
+                <a:latin typeface="Cascadia Mono" panose="020B0609020000020004" pitchFamily="49" charset="0"/>
+              </a:rPr>
+              <a:t>) {</a:t>
+            </a:r>
+          </a:p>
+          <a:p>
+            <a:r>
+              <a:rPr lang="en-GB" sz="1800" dirty="0">
+                <a:solidFill>
+                  <a:srgbClr val="000000"/>
+                </a:solidFill>
+                <a:latin typeface="Cascadia Mono" panose="020B0609020000020004" pitchFamily="49" charset="0"/>
+              </a:rPr>
+              <a:t>  </a:t>
+            </a:r>
+            <a:r>
+              <a:rPr lang="en-GB" sz="1800" dirty="0" err="1">
+                <a:solidFill>
+                  <a:srgbClr val="000000"/>
+                </a:solidFill>
+                <a:latin typeface="Cascadia Mono" panose="020B0609020000020004" pitchFamily="49" charset="0"/>
+              </a:rPr>
+              <a:t>modulatorSignal</a:t>
+            </a:r>
+            <a:r>
+              <a:rPr lang="en-GB" sz="1800" dirty="0">
+                <a:solidFill>
+                  <a:srgbClr val="000000"/>
+                </a:solidFill>
+                <a:latin typeface="Cascadia Mono" panose="020B0609020000020004" pitchFamily="49" charset="0"/>
+              </a:rPr>
+              <a:t> = </a:t>
+            </a:r>
+          </a:p>
+          <a:p>
+            <a:r>
+              <a:rPr lang="en-GB" dirty="0">
+                <a:solidFill>
+                  <a:srgbClr val="000000"/>
+                </a:solidFill>
+                <a:latin typeface="Cascadia Mono" panose="020B0609020000020004" pitchFamily="49" charset="0"/>
+              </a:rPr>
+              <a:t>    </a:t>
+            </a:r>
+            <a:r>
+              <a:rPr lang="en-GB" sz="1800" dirty="0" err="1">
+                <a:solidFill>
+                  <a:srgbClr val="000000"/>
+                </a:solidFill>
+                <a:latin typeface="Cascadia Mono" panose="020B0609020000020004" pitchFamily="49" charset="0"/>
+              </a:rPr>
+              <a:t>modulationDepth</a:t>
+            </a:r>
+            <a:r>
+              <a:rPr lang="en-GB" sz="1800" dirty="0">
+                <a:solidFill>
+                  <a:srgbClr val="000000"/>
+                </a:solidFill>
+                <a:latin typeface="Cascadia Mono" panose="020B0609020000020004" pitchFamily="49" charset="0"/>
+              </a:rPr>
+              <a:t> * </a:t>
+            </a:r>
+            <a:r>
+              <a:rPr lang="en-GB" sz="1800" dirty="0" err="1">
+                <a:solidFill>
+                  <a:srgbClr val="000000"/>
+                </a:solidFill>
+                <a:latin typeface="Cascadia Mono" panose="020B0609020000020004" pitchFamily="49" charset="0"/>
+              </a:rPr>
+              <a:t>sinf</a:t>
+            </a:r>
+            <a:r>
+              <a:rPr lang="en-GB" sz="1800" dirty="0">
+                <a:solidFill>
+                  <a:srgbClr val="000000"/>
+                </a:solidFill>
+                <a:latin typeface="Cascadia Mono" panose="020B0609020000020004" pitchFamily="49" charset="0"/>
+              </a:rPr>
+              <a:t>(</a:t>
+            </a:r>
+            <a:r>
+              <a:rPr lang="en-GB" sz="1800" dirty="0" err="1">
+                <a:solidFill>
+                  <a:srgbClr val="000000"/>
+                </a:solidFill>
+                <a:latin typeface="Cascadia Mono" panose="020B0609020000020004" pitchFamily="49" charset="0"/>
+              </a:rPr>
+              <a:t>juce</a:t>
+            </a:r>
+            <a:r>
+              <a:rPr lang="en-GB" sz="1800" dirty="0">
+                <a:solidFill>
+                  <a:srgbClr val="000000"/>
+                </a:solidFill>
+                <a:latin typeface="Cascadia Mono" panose="020B0609020000020004" pitchFamily="49" charset="0"/>
+              </a:rPr>
+              <a:t>::</a:t>
+            </a:r>
+            <a:r>
+              <a:rPr lang="en-GB" sz="1800" dirty="0" err="1">
+                <a:solidFill>
+                  <a:srgbClr val="2B91AF"/>
+                </a:solidFill>
+                <a:latin typeface="Cascadia Mono" panose="020B0609020000020004" pitchFamily="49" charset="0"/>
+              </a:rPr>
+              <a:t>MathConstants</a:t>
+            </a:r>
+            <a:r>
+              <a:rPr lang="en-GB" sz="1800" dirty="0">
+                <a:solidFill>
+                  <a:srgbClr val="000000"/>
+                </a:solidFill>
+                <a:latin typeface="Cascadia Mono" panose="020B0609020000020004" pitchFamily="49" charset="0"/>
+              </a:rPr>
+              <a:t>&lt;</a:t>
+            </a:r>
+            <a:r>
+              <a:rPr lang="en-GB" sz="1800" dirty="0">
+                <a:solidFill>
+                  <a:srgbClr val="0000FF"/>
+                </a:solidFill>
+                <a:latin typeface="Cascadia Mono" panose="020B0609020000020004" pitchFamily="49" charset="0"/>
+              </a:rPr>
+              <a:t>float</a:t>
+            </a:r>
+            <a:r>
+              <a:rPr lang="en-GB" sz="1800" dirty="0">
+                <a:solidFill>
+                  <a:srgbClr val="000000"/>
+                </a:solidFill>
+                <a:latin typeface="Cascadia Mono" panose="020B0609020000020004" pitchFamily="49" charset="0"/>
+              </a:rPr>
+              <a:t>&gt;::</a:t>
+            </a:r>
+            <a:r>
+              <a:rPr lang="en-GB" sz="1800" dirty="0" err="1">
+                <a:solidFill>
+                  <a:srgbClr val="000000"/>
+                </a:solidFill>
+                <a:latin typeface="Cascadia Mono" panose="020B0609020000020004" pitchFamily="49" charset="0"/>
+              </a:rPr>
+              <a:t>twoPi</a:t>
+            </a:r>
+            <a:r>
+              <a:rPr lang="en-GB" sz="1800" dirty="0">
+                <a:solidFill>
+                  <a:srgbClr val="000000"/>
+                </a:solidFill>
+                <a:latin typeface="Cascadia Mono" panose="020B0609020000020004" pitchFamily="49" charset="0"/>
+              </a:rPr>
+              <a:t> * </a:t>
+            </a:r>
+            <a:r>
+              <a:rPr lang="en-GB" sz="1800" dirty="0" err="1">
+                <a:solidFill>
+                  <a:srgbClr val="000000"/>
+                </a:solidFill>
+                <a:latin typeface="Cascadia Mono" panose="020B0609020000020004" pitchFamily="49" charset="0"/>
+              </a:rPr>
+              <a:t>modulatorPhase</a:t>
+            </a:r>
+            <a:r>
+              <a:rPr lang="en-GB" sz="1800" dirty="0">
+                <a:solidFill>
+                  <a:srgbClr val="000000"/>
+                </a:solidFill>
+                <a:latin typeface="Cascadia Mono" panose="020B0609020000020004" pitchFamily="49" charset="0"/>
+              </a:rPr>
+              <a:t>);</a:t>
+            </a:r>
+          </a:p>
+          <a:p>
+            <a:r>
+              <a:rPr lang="en-GB" sz="1800" dirty="0">
+                <a:solidFill>
+                  <a:srgbClr val="000000"/>
+                </a:solidFill>
+                <a:latin typeface="Cascadia Mono" panose="020B0609020000020004" pitchFamily="49" charset="0"/>
+              </a:rPr>
+              <a:t>  </a:t>
+            </a:r>
+            <a:r>
+              <a:rPr lang="en-GB" sz="1800" dirty="0" err="1">
+                <a:solidFill>
+                  <a:srgbClr val="000000"/>
+                </a:solidFill>
+                <a:latin typeface="Cascadia Mono" panose="020B0609020000020004" pitchFamily="49" charset="0"/>
+              </a:rPr>
+              <a:t>modulatedCarrierSignal</a:t>
+            </a:r>
+            <a:r>
+              <a:rPr lang="en-GB" sz="1800" dirty="0">
+                <a:solidFill>
+                  <a:srgbClr val="000000"/>
+                </a:solidFill>
+                <a:latin typeface="Cascadia Mono" panose="020B0609020000020004" pitchFamily="49" charset="0"/>
+              </a:rPr>
+              <a:t> = </a:t>
+            </a:r>
+          </a:p>
+          <a:p>
+            <a:r>
+              <a:rPr lang="en-GB" dirty="0">
+                <a:solidFill>
+                  <a:srgbClr val="000000"/>
+                </a:solidFill>
+                <a:latin typeface="Cascadia Mono" panose="020B0609020000020004" pitchFamily="49" charset="0"/>
+              </a:rPr>
+              <a:t>    </a:t>
+            </a:r>
+            <a:r>
+              <a:rPr lang="en-GB" sz="1800" dirty="0" err="1">
+                <a:solidFill>
+                  <a:srgbClr val="000000"/>
+                </a:solidFill>
+                <a:latin typeface="Cascadia Mono" panose="020B0609020000020004" pitchFamily="49" charset="0"/>
+              </a:rPr>
+              <a:t>sinf</a:t>
+            </a:r>
+            <a:r>
+              <a:rPr lang="en-GB" sz="1800" dirty="0">
+                <a:solidFill>
+                  <a:srgbClr val="000000"/>
+                </a:solidFill>
+                <a:latin typeface="Cascadia Mono" panose="020B0609020000020004" pitchFamily="49" charset="0"/>
+              </a:rPr>
+              <a:t>(</a:t>
+            </a:r>
+            <a:r>
+              <a:rPr lang="en-GB" sz="1800" dirty="0" err="1">
+                <a:solidFill>
+                  <a:srgbClr val="000000"/>
+                </a:solidFill>
+                <a:latin typeface="Cascadia Mono" panose="020B0609020000020004" pitchFamily="49" charset="0"/>
+              </a:rPr>
+              <a:t>juce</a:t>
+            </a:r>
+            <a:r>
+              <a:rPr lang="en-GB" sz="1800" dirty="0">
+                <a:solidFill>
+                  <a:srgbClr val="000000"/>
+                </a:solidFill>
+                <a:latin typeface="Cascadia Mono" panose="020B0609020000020004" pitchFamily="49" charset="0"/>
+              </a:rPr>
+              <a:t>::</a:t>
+            </a:r>
+            <a:r>
+              <a:rPr lang="en-GB" sz="1800" dirty="0" err="1">
+                <a:solidFill>
+                  <a:srgbClr val="2B91AF"/>
+                </a:solidFill>
+                <a:latin typeface="Cascadia Mono" panose="020B0609020000020004" pitchFamily="49" charset="0"/>
+              </a:rPr>
+              <a:t>MathConstants</a:t>
+            </a:r>
+            <a:r>
+              <a:rPr lang="en-GB" sz="1800" dirty="0">
+                <a:solidFill>
+                  <a:srgbClr val="000000"/>
+                </a:solidFill>
+                <a:latin typeface="Cascadia Mono" panose="020B0609020000020004" pitchFamily="49" charset="0"/>
+              </a:rPr>
+              <a:t>&lt;</a:t>
+            </a:r>
+            <a:r>
+              <a:rPr lang="en-GB" sz="1800" dirty="0">
+                <a:solidFill>
+                  <a:srgbClr val="0000FF"/>
+                </a:solidFill>
+                <a:latin typeface="Cascadia Mono" panose="020B0609020000020004" pitchFamily="49" charset="0"/>
+              </a:rPr>
+              <a:t>float</a:t>
+            </a:r>
+            <a:r>
+              <a:rPr lang="en-GB" sz="1800" dirty="0">
+                <a:solidFill>
+                  <a:srgbClr val="000000"/>
+                </a:solidFill>
+                <a:latin typeface="Cascadia Mono" panose="020B0609020000020004" pitchFamily="49" charset="0"/>
+              </a:rPr>
+              <a:t>&gt;::</a:t>
+            </a:r>
+            <a:r>
+              <a:rPr lang="en-GB" sz="1800" dirty="0" err="1">
+                <a:solidFill>
+                  <a:srgbClr val="000000"/>
+                </a:solidFill>
+                <a:latin typeface="Cascadia Mono" panose="020B0609020000020004" pitchFamily="49" charset="0"/>
+              </a:rPr>
+              <a:t>twoPi</a:t>
+            </a:r>
+            <a:r>
+              <a:rPr lang="en-GB" sz="1800" dirty="0">
+                <a:solidFill>
+                  <a:srgbClr val="000000"/>
+                </a:solidFill>
+                <a:latin typeface="Cascadia Mono" panose="020B0609020000020004" pitchFamily="49" charset="0"/>
+              </a:rPr>
+              <a:t> * </a:t>
+            </a:r>
+            <a:r>
+              <a:rPr lang="en-GB" sz="1800" dirty="0" err="1">
+                <a:solidFill>
+                  <a:srgbClr val="000000"/>
+                </a:solidFill>
+                <a:latin typeface="Cascadia Mono" panose="020B0609020000020004" pitchFamily="49" charset="0"/>
+              </a:rPr>
+              <a:t>modulatedCarrierPhase</a:t>
+            </a:r>
+            <a:r>
+              <a:rPr lang="en-GB" sz="1800" dirty="0">
+                <a:solidFill>
+                  <a:srgbClr val="000000"/>
+                </a:solidFill>
+                <a:latin typeface="Cascadia Mono" panose="020B0609020000020004" pitchFamily="49" charset="0"/>
+              </a:rPr>
+              <a:t>);</a:t>
+            </a:r>
+          </a:p>
+          <a:p>
+            <a:r>
+              <a:rPr lang="en-GB" sz="1800" dirty="0">
+                <a:solidFill>
+                  <a:srgbClr val="000000"/>
+                </a:solidFill>
+                <a:latin typeface="Cascadia Mono" panose="020B0609020000020004" pitchFamily="49" charset="0"/>
+              </a:rPr>
+              <a:t>  </a:t>
+            </a:r>
+            <a:r>
+              <a:rPr lang="en-GB" sz="1800" dirty="0">
+                <a:solidFill>
+                  <a:srgbClr val="0000FF"/>
+                </a:solidFill>
+                <a:latin typeface="Cascadia Mono" panose="020B0609020000020004" pitchFamily="49" charset="0"/>
+              </a:rPr>
+              <a:t>for</a:t>
+            </a:r>
+            <a:r>
+              <a:rPr lang="en-GB" sz="1800" dirty="0">
+                <a:solidFill>
+                  <a:srgbClr val="000000"/>
+                </a:solidFill>
+                <a:latin typeface="Cascadia Mono" panose="020B0609020000020004" pitchFamily="49" charset="0"/>
+              </a:rPr>
+              <a:t> (</a:t>
+            </a:r>
+            <a:r>
+              <a:rPr lang="en-GB" sz="1800" dirty="0">
+                <a:solidFill>
+                  <a:srgbClr val="0000FF"/>
+                </a:solidFill>
+                <a:latin typeface="Cascadia Mono" panose="020B0609020000020004" pitchFamily="49" charset="0"/>
+              </a:rPr>
+              <a:t>int</a:t>
+            </a:r>
+            <a:r>
+              <a:rPr lang="en-GB" sz="1800" dirty="0">
+                <a:solidFill>
+                  <a:srgbClr val="000000"/>
+                </a:solidFill>
+                <a:latin typeface="Cascadia Mono" panose="020B0609020000020004" pitchFamily="49" charset="0"/>
+              </a:rPr>
+              <a:t> j = 0; j &lt; </a:t>
+            </a:r>
+            <a:r>
+              <a:rPr lang="en-GB" sz="1800" dirty="0" err="1">
+                <a:solidFill>
+                  <a:srgbClr val="000000"/>
+                </a:solidFill>
+                <a:latin typeface="Cascadia Mono" panose="020B0609020000020004" pitchFamily="49" charset="0"/>
+              </a:rPr>
+              <a:t>numOutputChannels</a:t>
+            </a:r>
+            <a:r>
+              <a:rPr lang="en-GB" sz="1800" dirty="0">
+                <a:solidFill>
+                  <a:srgbClr val="000000"/>
+                </a:solidFill>
+                <a:latin typeface="Cascadia Mono" panose="020B0609020000020004" pitchFamily="49" charset="0"/>
+              </a:rPr>
+              <a:t>; ++j) </a:t>
+            </a:r>
+          </a:p>
+          <a:p>
+            <a:r>
+              <a:rPr lang="en-GB" dirty="0">
+                <a:solidFill>
+                  <a:srgbClr val="000000"/>
+                </a:solidFill>
+                <a:latin typeface="Cascadia Mono" panose="020B0609020000020004" pitchFamily="49" charset="0"/>
+              </a:rPr>
+              <a:t>    </a:t>
+            </a:r>
+            <a:r>
+              <a:rPr lang="en-GB" sz="1800" dirty="0" err="1">
+                <a:solidFill>
+                  <a:srgbClr val="808080"/>
+                </a:solidFill>
+                <a:latin typeface="Cascadia Mono" panose="020B0609020000020004" pitchFamily="49" charset="0"/>
+              </a:rPr>
+              <a:t>buffer</a:t>
+            </a:r>
+            <a:r>
+              <a:rPr lang="en-GB" sz="1800" dirty="0" err="1">
+                <a:solidFill>
+                  <a:srgbClr val="000000"/>
+                </a:solidFill>
+                <a:latin typeface="Cascadia Mono" panose="020B0609020000020004" pitchFamily="49" charset="0"/>
+              </a:rPr>
+              <a:t>.getWritePointer</a:t>
+            </a:r>
+            <a:r>
+              <a:rPr lang="en-GB" sz="1800" dirty="0">
+                <a:solidFill>
+                  <a:srgbClr val="000000"/>
+                </a:solidFill>
+                <a:latin typeface="Cascadia Mono" panose="020B0609020000020004" pitchFamily="49" charset="0"/>
+              </a:rPr>
+              <a:t>(j)[</a:t>
+            </a:r>
+            <a:r>
+              <a:rPr lang="en-GB" sz="1800" dirty="0" err="1">
+                <a:solidFill>
+                  <a:srgbClr val="000000"/>
+                </a:solidFill>
+                <a:latin typeface="Cascadia Mono" panose="020B0609020000020004" pitchFamily="49" charset="0"/>
+              </a:rPr>
+              <a:t>i</a:t>
+            </a:r>
+            <a:r>
+              <a:rPr lang="en-GB" sz="1800" dirty="0">
+                <a:solidFill>
+                  <a:srgbClr val="000000"/>
+                </a:solidFill>
+                <a:latin typeface="Cascadia Mono" panose="020B0609020000020004" pitchFamily="49" charset="0"/>
+              </a:rPr>
+              <a:t>] = </a:t>
+            </a:r>
+            <a:r>
+              <a:rPr lang="en-GB" sz="1800" dirty="0" err="1">
+                <a:solidFill>
+                  <a:srgbClr val="000000"/>
+                </a:solidFill>
+                <a:latin typeface="Cascadia Mono" panose="020B0609020000020004" pitchFamily="49" charset="0"/>
+              </a:rPr>
+              <a:t>modulatedCarrierSignal</a:t>
+            </a:r>
+            <a:r>
+              <a:rPr lang="en-GB" sz="1800" dirty="0">
+                <a:solidFill>
+                  <a:srgbClr val="000000"/>
+                </a:solidFill>
+                <a:latin typeface="Cascadia Mono" panose="020B0609020000020004" pitchFamily="49" charset="0"/>
+              </a:rPr>
+              <a:t>;</a:t>
+            </a:r>
+          </a:p>
+          <a:p>
+            <a:endParaRPr lang="en-GB" sz="1800" dirty="0">
+              <a:solidFill>
+                <a:srgbClr val="000000"/>
+              </a:solidFill>
+              <a:latin typeface="Cascadia Mono" panose="020B0609020000020004" pitchFamily="49" charset="0"/>
+            </a:endParaRPr>
+          </a:p>
+          <a:p>
+            <a:r>
+              <a:rPr lang="en-GB" sz="1800" dirty="0">
+                <a:solidFill>
+                  <a:srgbClr val="000000"/>
+                </a:solidFill>
+                <a:latin typeface="Cascadia Mono" panose="020B0609020000020004" pitchFamily="49" charset="0"/>
+              </a:rPr>
+              <a:t>  </a:t>
+            </a:r>
+            <a:r>
+              <a:rPr lang="en-GB" sz="1800" dirty="0" err="1">
+                <a:solidFill>
+                  <a:srgbClr val="000000"/>
+                </a:solidFill>
+                <a:latin typeface="Cascadia Mono" panose="020B0609020000020004" pitchFamily="49" charset="0"/>
+              </a:rPr>
+              <a:t>modulatorPhase</a:t>
+            </a:r>
+            <a:r>
+              <a:rPr lang="en-GB" sz="1800" dirty="0">
+                <a:solidFill>
+                  <a:srgbClr val="000000"/>
+                </a:solidFill>
+                <a:latin typeface="Cascadia Mono" panose="020B0609020000020004" pitchFamily="49" charset="0"/>
+              </a:rPr>
+              <a:t> += </a:t>
+            </a:r>
+            <a:r>
+              <a:rPr lang="en-GB" sz="1800" dirty="0" err="1">
+                <a:solidFill>
+                  <a:srgbClr val="000000"/>
+                </a:solidFill>
+                <a:latin typeface="Cascadia Mono" panose="020B0609020000020004" pitchFamily="49" charset="0"/>
+              </a:rPr>
+              <a:t>modulatorFrequency</a:t>
+            </a:r>
+            <a:r>
+              <a:rPr lang="en-GB" sz="1800" dirty="0">
+                <a:solidFill>
+                  <a:srgbClr val="000000"/>
+                </a:solidFill>
+                <a:latin typeface="Cascadia Mono" panose="020B0609020000020004" pitchFamily="49" charset="0"/>
+              </a:rPr>
+              <a:t> / </a:t>
+            </a:r>
+            <a:r>
+              <a:rPr lang="en-GB" sz="1800" dirty="0" err="1">
+                <a:solidFill>
+                  <a:srgbClr val="000000"/>
+                </a:solidFill>
+                <a:latin typeface="Cascadia Mono" panose="020B0609020000020004" pitchFamily="49" charset="0"/>
+              </a:rPr>
+              <a:t>sampleRate</a:t>
+            </a:r>
+            <a:r>
+              <a:rPr lang="en-GB" sz="1800" dirty="0">
+                <a:solidFill>
+                  <a:srgbClr val="000000"/>
+                </a:solidFill>
+                <a:latin typeface="Cascadia Mono" panose="020B0609020000020004" pitchFamily="49" charset="0"/>
+              </a:rPr>
+              <a:t>;</a:t>
+            </a:r>
+          </a:p>
+          <a:p>
+            <a:r>
+              <a:rPr lang="en-GB" sz="1800" dirty="0">
+                <a:solidFill>
+                  <a:srgbClr val="000000"/>
+                </a:solidFill>
+                <a:latin typeface="Cascadia Mono" panose="020B0609020000020004" pitchFamily="49" charset="0"/>
+              </a:rPr>
+              <a:t>  </a:t>
+            </a:r>
+            <a:r>
+              <a:rPr lang="en-GB" sz="1800" dirty="0">
+                <a:solidFill>
+                  <a:srgbClr val="0000FF"/>
+                </a:solidFill>
+                <a:latin typeface="Cascadia Mono" panose="020B0609020000020004" pitchFamily="49" charset="0"/>
+              </a:rPr>
+              <a:t>while</a:t>
+            </a:r>
+            <a:r>
+              <a:rPr lang="en-GB" sz="1800" dirty="0">
+                <a:solidFill>
+                  <a:srgbClr val="000000"/>
+                </a:solidFill>
+                <a:latin typeface="Cascadia Mono" panose="020B0609020000020004" pitchFamily="49" charset="0"/>
+              </a:rPr>
+              <a:t> (</a:t>
+            </a:r>
+            <a:r>
+              <a:rPr lang="en-GB" sz="1800" dirty="0" err="1">
+                <a:solidFill>
+                  <a:srgbClr val="000000"/>
+                </a:solidFill>
+                <a:latin typeface="Cascadia Mono" panose="020B0609020000020004" pitchFamily="49" charset="0"/>
+              </a:rPr>
+              <a:t>modulatorPhase</a:t>
+            </a:r>
+            <a:r>
+              <a:rPr lang="en-GB" sz="1800" dirty="0">
+                <a:solidFill>
+                  <a:srgbClr val="000000"/>
+                </a:solidFill>
+                <a:latin typeface="Cascadia Mono" panose="020B0609020000020004" pitchFamily="49" charset="0"/>
+              </a:rPr>
+              <a:t> &gt;= 1.0) </a:t>
+            </a:r>
+            <a:r>
+              <a:rPr lang="en-GB" sz="1800" dirty="0" err="1">
+                <a:solidFill>
+                  <a:srgbClr val="000000"/>
+                </a:solidFill>
+                <a:latin typeface="Cascadia Mono" panose="020B0609020000020004" pitchFamily="49" charset="0"/>
+              </a:rPr>
+              <a:t>modulatorPhase</a:t>
+            </a:r>
+            <a:r>
+              <a:rPr lang="en-GB" sz="1800" dirty="0">
+                <a:solidFill>
+                  <a:srgbClr val="000000"/>
+                </a:solidFill>
+                <a:latin typeface="Cascadia Mono" panose="020B0609020000020004" pitchFamily="49" charset="0"/>
+              </a:rPr>
+              <a:t> -= 1.0;</a:t>
+            </a:r>
+          </a:p>
+          <a:p>
+            <a:r>
+              <a:rPr lang="en-GB" sz="1800" dirty="0">
+                <a:solidFill>
+                  <a:srgbClr val="000000"/>
+                </a:solidFill>
+                <a:latin typeface="Cascadia Mono" panose="020B0609020000020004" pitchFamily="49" charset="0"/>
+              </a:rPr>
+              <a:t>  </a:t>
+            </a:r>
+            <a:r>
+              <a:rPr lang="en-GB" sz="1800" dirty="0" err="1">
+                <a:solidFill>
+                  <a:srgbClr val="000000"/>
+                </a:solidFill>
+                <a:latin typeface="Cascadia Mono" panose="020B0609020000020004" pitchFamily="49" charset="0"/>
+              </a:rPr>
+              <a:t>modulatedCarrierPhase</a:t>
+            </a:r>
+            <a:r>
+              <a:rPr lang="en-GB" sz="1800" dirty="0">
+                <a:solidFill>
+                  <a:srgbClr val="000000"/>
+                </a:solidFill>
+                <a:latin typeface="Cascadia Mono" panose="020B0609020000020004" pitchFamily="49" charset="0"/>
+              </a:rPr>
+              <a:t> += (</a:t>
+            </a:r>
+            <a:r>
+              <a:rPr lang="en-GB" sz="1800" dirty="0" err="1">
+                <a:solidFill>
+                  <a:srgbClr val="000000"/>
+                </a:solidFill>
+                <a:latin typeface="Cascadia Mono" panose="020B0609020000020004" pitchFamily="49" charset="0"/>
+              </a:rPr>
+              <a:t>carrierFrequency</a:t>
+            </a:r>
+            <a:r>
+              <a:rPr lang="en-GB" sz="1800" dirty="0">
+                <a:solidFill>
+                  <a:srgbClr val="000000"/>
+                </a:solidFill>
+                <a:latin typeface="Cascadia Mono" panose="020B0609020000020004" pitchFamily="49" charset="0"/>
+              </a:rPr>
+              <a:t> + </a:t>
+            </a:r>
+            <a:r>
+              <a:rPr lang="en-GB" sz="1800" dirty="0" err="1">
+                <a:solidFill>
+                  <a:srgbClr val="000000"/>
+                </a:solidFill>
+                <a:latin typeface="Cascadia Mono" panose="020B0609020000020004" pitchFamily="49" charset="0"/>
+              </a:rPr>
+              <a:t>modulatorSignal</a:t>
+            </a:r>
+            <a:r>
+              <a:rPr lang="en-GB" sz="1800" dirty="0">
+                <a:solidFill>
+                  <a:srgbClr val="000000"/>
+                </a:solidFill>
+                <a:latin typeface="Cascadia Mono" panose="020B0609020000020004" pitchFamily="49" charset="0"/>
+              </a:rPr>
+              <a:t>) / </a:t>
+            </a:r>
+            <a:r>
+              <a:rPr lang="en-GB" sz="1800" dirty="0" err="1">
+                <a:solidFill>
+                  <a:srgbClr val="000000"/>
+                </a:solidFill>
+                <a:latin typeface="Cascadia Mono" panose="020B0609020000020004" pitchFamily="49" charset="0"/>
+              </a:rPr>
+              <a:t>sampleRate</a:t>
+            </a:r>
+            <a:r>
+              <a:rPr lang="en-GB" sz="1800" dirty="0">
+                <a:solidFill>
+                  <a:srgbClr val="000000"/>
+                </a:solidFill>
+                <a:latin typeface="Cascadia Mono" panose="020B0609020000020004" pitchFamily="49" charset="0"/>
+              </a:rPr>
+              <a:t>;</a:t>
+            </a:r>
+          </a:p>
+          <a:p>
+            <a:r>
+              <a:rPr lang="en-GB" sz="1800" dirty="0">
+                <a:solidFill>
+                  <a:srgbClr val="000000"/>
+                </a:solidFill>
+                <a:latin typeface="Cascadia Mono" panose="020B0609020000020004" pitchFamily="49" charset="0"/>
+              </a:rPr>
+              <a:t>  </a:t>
+            </a:r>
+            <a:r>
+              <a:rPr lang="en-GB" sz="1800" dirty="0">
+                <a:solidFill>
+                  <a:srgbClr val="0000FF"/>
+                </a:solidFill>
+                <a:latin typeface="Cascadia Mono" panose="020B0609020000020004" pitchFamily="49" charset="0"/>
+              </a:rPr>
+              <a:t>while</a:t>
+            </a:r>
+            <a:r>
+              <a:rPr lang="en-GB" sz="1800" dirty="0">
+                <a:solidFill>
+                  <a:srgbClr val="000000"/>
+                </a:solidFill>
+                <a:latin typeface="Cascadia Mono" panose="020B0609020000020004" pitchFamily="49" charset="0"/>
+              </a:rPr>
+              <a:t> (</a:t>
+            </a:r>
+            <a:r>
+              <a:rPr lang="en-GB" sz="1800" dirty="0" err="1">
+                <a:solidFill>
+                  <a:srgbClr val="000000"/>
+                </a:solidFill>
+                <a:latin typeface="Cascadia Mono" panose="020B0609020000020004" pitchFamily="49" charset="0"/>
+              </a:rPr>
+              <a:t>modulatedCarrierPhase</a:t>
+            </a:r>
+            <a:r>
+              <a:rPr lang="en-GB" sz="1800" dirty="0">
+                <a:solidFill>
+                  <a:srgbClr val="000000"/>
+                </a:solidFill>
+                <a:latin typeface="Cascadia Mono" panose="020B0609020000020004" pitchFamily="49" charset="0"/>
+              </a:rPr>
+              <a:t> &gt;= 1.0) </a:t>
+            </a:r>
+            <a:r>
+              <a:rPr lang="en-GB" sz="1800" dirty="0" err="1">
+                <a:solidFill>
+                  <a:srgbClr val="000000"/>
+                </a:solidFill>
+                <a:latin typeface="Cascadia Mono" panose="020B0609020000020004" pitchFamily="49" charset="0"/>
+              </a:rPr>
+              <a:t>modulatedCarrierPhase</a:t>
+            </a:r>
+            <a:r>
+              <a:rPr lang="en-GB" sz="1800" dirty="0">
+                <a:solidFill>
+                  <a:srgbClr val="000000"/>
+                </a:solidFill>
+                <a:latin typeface="Cascadia Mono" panose="020B0609020000020004" pitchFamily="49" charset="0"/>
+              </a:rPr>
+              <a:t> -= 1.0;</a:t>
+            </a:r>
+          </a:p>
+          <a:p>
+            <a:r>
+              <a:rPr lang="en-GB" sz="1800" dirty="0">
+                <a:solidFill>
+                  <a:srgbClr val="000000"/>
+                </a:solidFill>
+                <a:latin typeface="Cascadia Mono" panose="020B0609020000020004" pitchFamily="49" charset="0"/>
+              </a:rPr>
+              <a:t>}</a:t>
+            </a:r>
+            <a:endParaRPr lang="en-GB" sz="1200" dirty="0">
+              <a:solidFill>
+                <a:srgbClr val="000000"/>
+              </a:solidFill>
+              <a:latin typeface="Cascadia Mono" panose="020B0609020000020004" pitchFamily="49" charset="0"/>
+            </a:endParaRPr>
+          </a:p>
+        </p:txBody>
+      </p:sp>
+    </p:spTree>
+    <p:extLst>
+      <p:ext uri="{BB962C8B-B14F-4D97-AF65-F5344CB8AC3E}">
+        <p14:creationId xmlns:p14="http://schemas.microsoft.com/office/powerpoint/2010/main" val="2690400109"/>
+      </p:ext>
+    </p:extLst>
+  </p:cSld>
+  <p:clrMapOvr>
+    <a:masterClrMapping/>
+  </p:clrMapOvr>
+  <p:transition/>
 </p:sld>
 </file>
 
 <file path=ppt/theme/theme1.xml><?xml version="1.0" encoding="utf-8"?>
-<a:theme xmlns:a="http://schemas.openxmlformats.org/drawingml/2006/main" name="Office Theme">
+<a:theme xmlns:a="http://schemas.openxmlformats.org/drawingml/2006/main" name="Title &amp; Bullets">
   <a:themeElements>
-    <a:clrScheme name="Office">
+    <a:clrScheme name="Title &amp; Bullets 1">
       <a:dk1>
-        <a:sysClr val="windowText" lastClr="000000"/>
+        <a:srgbClr val="000000"/>
       </a:dk1>
       <a:lt1>
-        <a:sysClr val="window" lastClr="FFFFFF"/>
+        <a:srgbClr val="FFFFFF"/>
       </a:lt1>
       <a:dk2>
-        <a:srgbClr val="44546A"/>
+        <a:srgbClr val="000000"/>
       </a:dk2>
       <a:lt2>
-        <a:srgbClr val="E7E6E6"/>
+        <a:srgbClr val="808080"/>
       </a:lt2>
       <a:accent1>
-        <a:srgbClr val="4472C4"/>
+        <a:srgbClr val="BBE0E3"/>
       </a:accent1>
       <a:accent2>
-        <a:srgbClr val="ED7D31"/>
+        <a:srgbClr val="333399"/>
       </a:accent2>
       <a:accent3>
-        <a:srgbClr val="A5A5A5"/>
+        <a:srgbClr val="FFFFFF"/>
       </a:accent3>
       <a:accent4>
-        <a:srgbClr val="FFC000"/>
+        <a:srgbClr val="000000"/>
       </a:accent4>
       <a:accent5>
-        <a:srgbClr val="5B9BD5"/>
+        <a:srgbClr val="DAEDEF"/>
       </a:accent5>
       <a:accent6>
-        <a:srgbClr val="70AD47"/>
+        <a:srgbClr val="2D2D8A"/>
       </a:accent6>
       <a:hlink>
-        <a:srgbClr val="0563C1"/>
+        <a:srgbClr val="009999"/>
       </a:hlink>
       <a:folHlink>
-        <a:srgbClr val="954F72"/>
+        <a:srgbClr val="99CC00"/>
       </a:folHlink>
     </a:clrScheme>
-    <a:fontScheme name="Office">
+    <a:fontScheme name="Title &amp; Bullets">
       <a:majorFont>
-        <a:latin typeface="Calibri Light" panose="020F0302020204030204"/>
-        <a:ea typeface=""/>
-        <a:cs typeface=""/>
-        <a:font script="Jpan" typeface="游ゴシック Light"/>
-        <a:font script="Hang" typeface="맑은 고딕"/>
-        <a:font script="Hans" typeface="等线 Light"/>
-        <a:font script="Hant" typeface="新細明體"/>
-        <a:font script="Arab" typeface="Times New Roman"/>
-        <a:font script="Hebr" typeface="Times New Roman"/>
-        <a:font script="Thai" typeface="Angsana New"/>
-        <a:font script="Ethi" typeface="Nyala"/>
-        <a:font script="Beng" typeface="Vrinda"/>
-        <a:font script="Gujr" typeface="Shruti"/>
-        <a:font script="Khmr" typeface="MoolBoran"/>
-        <a:font script="Knda" typeface="Tunga"/>
-        <a:font script="Guru" typeface="Raavi"/>
-        <a:font script="Cans" typeface="Euphemia"/>
-        <a:font script="Cher" typeface="Plantagenet Cherokee"/>
-        <a:font script="Yiii" typeface="Microsoft Yi Baiti"/>
-        <a:font script="Tibt" typeface="Microsoft Himalaya"/>
-        <a:font script="Thaa" typeface="MV Boli"/>
-        <a:font script="Deva" typeface="Mangal"/>
-        <a:font script="Telu" typeface="Gautami"/>
-        <a:font script="Taml" typeface="Latha"/>
-        <a:font script="Syrc" typeface="Estrangelo Edessa"/>
-        <a:font script="Orya" typeface="Kalinga"/>
-        <a:font script="Mlym" typeface="Kartika"/>
-        <a:font script="Laoo" typeface="DokChampa"/>
-        <a:font script="Sinh" typeface="Iskoola Pota"/>
-        <a:font script="Mong" typeface="Mongolian Baiti"/>
-        <a:font script="Viet" typeface="Times New Roman"/>
-        <a:font script="Uigh" typeface="Microsoft Uighur"/>
-        <a:font script="Geor" typeface="Sylfaen"/>
-        <a:font script="Armn" typeface="Arial"/>
-        <a:font script="Bugi" typeface="Leelawadee UI"/>
-        <a:font script="Bopo" typeface="Microsoft JhengHei"/>
-        <a:font script="Java" typeface="Javanese Text"/>
-        <a:font script="Lisu" typeface="Segoe UI"/>
-        <a:font script="Mymr" typeface="Myanmar Text"/>
-        <a:font script="Nkoo" typeface="Ebrima"/>
-        <a:font script="Olck" typeface="Nirmala UI"/>
-        <a:font script="Osma" typeface="Ebrima"/>
-        <a:font script="Phag" typeface="Phagspa"/>
-        <a:font script="Syrn" typeface="Estrangelo Edessa"/>
-        <a:font script="Syrj" typeface="Estrangelo Edessa"/>
-        <a:font script="Syre" typeface="Estrangelo Edessa"/>
-        <a:font script="Sora" typeface="Nirmala UI"/>
-        <a:font script="Tale" typeface="Microsoft Tai Le"/>
-        <a:font script="Talu" typeface="Microsoft New Tai Lue"/>
-        <a:font script="Tfng" typeface="Ebrima"/>
+        <a:latin typeface="Arial"/>
+        <a:ea typeface="ヒラギノ角ゴ ProN W3"/>
+        <a:cs typeface="ヒラギノ角ゴ ProN W3"/>
       </a:majorFont>
       <a:minorFont>
-        <a:latin typeface="Calibri" panose="020F0502020204030204"/>
-        <a:ea typeface=""/>
-        <a:cs typeface=""/>
-        <a:font script="Jpan" typeface="游ゴシック"/>
-        <a:font script="Hang" typeface="맑은 고딕"/>
-        <a:font script="Hans" typeface="等线"/>
-        <a:font script="Hant" typeface="新細明體"/>
-        <a:font script="Arab" typeface="Arial"/>
-        <a:font script="Hebr" typeface="Arial"/>
-        <a:font script="Thai" typeface="Cordia New"/>
-        <a:font script="Ethi" typeface="Nyala"/>
-        <a:font script="Beng" typeface="Vrinda"/>
-        <a:font script="Gujr" typeface="Shruti"/>
-        <a:font script="Khmr" typeface="DaunPenh"/>
-        <a:font script="Knda" typeface="Tunga"/>
-        <a:font script="Guru" typeface="Raavi"/>
-        <a:font script="Cans" typeface="Euphemia"/>
-        <a:font script="Cher" typeface="Plantagenet Cherokee"/>
-        <a:font script="Yiii" typeface="Microsoft Yi Baiti"/>
-        <a:font script="Tibt" typeface="Microsoft Himalaya"/>
-        <a:font script="Thaa" typeface="MV Boli"/>
-        <a:font script="Deva" typeface="Mangal"/>
-        <a:font script="Telu" typeface="Gautami"/>
-        <a:font script="Taml" typeface="Latha"/>
-        <a:font script="Syrc" typeface="Estrangelo Edessa"/>
-        <a:font script="Orya" typeface="Kalinga"/>
-        <a:font script="Mlym" typeface="Kartika"/>
-        <a:font script="Laoo" typeface="DokChampa"/>
-        <a:font script="Sinh" typeface="Iskoola Pota"/>
-        <a:font script="Mong" typeface="Mongolian Baiti"/>
-        <a:font script="Viet" typeface="Arial"/>
-        <a:font script="Uigh" typeface="Microsoft Uighur"/>
-        <a:font script="Geor" typeface="Sylfaen"/>
-        <a:font script="Armn" typeface="Arial"/>
-        <a:font script="Bugi" typeface="Leelawadee UI"/>
-        <a:font script="Bopo" typeface="Microsoft JhengHei"/>
-        <a:font script="Java" typeface="Javanese Text"/>
-        <a:font script="Lisu" typeface="Segoe UI"/>
-        <a:font script="Mymr" typeface="Myanmar Text"/>
-        <a:font script="Nkoo" typeface="Ebrima"/>
-        <a:font script="Olck" typeface="Nirmala UI"/>
-        <a:font script="Osma" typeface="Ebrima"/>
-        <a:font script="Phag" typeface="Phagspa"/>
-        <a:font script="Syrn" typeface="Estrangelo Edessa"/>
-        <a:font script="Syrj" typeface="Estrangelo Edessa"/>
-        <a:font script="Syre" typeface="Estrangelo Edessa"/>
-        <a:font script="Sora" typeface="Nirmala UI"/>
-        <a:font script="Tale" typeface="Microsoft Tai Le"/>
-        <a:font script="Talu" typeface="Microsoft New Tai Lue"/>
-        <a:font script="Tfng" typeface="Ebrima"/>
+        <a:latin typeface="Arial"/>
+        <a:ea typeface="ヒラギノ角ゴ ProN W3"/>
+        <a:cs typeface="ヒラギノ角ゴ ProN W3"/>
       </a:minorFont>
     </a:fontScheme>
     <a:fmtScheme name="Office">
@@ -6432,142 +8863,343 @@
           <a:gsLst>
             <a:gs pos="0">
               <a:schemeClr val="phClr">
-                <a:lumMod val="110000"/>
-                <a:satMod val="105000"/>
-                <a:tint val="67000"/>
+                <a:tint val="50000"/>
+                <a:satMod val="300000"/>
               </a:schemeClr>
             </a:gs>
-            <a:gs pos="50000">
+            <a:gs pos="35000">
               <a:schemeClr val="phClr">
-                <a:lumMod val="105000"/>
-                <a:satMod val="103000"/>
-                <a:tint val="73000"/>
+                <a:tint val="37000"/>
+                <a:satMod val="300000"/>
               </a:schemeClr>
             </a:gs>
             <a:gs pos="100000">
               <a:schemeClr val="phClr">
-                <a:lumMod val="105000"/>
-                <a:satMod val="109000"/>
-                <a:tint val="81000"/>
+                <a:tint val="15000"/>
+                <a:satMod val="350000"/>
               </a:schemeClr>
             </a:gs>
           </a:gsLst>
-          <a:lin ang="5400000" scaled="0"/>
+          <a:lin ang="16200000" scaled="1"/>
         </a:gradFill>
         <a:gradFill rotWithShape="1">
           <a:gsLst>
             <a:gs pos="0">
               <a:schemeClr val="phClr">
-                <a:satMod val="103000"/>
-                <a:lumMod val="102000"/>
-                <a:tint val="94000"/>
+                <a:shade val="51000"/>
+                <a:satMod val="130000"/>
               </a:schemeClr>
             </a:gs>
-            <a:gs pos="50000">
+            <a:gs pos="80000">
               <a:schemeClr val="phClr">
-                <a:satMod val="110000"/>
-                <a:lumMod val="100000"/>
-                <a:shade val="100000"/>
+                <a:shade val="93000"/>
+                <a:satMod val="130000"/>
               </a:schemeClr>
             </a:gs>
             <a:gs pos="100000">
               <a:schemeClr val="phClr">
-                <a:lumMod val="99000"/>
-                <a:satMod val="120000"/>
-                <a:shade val="78000"/>
+                <a:shade val="94000"/>
+                <a:satMod val="135000"/>
               </a:schemeClr>
             </a:gs>
           </a:gsLst>
-          <a:lin ang="5400000" scaled="0"/>
+          <a:lin ang="16200000" scaled="0"/>
         </a:gradFill>
       </a:fillStyleLst>
       <a:lnStyleLst>
-        <a:ln w="6350" cap="flat" cmpd="sng" algn="ctr">
+        <a:ln w="9525" cap="flat" cmpd="sng" algn="ctr">
+          <a:solidFill>
+            <a:schemeClr val="phClr">
+              <a:shade val="95000"/>
+              <a:satMod val="105000"/>
+            </a:schemeClr>
+          </a:solidFill>
+          <a:prstDash val="solid"/>
+        </a:ln>
+        <a:ln w="25400" cap="flat" cmpd="sng" algn="ctr">
           <a:solidFill>
             <a:schemeClr val="phClr"/>
           </a:solidFill>
           <a:prstDash val="solid"/>
-          <a:miter lim="800000"/>
         </a:ln>
-        <a:ln w="12700" cap="flat" cmpd="sng" algn="ctr">
+        <a:ln w="38100" cap="flat" cmpd="sng" algn="ctr">
           <a:solidFill>
             <a:schemeClr val="phClr"/>
           </a:solidFill>
           <a:prstDash val="solid"/>
-          <a:miter lim="800000"/>
-        </a:ln>
-        <a:ln w="19050" cap="flat" cmpd="sng" algn="ctr">
-          <a:solidFill>
-            <a:schemeClr val="phClr"/>
-          </a:solidFill>
-          <a:prstDash val="solid"/>
-          <a:miter lim="800000"/>
         </a:ln>
       </a:lnStyleLst>
       <a:effectStyleLst>
         <a:effectStyle>
-          <a:effectLst/>
-        </a:effectStyle>
-        <a:effectStyle>
-          <a:effectLst/>
+          <a:effectLst>
+            <a:outerShdw blurRad="40000" dist="20000" dir="5400000" rotWithShape="0">
+              <a:srgbClr val="000000">
+                <a:alpha val="38000"/>
+              </a:srgbClr>
+            </a:outerShdw>
+          </a:effectLst>
         </a:effectStyle>
         <a:effectStyle>
           <a:effectLst>
-            <a:outerShdw blurRad="57150" dist="19050" dir="5400000" algn="ctr" rotWithShape="0">
+            <a:outerShdw blurRad="40000" dist="23000" dir="5400000" rotWithShape="0">
               <a:srgbClr val="000000">
-                <a:alpha val="63000"/>
+                <a:alpha val="35000"/>
               </a:srgbClr>
             </a:outerShdw>
           </a:effectLst>
+        </a:effectStyle>
+        <a:effectStyle>
+          <a:effectLst>
+            <a:outerShdw blurRad="40000" dist="23000" dir="5400000" rotWithShape="0">
+              <a:srgbClr val="000000">
+                <a:alpha val="35000"/>
+              </a:srgbClr>
+            </a:outerShdw>
+          </a:effectLst>
+          <a:scene3d>
+            <a:camera prst="orthographicFront">
+              <a:rot lat="0" lon="0" rev="0"/>
+            </a:camera>
+            <a:lightRig rig="threePt" dir="t">
+              <a:rot lat="0" lon="0" rev="1200000"/>
+            </a:lightRig>
+          </a:scene3d>
+          <a:sp3d>
+            <a:bevelT w="63500" h="25400"/>
+          </a:sp3d>
         </a:effectStyle>
       </a:effectStyleLst>
       <a:bgFillStyleLst>
         <a:solidFill>
           <a:schemeClr val="phClr"/>
         </a:solidFill>
-        <a:solidFill>
-          <a:schemeClr val="phClr">
-            <a:tint val="95000"/>
-            <a:satMod val="170000"/>
-          </a:schemeClr>
-        </a:solidFill>
         <a:gradFill rotWithShape="1">
           <a:gsLst>
             <a:gs pos="0">
               <a:schemeClr val="phClr">
-                <a:tint val="93000"/>
-                <a:satMod val="150000"/>
-                <a:shade val="98000"/>
-                <a:lumMod val="102000"/>
+                <a:tint val="40000"/>
+                <a:satMod val="350000"/>
               </a:schemeClr>
             </a:gs>
-            <a:gs pos="50000">
+            <a:gs pos="40000">
               <a:schemeClr val="phClr">
-                <a:tint val="98000"/>
-                <a:satMod val="130000"/>
-                <a:shade val="90000"/>
-                <a:lumMod val="103000"/>
+                <a:tint val="45000"/>
+                <a:shade val="99000"/>
+                <a:satMod val="350000"/>
               </a:schemeClr>
             </a:gs>
             <a:gs pos="100000">
               <a:schemeClr val="phClr">
-                <a:shade val="63000"/>
-                <a:satMod val="120000"/>
+                <a:shade val="20000"/>
+                <a:satMod val="255000"/>
               </a:schemeClr>
             </a:gs>
           </a:gsLst>
-          <a:lin ang="5400000" scaled="0"/>
+          <a:path path="circle">
+            <a:fillToRect l="50000" t="-80000" r="50000" b="180000"/>
+          </a:path>
+        </a:gradFill>
+        <a:gradFill rotWithShape="1">
+          <a:gsLst>
+            <a:gs pos="0">
+              <a:schemeClr val="phClr">
+                <a:tint val="80000"/>
+                <a:satMod val="300000"/>
+              </a:schemeClr>
+            </a:gs>
+            <a:gs pos="100000">
+              <a:schemeClr val="phClr">
+                <a:shade val="30000"/>
+                <a:satMod val="200000"/>
+              </a:schemeClr>
+            </a:gs>
+          </a:gsLst>
+          <a:path path="circle">
+            <a:fillToRect l="50000" t="50000" r="50000" b="50000"/>
+          </a:path>
         </a:gradFill>
       </a:bgFillStyleLst>
     </a:fmtScheme>
   </a:themeElements>
-  <a:objectDefaults/>
-  <a:extraClrSchemeLst/>
-  <a:extLst>
-    <a:ext uri="{05A4C25C-085E-4340-85A3-A5531E510DB2}">
-      <thm15:themeFamily xmlns:thm15="http://schemas.microsoft.com/office/thememl/2012/main" name="Office Theme" id="{62F939B6-93AF-4DB8-9C6B-D6C7DFDC589F}" vid="{4A3C46E8-61CC-4603-A589-7422A47A8E4A}"/>
-    </a:ext>
-  </a:extLst>
+  <a:objectDefaults>
+    <a:spDef>
+      <a:spPr bwMode="auto">
+        <a:xfrm>
+          <a:off x="0" y="0"/>
+          <a:ext cx="1" cy="1"/>
+        </a:xfrm>
+        <a:custGeom>
+          <a:avLst/>
+          <a:gdLst/>
+          <a:ahLst/>
+          <a:cxnLst/>
+          <a:rect l="0" t="0" r="0" b="0"/>
+          <a:pathLst/>
+        </a:custGeom>
+        <a:blipFill dpi="0" rotWithShape="0">
+          <a:blip xmlns:r="http://schemas.openxmlformats.org/officeDocument/2006/relationships" r:embed="rId1"/>
+          <a:srcRect/>
+          <a:tile tx="0" ty="0" sx="100000" sy="100000" flip="none" algn="tl"/>
+        </a:blipFill>
+        <a:ln w="25400" cap="flat" cmpd="sng" algn="ctr">
+          <a:solidFill>
+            <a:srgbClr val="000000"/>
+          </a:solidFill>
+          <a:prstDash val="solid"/>
+          <a:round/>
+          <a:headEnd type="none" w="med" len="med"/>
+          <a:tailEnd type="none" w="med" len="med"/>
+        </a:ln>
+        <a:effectLst/>
+      </a:spPr>
+      <a:bodyPr vert="horz" wrap="square" lIns="91440" tIns="45720" rIns="91440" bIns="45720" numCol="1" anchor="t" anchorCtr="0" compatLnSpc="1">
+        <a:prstTxWarp prst="textNoShape">
+          <a:avLst/>
+        </a:prstTxWarp>
+      </a:bodyPr>
+      <a:lstStyle>
+        <a:defPPr marL="0" marR="0" indent="0" algn="ctr" defTabSz="914400" rtl="0" eaLnBrk="1" fontAlgn="base" latinLnBrk="0" hangingPunct="1">
+          <a:lnSpc>
+            <a:spcPct val="100000"/>
+          </a:lnSpc>
+          <a:spcBef>
+            <a:spcPct val="0"/>
+          </a:spcBef>
+          <a:spcAft>
+            <a:spcPct val="0"/>
+          </a:spcAft>
+          <a:buClrTx/>
+          <a:buSzTx/>
+          <a:buFontTx/>
+          <a:buNone/>
+          <a:tabLst/>
+          <a:defRPr kumimoji="0" lang="en-US" sz="4200" b="0" i="0" u="none" strike="noStrike" cap="none" normalizeH="0" baseline="0" smtClean="0">
+            <a:ln>
+              <a:noFill/>
+            </a:ln>
+            <a:solidFill>
+              <a:srgbClr val="000000"/>
+            </a:solidFill>
+            <a:effectLst/>
+            <a:latin typeface="Gill Sans" charset="0"/>
+            <a:ea typeface="ヒラギノ角ゴ ProN W3" charset="0"/>
+            <a:cs typeface="ヒラギノ角ゴ ProN W3" charset="0"/>
+            <a:sym typeface="Gill Sans" charset="0"/>
+          </a:defRPr>
+        </a:defPPr>
+      </a:lstStyle>
+    </a:spDef>
+    <a:lnDef>
+      <a:spPr bwMode="auto">
+        <a:xfrm>
+          <a:off x="0" y="0"/>
+          <a:ext cx="1" cy="1"/>
+        </a:xfrm>
+        <a:custGeom>
+          <a:avLst/>
+          <a:gdLst/>
+          <a:ahLst/>
+          <a:cxnLst/>
+          <a:rect l="0" t="0" r="0" b="0"/>
+          <a:pathLst/>
+        </a:custGeom>
+        <a:blipFill dpi="0" rotWithShape="0">
+          <a:blip xmlns:r="http://schemas.openxmlformats.org/officeDocument/2006/relationships" r:embed="rId1"/>
+          <a:srcRect/>
+          <a:tile tx="0" ty="0" sx="100000" sy="100000" flip="none" algn="tl"/>
+        </a:blipFill>
+        <a:ln w="25400" cap="flat" cmpd="sng" algn="ctr">
+          <a:solidFill>
+            <a:srgbClr val="000000"/>
+          </a:solidFill>
+          <a:prstDash val="solid"/>
+          <a:round/>
+          <a:headEnd type="none" w="med" len="med"/>
+          <a:tailEnd type="none" w="med" len="med"/>
+        </a:ln>
+        <a:effectLst/>
+      </a:spPr>
+      <a:bodyPr vert="horz" wrap="square" lIns="91440" tIns="45720" rIns="91440" bIns="45720" numCol="1" anchor="t" anchorCtr="0" compatLnSpc="1">
+        <a:prstTxWarp prst="textNoShape">
+          <a:avLst/>
+        </a:prstTxWarp>
+      </a:bodyPr>
+      <a:lstStyle>
+        <a:defPPr marL="0" marR="0" indent="0" algn="ctr" defTabSz="914400" rtl="0" eaLnBrk="1" fontAlgn="base" latinLnBrk="0" hangingPunct="1">
+          <a:lnSpc>
+            <a:spcPct val="100000"/>
+          </a:lnSpc>
+          <a:spcBef>
+            <a:spcPct val="0"/>
+          </a:spcBef>
+          <a:spcAft>
+            <a:spcPct val="0"/>
+          </a:spcAft>
+          <a:buClrTx/>
+          <a:buSzTx/>
+          <a:buFontTx/>
+          <a:buNone/>
+          <a:tabLst/>
+          <a:defRPr kumimoji="0" lang="en-US" sz="4200" b="0" i="0" u="none" strike="noStrike" cap="none" normalizeH="0" baseline="0" smtClean="0">
+            <a:ln>
+              <a:noFill/>
+            </a:ln>
+            <a:solidFill>
+              <a:srgbClr val="000000"/>
+            </a:solidFill>
+            <a:effectLst/>
+            <a:latin typeface="Gill Sans" charset="0"/>
+            <a:ea typeface="ヒラギノ角ゴ ProN W3" charset="0"/>
+            <a:cs typeface="ヒラギノ角ゴ ProN W3" charset="0"/>
+            <a:sym typeface="Gill Sans" charset="0"/>
+          </a:defRPr>
+        </a:defPPr>
+      </a:lstStyle>
+    </a:lnDef>
+  </a:objectDefaults>
+  <a:extraClrSchemeLst>
+    <a:extraClrScheme>
+      <a:clrScheme name="Title &amp; Bullets 1">
+        <a:dk1>
+          <a:srgbClr val="000000"/>
+        </a:dk1>
+        <a:lt1>
+          <a:srgbClr val="FFFFFF"/>
+        </a:lt1>
+        <a:dk2>
+          <a:srgbClr val="000000"/>
+        </a:dk2>
+        <a:lt2>
+          <a:srgbClr val="808080"/>
+        </a:lt2>
+        <a:accent1>
+          <a:srgbClr val="BBE0E3"/>
+        </a:accent1>
+        <a:accent2>
+          <a:srgbClr val="333399"/>
+        </a:accent2>
+        <a:accent3>
+          <a:srgbClr val="FFFFFF"/>
+        </a:accent3>
+        <a:accent4>
+          <a:srgbClr val="000000"/>
+        </a:accent4>
+        <a:accent5>
+          <a:srgbClr val="DAEDEF"/>
+        </a:accent5>
+        <a:accent6>
+          <a:srgbClr val="2D2D8A"/>
+        </a:accent6>
+        <a:hlink>
+          <a:srgbClr val="009999"/>
+        </a:hlink>
+        <a:folHlink>
+          <a:srgbClr val="99CC00"/>
+        </a:folHlink>
+      </a:clrScheme>
+      <a:clrMap bg1="lt1" tx1="dk1" bg2="lt2" tx2="dk2" accent1="accent1" accent2="accent2" accent3="accent3" accent4="accent4" accent5="accent5" accent6="accent6" hlink="hlink" folHlink="folHlink"/>
+    </a:extraClrScheme>
+  </a:extraClrSchemeLst>
 </a:theme>
 </file>
 
